--- a/lectures/slides/lec05.pptx
+++ b/lectures/slides/lec05.pptx
@@ -265,7 +265,7 @@
           <a:p>
             <a:fld id="{0918F070-10D7-B04C-89FC-5B4AD48ABD2F}" type="datetimeFigureOut">
               <a:rPr lang="en-US" smtClean="0"/>
-              <a:t>1/20/15</a:t>
+              <a:t>1/27/15</a:t>
             </a:fld>
             <a:endParaRPr lang="en-US"/>
           </a:p>
@@ -431,7 +431,7 @@
           <a:p>
             <a:fld id="{BE48478B-6CB6-1648-AD11-4BCA276D364A}" type="datetimeFigureOut">
               <a:rPr lang="en-US" smtClean="0"/>
-              <a:t>1/20/15</a:t>
+              <a:t>1/27/15</a:t>
             </a:fld>
             <a:endParaRPr lang="en-US"/>
           </a:p>
@@ -881,7 +881,7 @@
           <a:p>
             <a:fld id="{2FB93F97-23B1-B34B-BCF8-1DF9DC954D0E}" type="datetime1">
               <a:rPr lang="en-US" smtClean="0"/>
-              <a:t>1/20/15</a:t>
+              <a:t>1/27/15</a:t>
             </a:fld>
             <a:endParaRPr lang="en-US"/>
           </a:p>
@@ -1051,7 +1051,7 @@
           <a:p>
             <a:fld id="{55E8A922-EF40-F548-99CA-FE59217B66F2}" type="datetime1">
               <a:rPr lang="en-US" smtClean="0"/>
-              <a:t>1/20/15</a:t>
+              <a:t>1/27/15</a:t>
             </a:fld>
             <a:endParaRPr lang="en-US"/>
           </a:p>
@@ -1231,7 +1231,7 @@
           <a:p>
             <a:fld id="{1BF31902-5B04-D24C-8A31-E61C4D40B305}" type="datetime1">
               <a:rPr lang="en-US" smtClean="0"/>
-              <a:t>1/20/15</a:t>
+              <a:t>1/27/15</a:t>
             </a:fld>
             <a:endParaRPr lang="en-US"/>
           </a:p>
@@ -1409,7 +1409,7 @@
           <a:p>
             <a:fld id="{AFBC5961-1427-C843-A861-E75515128726}" type="datetime1">
               <a:rPr lang="en-US" smtClean="0"/>
-              <a:t>1/20/15</a:t>
+              <a:t>1/27/15</a:t>
             </a:fld>
             <a:endParaRPr lang="en-US"/>
           </a:p>
@@ -1655,7 +1655,7 @@
           <a:p>
             <a:fld id="{D339B2CA-C310-1C48-9BB4-3AEDAE034D0C}" type="datetime1">
               <a:rPr lang="en-US" smtClean="0"/>
-              <a:t>1/20/15</a:t>
+              <a:t>1/27/15</a:t>
             </a:fld>
             <a:endParaRPr lang="en-US"/>
           </a:p>
@@ -1943,7 +1943,7 @@
           <a:p>
             <a:fld id="{7F07F74D-9AEC-334D-87CF-05C0D6C2330B}" type="datetime1">
               <a:rPr lang="en-US" smtClean="0"/>
-              <a:t>1/20/15</a:t>
+              <a:t>1/27/15</a:t>
             </a:fld>
             <a:endParaRPr lang="en-US"/>
           </a:p>
@@ -2365,7 +2365,7 @@
           <a:p>
             <a:fld id="{39D651F1-51D9-DD41-A7AF-70DEA9AFAD7E}" type="datetime1">
               <a:rPr lang="en-US" smtClean="0"/>
-              <a:t>1/20/15</a:t>
+              <a:t>1/27/15</a:t>
             </a:fld>
             <a:endParaRPr lang="en-US"/>
           </a:p>
@@ -2483,7 +2483,7 @@
           <a:p>
             <a:fld id="{9E6A69ED-582D-2844-9B49-A7EF70424F03}" type="datetime1">
               <a:rPr lang="en-US" smtClean="0"/>
-              <a:t>1/20/15</a:t>
+              <a:t>1/27/15</a:t>
             </a:fld>
             <a:endParaRPr lang="en-US"/>
           </a:p>
@@ -2578,7 +2578,7 @@
           <a:p>
             <a:fld id="{7AB5679B-570A-8747-89CB-CAE920FA998D}" type="datetime1">
               <a:rPr lang="en-US" smtClean="0"/>
-              <a:t>1/20/15</a:t>
+              <a:t>1/27/15</a:t>
             </a:fld>
             <a:endParaRPr lang="en-US"/>
           </a:p>
@@ -2855,7 +2855,7 @@
           <a:p>
             <a:fld id="{6B64FD3B-8975-6344-B5E9-FD17A0A5BC9E}" type="datetime1">
               <a:rPr lang="en-US" smtClean="0"/>
-              <a:t>1/20/15</a:t>
+              <a:t>1/27/15</a:t>
             </a:fld>
             <a:endParaRPr lang="en-US"/>
           </a:p>
@@ -3108,7 +3108,7 @@
           <a:p>
             <a:fld id="{F9714BFD-FEB9-EA4B-8F8C-B8300151D609}" type="datetime1">
               <a:rPr lang="en-US" smtClean="0"/>
-              <a:t>1/20/15</a:t>
+              <a:t>1/27/15</a:t>
             </a:fld>
             <a:endParaRPr lang="en-US"/>
           </a:p>
@@ -3321,7 +3321,7 @@
           <a:p>
             <a:fld id="{13CB1F95-EA2E-134F-BB4E-10193B11DDAD}" type="datetime1">
               <a:rPr lang="en-US" smtClean="0"/>
-              <a:t>1/20/15</a:t>
+              <a:t>1/27/15</a:t>
             </a:fld>
             <a:endParaRPr lang="en-US"/>
           </a:p>
@@ -4470,8 +4470,8 @@
               <a:t>x</a:t>
             </a:r>
             <a:r>
-              <a:rPr lang="en-US" baseline="30000" dirty="0" err="1" smtClean="0"/>
-              <a:t>L</a:t>
+              <a:rPr lang="en-US" baseline="30000" dirty="0" err="1"/>
+              <a:t>M</a:t>
             </a:r>
             <a:r>
               <a:rPr lang="en-US" dirty="0" smtClean="0"/>
@@ -4524,8 +4524,8 @@
               <a:t>y</a:t>
             </a:r>
             <a:r>
-              <a:rPr lang="en-US" baseline="30000" dirty="0" err="1" smtClean="0"/>
-              <a:t>L</a:t>
+              <a:rPr lang="en-US" baseline="30000" dirty="0" err="1"/>
+              <a:t>M</a:t>
             </a:r>
             <a:r>
               <a:rPr lang="en-US" dirty="0" smtClean="0"/>
@@ -4675,8 +4675,8 @@
               <a:t>End|y</a:t>
             </a:r>
             <a:r>
-              <a:rPr lang="en-US" baseline="30000" dirty="0" err="1" smtClean="0"/>
-              <a:t>L</a:t>
+              <a:rPr lang="en-US" baseline="30000" dirty="0" err="1"/>
+              <a:t>M</a:t>
             </a:r>
             <a:r>
               <a:rPr lang="en-US" dirty="0" smtClean="0"/>
@@ -4691,8 +4691,8 @@
               <a:t>y</a:t>
             </a:r>
             <a:r>
-              <a:rPr lang="en-US" sz="2400" baseline="30000" dirty="0" err="1" smtClean="0"/>
-              <a:t>L</a:t>
+              <a:rPr lang="en-US" sz="2400" baseline="30000" dirty="0" err="1"/>
+              <a:t>M</a:t>
             </a:r>
             <a:r>
               <a:rPr lang="en-US" sz="2400" baseline="30000" dirty="0" smtClean="0"/>
@@ -5195,8 +5195,8 @@
               <a:t>End|y</a:t>
             </a:r>
             <a:r>
-              <a:rPr lang="en-US" baseline="30000" dirty="0" err="1" smtClean="0"/>
-              <a:t>L</a:t>
+              <a:rPr lang="en-US" baseline="30000" dirty="0" err="1"/>
+              <a:t>M</a:t>
             </a:r>
             <a:r>
               <a:rPr lang="en-US" dirty="0" smtClean="0"/>
@@ -5211,8 +5211,8 @@
               <a:t>y</a:t>
             </a:r>
             <a:r>
-              <a:rPr lang="en-US" sz="2400" baseline="30000" dirty="0" err="1" smtClean="0"/>
-              <a:t>L</a:t>
+              <a:rPr lang="en-US" sz="2400" baseline="30000" dirty="0" err="1"/>
+              <a:t>M</a:t>
             </a:r>
             <a:r>
               <a:rPr lang="en-US" sz="2400" baseline="30000" dirty="0" smtClean="0"/>
@@ -5692,7 +5692,7 @@
             </a:r>
             <a:r>
               <a:rPr lang="en-US" baseline="30000" dirty="0" err="1" smtClean="0"/>
-              <a:t>L</a:t>
+              <a:t>M</a:t>
             </a:r>
             <a:r>
               <a:rPr lang="en-US" dirty="0" smtClean="0"/>
@@ -5708,7 +5708,7 @@
             </a:r>
             <a:r>
               <a:rPr lang="en-US" sz="2400" baseline="30000" dirty="0" err="1" smtClean="0"/>
-              <a:t>L</a:t>
+              <a:t>M</a:t>
             </a:r>
             <a:r>
               <a:rPr lang="en-US" sz="2400" baseline="30000" dirty="0" smtClean="0"/>
@@ -5764,25 +5764,25 @@
           <p:nvPr>
             <p:extLst>
               <p:ext uri="{D42A27DB-BD31-4B8C-83A1-F6EECF244321}">
-                <p14:modId xmlns:p14="http://schemas.microsoft.com/office/powerpoint/2010/main" val="1289751878"/>
+                <p14:modId xmlns:p14="http://schemas.microsoft.com/office/powerpoint/2010/main" val="1424098972"/>
               </p:ext>
             </p:extLst>
           </p:nvPr>
         </p:nvGraphicFramePr>
         <p:xfrm>
-          <a:off x="1454150" y="1420813"/>
-          <a:ext cx="6092825" cy="981075"/>
+          <a:off x="1412875" y="1420813"/>
+          <a:ext cx="6175375" cy="981075"/>
         </p:xfrm>
         <a:graphic>
           <a:graphicData uri="http://schemas.openxmlformats.org/presentationml/2006/ole">
             <mc:AlternateContent xmlns:mc="http://schemas.openxmlformats.org/markup-compatibility/2006">
               <mc:Choice xmlns:v="urn:schemas-microsoft-com:vml" Requires="v">
-                <p:oleObj spid="_x0000_s1627" name="Equation" r:id="rId3" imgW="2844800" imgH="457200" progId="Equation.3">
+                <p:oleObj spid="_x0000_s1696" name="Equation" r:id="rId3" imgW="2882900" imgH="457200" progId="Equation.3">
                   <p:embed/>
                 </p:oleObj>
               </mc:Choice>
               <mc:Fallback>
-                <p:oleObj name="Equation" r:id="rId3" imgW="2844800" imgH="457200" progId="Equation.3">
+                <p:oleObj name="Equation" r:id="rId3" imgW="2882900" imgH="457200" progId="Equation.3">
                   <p:embed/>
                   <p:pic>
                     <p:nvPicPr>
@@ -5798,8 +5798,8 @@
                     </p:blipFill>
                     <p:spPr>
                       <a:xfrm>
-                        <a:off x="1454150" y="1420813"/>
-                        <a:ext cx="6092825" cy="981075"/>
+                        <a:off x="1412875" y="1420813"/>
+                        <a:ext cx="6175375" cy="981075"/>
                       </a:xfrm>
                       <a:prstGeom prst="rect">
                         <a:avLst/>
@@ -6083,6 +6083,210 @@
       </p:grpSpPr>
       <p:sp>
         <p:nvSpPr>
+          <p:cNvPr id="10" name="Content Placeholder 2"/>
+          <p:cNvSpPr>
+            <a:spLocks noGrp="1"/>
+          </p:cNvSpPr>
+          <p:nvPr>
+            <p:ph idx="1"/>
+          </p:nvPr>
+        </p:nvSpPr>
+        <p:spPr>
+          <a:xfrm>
+            <a:off x="457200" y="1600200"/>
+            <a:ext cx="8229600" cy="4756150"/>
+          </a:xfrm>
+        </p:spPr>
+        <p:txBody>
+          <a:bodyPr>
+            <a:normAutofit/>
+          </a:bodyPr>
+          <a:lstStyle/>
+          <a:p>
+            <a:endParaRPr lang="en-US" dirty="0" smtClean="0"/>
+          </a:p>
+          <a:p>
+            <a:endParaRPr lang="en-US" dirty="0" smtClean="0"/>
+          </a:p>
+          <a:p>
+            <a:endParaRPr lang="en-US" sz="1600" dirty="0" smtClean="0"/>
+          </a:p>
+          <a:p>
+            <a:r>
+              <a:rPr lang="en-US" dirty="0" smtClean="0"/>
+              <a:t>P(</a:t>
+            </a:r>
+            <a:r>
+              <a:rPr lang="en-US" dirty="0" err="1" smtClean="0"/>
+              <a:t>x</a:t>
+            </a:r>
+            <a:r>
+              <a:rPr lang="en-US" baseline="30000" dirty="0" err="1"/>
+              <a:t>i</a:t>
+            </a:r>
+            <a:r>
+              <a:rPr lang="en-US" dirty="0" err="1" smtClean="0"/>
+              <a:t>|y</a:t>
+            </a:r>
+            <a:r>
+              <a:rPr lang="en-US" baseline="30000" dirty="0" err="1" smtClean="0"/>
+              <a:t>i</a:t>
+            </a:r>
+            <a:r>
+              <a:rPr lang="en-US" dirty="0" smtClean="0"/>
+              <a:t>)           </a:t>
+            </a:r>
+            <a:r>
+              <a:rPr lang="en-US" sz="2400" dirty="0" smtClean="0"/>
+              <a:t>Probability of state </a:t>
+            </a:r>
+            <a:r>
+              <a:rPr lang="en-US" sz="2400" dirty="0" err="1" smtClean="0"/>
+              <a:t>y</a:t>
+            </a:r>
+            <a:r>
+              <a:rPr lang="en-US" sz="2400" baseline="30000" dirty="0" err="1" smtClean="0"/>
+              <a:t>i</a:t>
+            </a:r>
+            <a:r>
+              <a:rPr lang="en-US" sz="2400" baseline="30000" dirty="0" smtClean="0"/>
+              <a:t> </a:t>
+            </a:r>
+            <a:r>
+              <a:rPr lang="en-US" sz="2400" dirty="0" smtClean="0"/>
+              <a:t>generating x</a:t>
+            </a:r>
+            <a:r>
+              <a:rPr lang="en-US" sz="2400" baseline="30000" dirty="0" smtClean="0"/>
+              <a:t>i</a:t>
+            </a:r>
+          </a:p>
+          <a:p>
+            <a:r>
+              <a:rPr lang="en-US" dirty="0" smtClean="0"/>
+              <a:t>P(y</a:t>
+            </a:r>
+            <a:r>
+              <a:rPr lang="en-US" baseline="30000" dirty="0" smtClean="0"/>
+              <a:t>i+1</a:t>
+            </a:r>
+            <a:r>
+              <a:rPr lang="en-US" dirty="0" smtClean="0"/>
+              <a:t>|y</a:t>
+            </a:r>
+            <a:r>
+              <a:rPr lang="en-US" baseline="30000" dirty="0" smtClean="0"/>
+              <a:t>i</a:t>
+            </a:r>
+            <a:r>
+              <a:rPr lang="en-US" dirty="0" smtClean="0"/>
+              <a:t>)        </a:t>
+            </a:r>
+            <a:r>
+              <a:rPr lang="en-US" sz="2400" dirty="0" smtClean="0"/>
+              <a:t>Probability of state </a:t>
+            </a:r>
+            <a:r>
+              <a:rPr lang="en-US" sz="2400" dirty="0" err="1" smtClean="0"/>
+              <a:t>y</a:t>
+            </a:r>
+            <a:r>
+              <a:rPr lang="en-US" sz="2400" baseline="30000" dirty="0" err="1" smtClean="0"/>
+              <a:t>i</a:t>
+            </a:r>
+            <a:r>
+              <a:rPr lang="en-US" sz="2400" dirty="0" smtClean="0"/>
+              <a:t> transitioning to y</a:t>
+            </a:r>
+            <a:r>
+              <a:rPr lang="en-US" sz="2400" baseline="30000" dirty="0" smtClean="0"/>
+              <a:t>i+1</a:t>
+            </a:r>
+          </a:p>
+          <a:p>
+            <a:r>
+              <a:rPr lang="en-US" dirty="0" smtClean="0"/>
+              <a:t>P(y</a:t>
+            </a:r>
+            <a:r>
+              <a:rPr lang="en-US" baseline="30000" dirty="0" smtClean="0"/>
+              <a:t>1</a:t>
+            </a:r>
+            <a:r>
+              <a:rPr lang="en-US" dirty="0" smtClean="0"/>
+              <a:t>|y</a:t>
+            </a:r>
+            <a:r>
+              <a:rPr lang="en-US" baseline="30000" dirty="0" smtClean="0"/>
+              <a:t>0</a:t>
+            </a:r>
+            <a:r>
+              <a:rPr lang="en-US" dirty="0" smtClean="0"/>
+              <a:t>)         </a:t>
+            </a:r>
+            <a:r>
+              <a:rPr lang="en-US" sz="2400" dirty="0" smtClean="0"/>
+              <a:t>y0 is defined to be the Start state</a:t>
+            </a:r>
+            <a:endParaRPr lang="en-US" sz="2400" baseline="30000" dirty="0" smtClean="0"/>
+          </a:p>
+          <a:p>
+            <a:r>
+              <a:rPr lang="en-US" dirty="0"/>
+              <a:t>P</a:t>
+            </a:r>
+            <a:r>
+              <a:rPr lang="en-US" dirty="0" smtClean="0"/>
+              <a:t>(</a:t>
+            </a:r>
+            <a:r>
+              <a:rPr lang="en-US" dirty="0" err="1" smtClean="0"/>
+              <a:t>End|y</a:t>
+            </a:r>
+            <a:r>
+              <a:rPr lang="en-US" baseline="30000" dirty="0" err="1" smtClean="0"/>
+              <a:t>M</a:t>
+            </a:r>
+            <a:r>
+              <a:rPr lang="en-US" dirty="0" smtClean="0"/>
+              <a:t>)      </a:t>
+            </a:r>
+            <a:r>
+              <a:rPr lang="en-US" sz="2400" dirty="0" smtClean="0"/>
+              <a:t>Prior probability of </a:t>
+            </a:r>
+            <a:r>
+              <a:rPr lang="en-US" sz="2400" dirty="0" err="1" smtClean="0"/>
+              <a:t>y</a:t>
+            </a:r>
+            <a:r>
+              <a:rPr lang="en-US" sz="2400" baseline="30000" dirty="0" err="1"/>
+              <a:t>M</a:t>
+            </a:r>
+            <a:r>
+              <a:rPr lang="en-US" sz="2400" baseline="30000" dirty="0" smtClean="0"/>
+              <a:t> </a:t>
+            </a:r>
+            <a:r>
+              <a:rPr lang="en-US" sz="2400" dirty="0" smtClean="0"/>
+              <a:t>being the final state</a:t>
+            </a:r>
+          </a:p>
+          <a:p>
+            <a:pPr lvl="1"/>
+            <a:r>
+              <a:rPr lang="en-US" sz="2400" dirty="0" smtClean="0"/>
+              <a:t>Not always used</a:t>
+            </a:r>
+            <a:endParaRPr lang="en-US" sz="2400" dirty="0"/>
+          </a:p>
+          <a:p>
+            <a:endParaRPr lang="en-US" sz="2400" baseline="30000" dirty="0"/>
+          </a:p>
+        </p:txBody>
+      </p:sp>
+      <p:sp>
+        <p:nvSpPr>
           <p:cNvPr id="2" name="Title 1"/>
           <p:cNvSpPr>
             <a:spLocks noGrp="1"/>
@@ -6144,7 +6348,7 @@
           <p:nvPr>
             <p:extLst>
               <p:ext uri="{D42A27DB-BD31-4B8C-83A1-F6EECF244321}">
-                <p14:modId xmlns:p14="http://schemas.microsoft.com/office/powerpoint/2010/main" val="1170425801"/>
+                <p14:modId xmlns:p14="http://schemas.microsoft.com/office/powerpoint/2010/main" val="1157093826"/>
               </p:ext>
             </p:extLst>
           </p:nvPr>
@@ -6157,7 +6361,7 @@
           <a:graphicData uri="http://schemas.openxmlformats.org/presentationml/2006/ole">
             <mc:AlternateContent xmlns:mc="http://schemas.openxmlformats.org/markup-compatibility/2006">
               <mc:Choice xmlns:v="urn:schemas-microsoft-com:vml" Requires="v">
-                <p:oleObj spid="_x0000_s50777" name="Equation" r:id="rId3" imgW="1384300" imgH="457200" progId="Equation.3">
+                <p:oleObj spid="_x0000_s50846" name="Equation" r:id="rId3" imgW="1384300" imgH="457200" progId="Equation.3">
                   <p:embed/>
                 </p:oleObj>
               </mc:Choice>
@@ -6304,210 +6508,6 @@
               <a:rPr lang="en-US" sz="2000" dirty="0" smtClean="0"/>
               <a:t>)</a:t>
             </a:r>
-          </a:p>
-        </p:txBody>
-      </p:sp>
-      <p:sp>
-        <p:nvSpPr>
-          <p:cNvPr id="10" name="Content Placeholder 2"/>
-          <p:cNvSpPr>
-            <a:spLocks noGrp="1"/>
-          </p:cNvSpPr>
-          <p:nvPr>
-            <p:ph idx="1"/>
-          </p:nvPr>
-        </p:nvSpPr>
-        <p:spPr>
-          <a:xfrm>
-            <a:off x="457200" y="1600200"/>
-            <a:ext cx="8229600" cy="4756150"/>
-          </a:xfrm>
-        </p:spPr>
-        <p:txBody>
-          <a:bodyPr>
-            <a:normAutofit/>
-          </a:bodyPr>
-          <a:lstStyle/>
-          <a:p>
-            <a:endParaRPr lang="en-US" dirty="0" smtClean="0"/>
-          </a:p>
-          <a:p>
-            <a:endParaRPr lang="en-US" dirty="0" smtClean="0"/>
-          </a:p>
-          <a:p>
-            <a:endParaRPr lang="en-US" sz="1600" dirty="0" smtClean="0"/>
-          </a:p>
-          <a:p>
-            <a:r>
-              <a:rPr lang="en-US" dirty="0" smtClean="0"/>
-              <a:t>P(</a:t>
-            </a:r>
-            <a:r>
-              <a:rPr lang="en-US" dirty="0" err="1" smtClean="0"/>
-              <a:t>x</a:t>
-            </a:r>
-            <a:r>
-              <a:rPr lang="en-US" baseline="30000" dirty="0" err="1"/>
-              <a:t>i</a:t>
-            </a:r>
-            <a:r>
-              <a:rPr lang="en-US" dirty="0" err="1" smtClean="0"/>
-              <a:t>|y</a:t>
-            </a:r>
-            <a:r>
-              <a:rPr lang="en-US" baseline="30000" dirty="0" err="1" smtClean="0"/>
-              <a:t>i</a:t>
-            </a:r>
-            <a:r>
-              <a:rPr lang="en-US" dirty="0" smtClean="0"/>
-              <a:t>)           </a:t>
-            </a:r>
-            <a:r>
-              <a:rPr lang="en-US" sz="2400" dirty="0" smtClean="0"/>
-              <a:t>Probability of state </a:t>
-            </a:r>
-            <a:r>
-              <a:rPr lang="en-US" sz="2400" dirty="0" err="1" smtClean="0"/>
-              <a:t>y</a:t>
-            </a:r>
-            <a:r>
-              <a:rPr lang="en-US" sz="2400" baseline="30000" dirty="0" err="1" smtClean="0"/>
-              <a:t>i</a:t>
-            </a:r>
-            <a:r>
-              <a:rPr lang="en-US" sz="2400" baseline="30000" dirty="0" smtClean="0"/>
-              <a:t> </a:t>
-            </a:r>
-            <a:r>
-              <a:rPr lang="en-US" sz="2400" dirty="0" smtClean="0"/>
-              <a:t>generating x</a:t>
-            </a:r>
-            <a:r>
-              <a:rPr lang="en-US" sz="2400" baseline="30000" dirty="0" smtClean="0"/>
-              <a:t>i</a:t>
-            </a:r>
-          </a:p>
-          <a:p>
-            <a:r>
-              <a:rPr lang="en-US" dirty="0" smtClean="0"/>
-              <a:t>P(y</a:t>
-            </a:r>
-            <a:r>
-              <a:rPr lang="en-US" baseline="30000" dirty="0" smtClean="0"/>
-              <a:t>i+1</a:t>
-            </a:r>
-            <a:r>
-              <a:rPr lang="en-US" dirty="0" smtClean="0"/>
-              <a:t>|y</a:t>
-            </a:r>
-            <a:r>
-              <a:rPr lang="en-US" baseline="30000" dirty="0" smtClean="0"/>
-              <a:t>i</a:t>
-            </a:r>
-            <a:r>
-              <a:rPr lang="en-US" dirty="0" smtClean="0"/>
-              <a:t>)        </a:t>
-            </a:r>
-            <a:r>
-              <a:rPr lang="en-US" sz="2400" dirty="0" smtClean="0"/>
-              <a:t>Probability of state </a:t>
-            </a:r>
-            <a:r>
-              <a:rPr lang="en-US" sz="2400" dirty="0" err="1" smtClean="0"/>
-              <a:t>y</a:t>
-            </a:r>
-            <a:r>
-              <a:rPr lang="en-US" sz="2400" baseline="30000" dirty="0" err="1" smtClean="0"/>
-              <a:t>i</a:t>
-            </a:r>
-            <a:r>
-              <a:rPr lang="en-US" sz="2400" dirty="0" smtClean="0"/>
-              <a:t> transitioning to y</a:t>
-            </a:r>
-            <a:r>
-              <a:rPr lang="en-US" sz="2400" baseline="30000" dirty="0" smtClean="0"/>
-              <a:t>i+1</a:t>
-            </a:r>
-          </a:p>
-          <a:p>
-            <a:r>
-              <a:rPr lang="en-US" dirty="0" smtClean="0"/>
-              <a:t>P(y</a:t>
-            </a:r>
-            <a:r>
-              <a:rPr lang="en-US" baseline="30000" dirty="0" smtClean="0"/>
-              <a:t>1</a:t>
-            </a:r>
-            <a:r>
-              <a:rPr lang="en-US" dirty="0" smtClean="0"/>
-              <a:t>|y</a:t>
-            </a:r>
-            <a:r>
-              <a:rPr lang="en-US" baseline="30000" dirty="0" smtClean="0"/>
-              <a:t>0</a:t>
-            </a:r>
-            <a:r>
-              <a:rPr lang="en-US" dirty="0" smtClean="0"/>
-              <a:t>)         </a:t>
-            </a:r>
-            <a:r>
-              <a:rPr lang="en-US" sz="2400" dirty="0" smtClean="0"/>
-              <a:t>y0 is defined to be the Start state</a:t>
-            </a:r>
-            <a:endParaRPr lang="en-US" sz="2400" baseline="30000" dirty="0" smtClean="0"/>
-          </a:p>
-          <a:p>
-            <a:r>
-              <a:rPr lang="en-US" dirty="0"/>
-              <a:t>P</a:t>
-            </a:r>
-            <a:r>
-              <a:rPr lang="en-US" dirty="0" smtClean="0"/>
-              <a:t>(</a:t>
-            </a:r>
-            <a:r>
-              <a:rPr lang="en-US" dirty="0" err="1" smtClean="0"/>
-              <a:t>End|y</a:t>
-            </a:r>
-            <a:r>
-              <a:rPr lang="en-US" baseline="30000" dirty="0" err="1" smtClean="0"/>
-              <a:t>L</a:t>
-            </a:r>
-            <a:r>
-              <a:rPr lang="en-US" dirty="0" smtClean="0"/>
-              <a:t>)      </a:t>
-            </a:r>
-            <a:r>
-              <a:rPr lang="en-US" sz="2400" dirty="0" smtClean="0"/>
-              <a:t>Prior probability of </a:t>
-            </a:r>
-            <a:r>
-              <a:rPr lang="en-US" sz="2400" dirty="0" err="1" smtClean="0"/>
-              <a:t>y</a:t>
-            </a:r>
-            <a:r>
-              <a:rPr lang="en-US" sz="2400" baseline="30000" dirty="0" err="1" smtClean="0"/>
-              <a:t>L</a:t>
-            </a:r>
-            <a:r>
-              <a:rPr lang="en-US" sz="2400" baseline="30000" dirty="0" smtClean="0"/>
-              <a:t> </a:t>
-            </a:r>
-            <a:r>
-              <a:rPr lang="en-US" sz="2400" dirty="0" smtClean="0"/>
-              <a:t>being the final state</a:t>
-            </a:r>
-          </a:p>
-          <a:p>
-            <a:pPr lvl="1"/>
-            <a:r>
-              <a:rPr lang="en-US" sz="2400" dirty="0" smtClean="0"/>
-              <a:t>Not always used</a:t>
-            </a:r>
-            <a:endParaRPr lang="en-US" sz="2400" dirty="0"/>
-          </a:p>
-          <a:p>
-            <a:endParaRPr lang="en-US" sz="2400" baseline="30000" dirty="0"/>
           </a:p>
         </p:txBody>
       </p:sp>
@@ -8395,25 +8395,25 @@
           <p:nvPr>
             <p:extLst>
               <p:ext uri="{D42A27DB-BD31-4B8C-83A1-F6EECF244321}">
-                <p14:modId xmlns:p14="http://schemas.microsoft.com/office/powerpoint/2010/main" val="3293151481"/>
+                <p14:modId xmlns:p14="http://schemas.microsoft.com/office/powerpoint/2010/main" val="3854491314"/>
               </p:ext>
             </p:extLst>
           </p:nvPr>
         </p:nvGraphicFramePr>
         <p:xfrm>
-          <a:off x="1439863" y="1527175"/>
-          <a:ext cx="6094412" cy="979488"/>
+          <a:off x="1398588" y="1527175"/>
+          <a:ext cx="6176962" cy="979488"/>
         </p:xfrm>
         <a:graphic>
           <a:graphicData uri="http://schemas.openxmlformats.org/presentationml/2006/ole">
             <mc:AlternateContent xmlns:mc="http://schemas.openxmlformats.org/markup-compatibility/2006">
               <mc:Choice xmlns:v="urn:schemas-microsoft-com:vml" Requires="v">
-                <p:oleObj spid="_x0000_s51736" name="Equation" r:id="rId4" imgW="2844800" imgH="457200" progId="Equation.3">
+                <p:oleObj spid="_x0000_s51805" name="Equation" r:id="rId4" imgW="2882900" imgH="457200" progId="Equation.3">
                   <p:embed/>
                 </p:oleObj>
               </mc:Choice>
               <mc:Fallback>
-                <p:oleObj name="Equation" r:id="rId4" imgW="2844800" imgH="457200" progId="Equation.3">
+                <p:oleObj name="Equation" r:id="rId4" imgW="2882900" imgH="457200" progId="Equation.3">
                   <p:embed/>
                   <p:pic>
                     <p:nvPicPr>
@@ -8429,8 +8429,8 @@
                     </p:blipFill>
                     <p:spPr>
                       <a:xfrm>
-                        <a:off x="1439863" y="1527175"/>
-                        <a:ext cx="6094412" cy="979488"/>
+                        <a:off x="1398588" y="1527175"/>
+                        <a:ext cx="6176962" cy="979488"/>
                       </a:xfrm>
                       <a:prstGeom prst="rect">
                         <a:avLst/>
@@ -9249,25 +9249,25 @@
           <p:nvPr>
             <p:extLst>
               <p:ext uri="{D42A27DB-BD31-4B8C-83A1-F6EECF244321}">
-                <p14:modId xmlns:p14="http://schemas.microsoft.com/office/powerpoint/2010/main" val="4102464951"/>
+                <p14:modId xmlns:p14="http://schemas.microsoft.com/office/powerpoint/2010/main" val="3952031100"/>
               </p:ext>
             </p:extLst>
           </p:nvPr>
         </p:nvGraphicFramePr>
         <p:xfrm>
-          <a:off x="1247775" y="1527175"/>
-          <a:ext cx="6478588" cy="979488"/>
+          <a:off x="1152525" y="1527175"/>
+          <a:ext cx="6669088" cy="979488"/>
         </p:xfrm>
         <a:graphic>
           <a:graphicData uri="http://schemas.openxmlformats.org/presentationml/2006/ole">
             <mc:AlternateContent xmlns:mc="http://schemas.openxmlformats.org/markup-compatibility/2006">
               <mc:Choice xmlns:v="urn:schemas-microsoft-com:vml" Requires="v">
-                <p:oleObj spid="_x0000_s53751" name="Equation" r:id="rId3" imgW="3022600" imgH="457200" progId="Equation.3">
+                <p:oleObj spid="_x0000_s53820" name="Equation" r:id="rId3" imgW="3111500" imgH="457200" progId="Equation.3">
                   <p:embed/>
                 </p:oleObj>
               </mc:Choice>
               <mc:Fallback>
-                <p:oleObj name="Equation" r:id="rId3" imgW="3022600" imgH="457200" progId="Equation.3">
+                <p:oleObj name="Equation" r:id="rId3" imgW="3111500" imgH="457200" progId="Equation.3">
                   <p:embed/>
                   <p:pic>
                     <p:nvPicPr>
@@ -9283,8 +9283,8 @@
                     </p:blipFill>
                     <p:spPr>
                       <a:xfrm>
-                        <a:off x="1247775" y="1527175"/>
-                        <a:ext cx="6478588" cy="979488"/>
+                        <a:off x="1152525" y="1527175"/>
+                        <a:ext cx="6669088" cy="979488"/>
                       </a:xfrm>
                       <a:prstGeom prst="rect">
                         <a:avLst/>
@@ -9437,7 +9437,7 @@
             </a:r>
             <a:r>
               <a:rPr lang="en-US" sz="2000" dirty="0" smtClean="0"/>
-              <a:t> == L): Quit</a:t>
+              <a:t> == M): Quit</a:t>
             </a:r>
           </a:p>
           <a:p>
@@ -10008,8 +10008,8 @@
               <a:t>End|y</a:t>
             </a:r>
             <a:r>
-              <a:rPr lang="en-US" baseline="30000" dirty="0" err="1" smtClean="0"/>
-              <a:t>L</a:t>
+              <a:rPr lang="en-US" baseline="30000" dirty="0" err="1"/>
+              <a:t>M</a:t>
             </a:r>
             <a:r>
               <a:rPr lang="en-US" dirty="0" smtClean="0"/>
@@ -10024,8 +10024,8 @@
               <a:t>y</a:t>
             </a:r>
             <a:r>
-              <a:rPr lang="en-US" sz="2400" baseline="30000" dirty="0" err="1" smtClean="0"/>
-              <a:t>L</a:t>
+              <a:rPr lang="en-US" sz="2400" baseline="30000" dirty="0" err="1"/>
+              <a:t>M</a:t>
             </a:r>
             <a:r>
               <a:rPr lang="en-US" sz="2400" baseline="30000" dirty="0" smtClean="0"/>
@@ -10112,25 +10112,25 @@
           <p:nvPr>
             <p:extLst>
               <p:ext uri="{D42A27DB-BD31-4B8C-83A1-F6EECF244321}">
-                <p14:modId xmlns:p14="http://schemas.microsoft.com/office/powerpoint/2010/main" val="1607012405"/>
+                <p14:modId xmlns:p14="http://schemas.microsoft.com/office/powerpoint/2010/main" val="678275532"/>
               </p:ext>
             </p:extLst>
           </p:nvPr>
         </p:nvGraphicFramePr>
         <p:xfrm>
-          <a:off x="1422118" y="1600200"/>
-          <a:ext cx="5634038" cy="625475"/>
+          <a:off x="1285875" y="1600200"/>
+          <a:ext cx="5907088" cy="625475"/>
         </p:xfrm>
         <a:graphic>
           <a:graphicData uri="http://schemas.openxmlformats.org/presentationml/2006/ole">
             <mc:AlternateContent xmlns:mc="http://schemas.openxmlformats.org/markup-compatibility/2006">
               <mc:Choice xmlns:v="urn:schemas-microsoft-com:vml" Requires="v">
-                <p:oleObj spid="_x0000_s102488" name="Equation" r:id="rId3" imgW="2628900" imgH="292100" progId="Equation.3">
+                <p:oleObj spid="_x0000_s102557" name="Equation" r:id="rId3" imgW="2755900" imgH="292100" progId="Equation.3">
                   <p:embed/>
                 </p:oleObj>
               </mc:Choice>
               <mc:Fallback>
-                <p:oleObj name="Equation" r:id="rId3" imgW="2628900" imgH="292100" progId="Equation.3">
+                <p:oleObj name="Equation" r:id="rId3" imgW="2755900" imgH="292100" progId="Equation.3">
                   <p:embed/>
                   <p:pic>
                     <p:nvPicPr>
@@ -10146,8 +10146,8 @@
                     </p:blipFill>
                     <p:spPr>
                       <a:xfrm>
-                        <a:off x="1422118" y="1600200"/>
-                        <a:ext cx="5634038" cy="625475"/>
+                        <a:off x="1285875" y="1600200"/>
+                        <a:ext cx="5907088" cy="625475"/>
                       </a:xfrm>
                       <a:prstGeom prst="rect">
                         <a:avLst/>
@@ -10675,7 +10675,7 @@
           <a:graphicData uri="http://schemas.openxmlformats.org/presentationml/2006/ole">
             <mc:AlternateContent xmlns:mc="http://schemas.openxmlformats.org/markup-compatibility/2006">
               <mc:Choice xmlns:v="urn:schemas-microsoft-com:vml" Requires="v">
-                <p:oleObj spid="_x0000_s55780" name="Equation" r:id="rId3" imgW="977900" imgH="317500" progId="Equation.3">
+                <p:oleObj spid="_x0000_s55849" name="Equation" r:id="rId3" imgW="977900" imgH="317500" progId="Equation.3">
                   <p:embed/>
                 </p:oleObj>
               </mc:Choice>
@@ -11002,7 +11002,7 @@
           <a:graphicData uri="http://schemas.openxmlformats.org/presentationml/2006/ole">
             <mc:AlternateContent xmlns:mc="http://schemas.openxmlformats.org/markup-compatibility/2006">
               <mc:Choice xmlns:v="urn:schemas-microsoft-com:vml" Requires="v">
-                <p:oleObj spid="_x0000_s100644" name="Equation" r:id="rId3" imgW="2311400" imgH="1066800" progId="Equation.3">
+                <p:oleObj spid="_x0000_s100835" name="Equation" r:id="rId3" imgW="2311400" imgH="1066800" progId="Equation.3">
                   <p:embed/>
                 </p:oleObj>
               </mc:Choice>
@@ -11059,7 +11059,7 @@
           <a:graphicData uri="http://schemas.openxmlformats.org/presentationml/2006/ole">
             <mc:AlternateContent xmlns:mc="http://schemas.openxmlformats.org/markup-compatibility/2006">
               <mc:Choice xmlns:v="urn:schemas-microsoft-com:vml" Requires="v">
-                <p:oleObj spid="_x0000_s100645" name="Equation" r:id="rId5" imgW="1384300" imgH="457200" progId="Equation.3">
+                <p:oleObj spid="_x0000_s100836" name="Equation" r:id="rId5" imgW="1384300" imgH="457200" progId="Equation.3">
                   <p:embed/>
                 </p:oleObj>
               </mc:Choice>
@@ -11116,7 +11116,7 @@
           <a:graphicData uri="http://schemas.openxmlformats.org/presentationml/2006/ole">
             <mc:AlternateContent xmlns:mc="http://schemas.openxmlformats.org/markup-compatibility/2006">
               <mc:Choice xmlns:v="urn:schemas-microsoft-com:vml" Requires="v">
-                <p:oleObj spid="_x0000_s100646" name="Equation" r:id="rId7" imgW="1993900" imgH="457200" progId="Equation.3">
+                <p:oleObj spid="_x0000_s100837" name="Equation" r:id="rId7" imgW="1993900" imgH="457200" progId="Equation.3">
                   <p:embed/>
                 </p:oleObj>
               </mc:Choice>
@@ -11220,25 +11220,25 @@
           <p:nvPr>
             <p:extLst>
               <p:ext uri="{D42A27DB-BD31-4B8C-83A1-F6EECF244321}">
-                <p14:modId xmlns:p14="http://schemas.microsoft.com/office/powerpoint/2010/main" val="1926176018"/>
+                <p14:modId xmlns:p14="http://schemas.microsoft.com/office/powerpoint/2010/main" val="371850775"/>
               </p:ext>
             </p:extLst>
           </p:nvPr>
         </p:nvGraphicFramePr>
         <p:xfrm>
-          <a:off x="1100138" y="530225"/>
-          <a:ext cx="6850062" cy="2147888"/>
+          <a:off x="920750" y="530225"/>
+          <a:ext cx="7210425" cy="2147888"/>
         </p:xfrm>
         <a:graphic>
           <a:graphicData uri="http://schemas.openxmlformats.org/presentationml/2006/ole">
             <mc:AlternateContent xmlns:mc="http://schemas.openxmlformats.org/markup-compatibility/2006">
               <mc:Choice xmlns:v="urn:schemas-microsoft-com:vml" Requires="v">
-                <p:oleObj spid="_x0000_s91838" name="Equation" r:id="rId3" imgW="4089400" imgH="1282700" progId="Equation.3">
+                <p:oleObj spid="_x0000_s92090" name="Equation" r:id="rId3" imgW="4305300" imgH="1282700" progId="Equation.3">
                   <p:embed/>
                 </p:oleObj>
               </mc:Choice>
               <mc:Fallback>
-                <p:oleObj name="Equation" r:id="rId3" imgW="4089400" imgH="1282700" progId="Equation.3">
+                <p:oleObj name="Equation" r:id="rId3" imgW="4305300" imgH="1282700" progId="Equation.3">
                   <p:embed/>
                   <p:pic>
                     <p:nvPicPr>
@@ -11254,8 +11254,8 @@
                     </p:blipFill>
                     <p:spPr>
                       <a:xfrm>
-                        <a:off x="1100138" y="530225"/>
-                        <a:ext cx="6850062" cy="2147888"/>
+                        <a:off x="920750" y="530225"/>
+                        <a:ext cx="7210425" cy="2147888"/>
                       </a:xfrm>
                       <a:prstGeom prst="rect">
                         <a:avLst/>
@@ -11290,7 +11290,7 @@
           <a:graphicData uri="http://schemas.openxmlformats.org/presentationml/2006/ole">
             <mc:AlternateContent xmlns:mc="http://schemas.openxmlformats.org/markup-compatibility/2006">
               <mc:Choice xmlns:v="urn:schemas-microsoft-com:vml" Requires="v">
-                <p:oleObj spid="_x0000_s91839" name="Equation" r:id="rId5" imgW="1600200" imgH="457200" progId="Equation.3">
+                <p:oleObj spid="_x0000_s92091" name="Equation" r:id="rId5" imgW="1600200" imgH="457200" progId="Equation.3">
                   <p:embed/>
                 </p:oleObj>
               </mc:Choice>
@@ -11334,7 +11334,7 @@
           <p:nvPr>
             <p:extLst>
               <p:ext uri="{D42A27DB-BD31-4B8C-83A1-F6EECF244321}">
-                <p14:modId xmlns:p14="http://schemas.microsoft.com/office/powerpoint/2010/main" val="640117014"/>
+                <p14:modId xmlns:p14="http://schemas.microsoft.com/office/powerpoint/2010/main" val="1941837999"/>
               </p:ext>
             </p:extLst>
           </p:nvPr>
@@ -11347,7 +11347,7 @@
           <a:graphicData uri="http://schemas.openxmlformats.org/presentationml/2006/ole">
             <mc:AlternateContent xmlns:mc="http://schemas.openxmlformats.org/markup-compatibility/2006">
               <mc:Choice xmlns:v="urn:schemas-microsoft-com:vml" Requires="v">
-                <p:oleObj spid="_x0000_s91840" name="Equation" r:id="rId7" imgW="1397000" imgH="457200" progId="Equation.3">
+                <p:oleObj spid="_x0000_s92092" name="Equation" r:id="rId7" imgW="1397000" imgH="457200" progId="Equation.3">
                   <p:embed/>
                 </p:oleObj>
               </mc:Choice>
@@ -11390,8 +11390,8 @@
         </p:nvSpPr>
         <p:spPr>
           <a:xfrm>
-            <a:off x="1007756" y="5254541"/>
-            <a:ext cx="6709166" cy="830997"/>
+            <a:off x="1007755" y="5254541"/>
+            <a:ext cx="7240653" cy="830997"/>
           </a:xfrm>
           <a:prstGeom prst="rect">
             <a:avLst/>
@@ -11452,7 +11452,7 @@
                   <a:srgbClr val="953735"/>
                 </a:solidFill>
               </a:rPr>
-              <a:t>1:L-1 </a:t>
+              <a:t>1:M-1 </a:t>
             </a:r>
             <a:r>
               <a:rPr lang="en-US" sz="2400" b="1" dirty="0" smtClean="0">
@@ -11463,12 +11463,12 @@
               <a:t>via P(y</a:t>
             </a:r>
             <a:r>
-              <a:rPr lang="en-US" sz="2400" b="1" baseline="30000" dirty="0" smtClean="0">
+              <a:rPr lang="en-US" sz="2400" b="1" baseline="30000" dirty="0">
                 <a:solidFill>
                   <a:srgbClr val="953735"/>
                 </a:solidFill>
               </a:rPr>
-              <a:t>L</a:t>
+              <a:t>M</a:t>
             </a:r>
             <a:r>
               <a:rPr lang="en-US" sz="2400" b="1" dirty="0" smtClean="0">
@@ -11479,12 +11479,20 @@
               <a:t>|y</a:t>
             </a:r>
             <a:r>
+              <a:rPr lang="en-US" sz="2400" b="1" baseline="30000" dirty="0">
+                <a:solidFill>
+                  <a:srgbClr val="953735"/>
+                </a:solidFill>
+              </a:rPr>
+              <a:t>M</a:t>
+            </a:r>
+            <a:r>
               <a:rPr lang="en-US" sz="2400" b="1" baseline="30000" dirty="0" smtClean="0">
                 <a:solidFill>
                   <a:srgbClr val="953735"/>
                 </a:solidFill>
               </a:rPr>
-              <a:t>L-1</a:t>
+              <a:t>-1</a:t>
             </a:r>
             <a:r>
               <a:rPr lang="en-US" sz="2400" b="1" dirty="0" smtClean="0">
@@ -11511,25 +11519,25 @@
           <p:nvPr>
             <p:extLst>
               <p:ext uri="{D42A27DB-BD31-4B8C-83A1-F6EECF244321}">
-                <p14:modId xmlns:p14="http://schemas.microsoft.com/office/powerpoint/2010/main" val="3454546826"/>
+                <p14:modId xmlns:p14="http://schemas.microsoft.com/office/powerpoint/2010/main" val="1049110354"/>
               </p:ext>
             </p:extLst>
           </p:nvPr>
         </p:nvGraphicFramePr>
         <p:xfrm>
-          <a:off x="1100138" y="3435350"/>
-          <a:ext cx="3192463" cy="506413"/>
+          <a:off x="1022350" y="3435350"/>
+          <a:ext cx="3348038" cy="506413"/>
         </p:xfrm>
         <a:graphic>
           <a:graphicData uri="http://schemas.openxmlformats.org/presentationml/2006/ole">
             <mc:AlternateContent xmlns:mc="http://schemas.openxmlformats.org/markup-compatibility/2006">
               <mc:Choice xmlns:v="urn:schemas-microsoft-com:vml" Requires="v">
-                <p:oleObj spid="_x0000_s91841" name="Equation" r:id="rId9" imgW="1841500" imgH="292100" progId="Equation.3">
+                <p:oleObj spid="_x0000_s92093" name="Equation" r:id="rId9" imgW="1930400" imgH="292100" progId="Equation.3">
                   <p:embed/>
                 </p:oleObj>
               </mc:Choice>
               <mc:Fallback>
-                <p:oleObj name="Equation" r:id="rId9" imgW="1841500" imgH="292100" progId="Equation.3">
+                <p:oleObj name="Equation" r:id="rId9" imgW="1930400" imgH="292100" progId="Equation.3">
                   <p:embed/>
                   <p:pic>
                     <p:nvPicPr>
@@ -11545,8 +11553,8 @@
                     </p:blipFill>
                     <p:spPr>
                       <a:xfrm>
-                        <a:off x="1100138" y="3435350"/>
-                        <a:ext cx="3192463" cy="506413"/>
+                        <a:off x="1022350" y="3435350"/>
+                        <a:ext cx="3348038" cy="506413"/>
                       </a:xfrm>
                       <a:prstGeom prst="rect">
                         <a:avLst/>
@@ -11657,8 +11665,8 @@
         </p:nvSpPr>
         <p:spPr>
           <a:xfrm>
-            <a:off x="2588413" y="1352791"/>
-            <a:ext cx="5128509" cy="759219"/>
+            <a:off x="2486819" y="1352791"/>
+            <a:ext cx="5230104" cy="759219"/>
           </a:xfrm>
           <a:prstGeom prst="rect">
             <a:avLst/>
@@ -11702,8 +11710,8 @@
         </p:nvSpPr>
         <p:spPr>
           <a:xfrm>
-            <a:off x="2664887" y="2112010"/>
-            <a:ext cx="5285313" cy="566102"/>
+            <a:off x="2486819" y="2112010"/>
+            <a:ext cx="5644356" cy="566102"/>
           </a:xfrm>
           <a:prstGeom prst="rect">
             <a:avLst/>
@@ -12038,8 +12046,8 @@
               <a:t>x</a:t>
             </a:r>
             <a:r>
-              <a:rPr lang="en-US" sz="2800" baseline="30000" dirty="0" err="1" smtClean="0"/>
-              <a:t>L</a:t>
+              <a:rPr lang="en-US" sz="2800" baseline="30000" dirty="0" err="1"/>
+              <a:t>M</a:t>
             </a:r>
             <a:r>
               <a:rPr lang="en-US" sz="2800" dirty="0" smtClean="0"/>
@@ -12122,25 +12130,25 @@
           <p:nvPr>
             <p:extLst>
               <p:ext uri="{D42A27DB-BD31-4B8C-83A1-F6EECF244321}">
-                <p14:modId xmlns:p14="http://schemas.microsoft.com/office/powerpoint/2010/main" val="3404209581"/>
+                <p14:modId xmlns:p14="http://schemas.microsoft.com/office/powerpoint/2010/main" val="3732875659"/>
               </p:ext>
             </p:extLst>
           </p:nvPr>
         </p:nvGraphicFramePr>
         <p:xfrm>
-          <a:off x="1228725" y="3211336"/>
-          <a:ext cx="3105150" cy="549275"/>
+          <a:off x="754587" y="3143250"/>
+          <a:ext cx="3714750" cy="685800"/>
         </p:xfrm>
         <a:graphic>
           <a:graphicData uri="http://schemas.openxmlformats.org/presentationml/2006/ole">
             <mc:AlternateContent xmlns:mc="http://schemas.openxmlformats.org/markup-compatibility/2006">
               <mc:Choice xmlns:v="urn:schemas-microsoft-com:vml" Requires="v">
-                <p:oleObj spid="_x0000_s104657" name="Equation" r:id="rId3" imgW="2006600" imgH="355600" progId="Equation.3">
+                <p:oleObj spid="_x0000_s104848" name="Equation" r:id="rId3" imgW="2400300" imgH="444500" progId="Equation.3">
                   <p:embed/>
                 </p:oleObj>
               </mc:Choice>
               <mc:Fallback>
-                <p:oleObj name="Equation" r:id="rId3" imgW="2006600" imgH="355600" progId="Equation.3">
+                <p:oleObj name="Equation" r:id="rId3" imgW="2400300" imgH="444500" progId="Equation.3">
                   <p:embed/>
                   <p:pic>
                     <p:nvPicPr>
@@ -12156,8 +12164,8 @@
                     </p:blipFill>
                     <p:spPr>
                       <a:xfrm>
-                        <a:off x="1228725" y="3211336"/>
-                        <a:ext cx="3105150" cy="549275"/>
+                        <a:off x="754587" y="3143250"/>
+                        <a:ext cx="3714750" cy="685800"/>
                       </a:xfrm>
                       <a:prstGeom prst="rect">
                         <a:avLst/>
@@ -12179,25 +12187,25 @@
           <p:nvPr>
             <p:extLst>
               <p:ext uri="{D42A27DB-BD31-4B8C-83A1-F6EECF244321}">
-                <p14:modId xmlns:p14="http://schemas.microsoft.com/office/powerpoint/2010/main" val="1038220131"/>
+                <p14:modId xmlns:p14="http://schemas.microsoft.com/office/powerpoint/2010/main" val="1614717535"/>
               </p:ext>
             </p:extLst>
           </p:nvPr>
         </p:nvGraphicFramePr>
         <p:xfrm>
-          <a:off x="4737100" y="3197048"/>
-          <a:ext cx="3162300" cy="550863"/>
+          <a:off x="4724956" y="3141663"/>
+          <a:ext cx="3810000" cy="687387"/>
         </p:xfrm>
         <a:graphic>
           <a:graphicData uri="http://schemas.openxmlformats.org/presentationml/2006/ole">
             <mc:AlternateContent xmlns:mc="http://schemas.openxmlformats.org/markup-compatibility/2006">
               <mc:Choice xmlns:v="urn:schemas-microsoft-com:vml" Requires="v">
-                <p:oleObj spid="_x0000_s104658" name="Equation" r:id="rId5" imgW="2044700" imgH="355600" progId="Equation.3">
+                <p:oleObj spid="_x0000_s104849" name="Equation" r:id="rId5" imgW="2463800" imgH="444500" progId="Equation.3">
                   <p:embed/>
                 </p:oleObj>
               </mc:Choice>
               <mc:Fallback>
-                <p:oleObj name="Equation" r:id="rId5" imgW="2044700" imgH="355600" progId="Equation.3">
+                <p:oleObj name="Equation" r:id="rId5" imgW="2463800" imgH="444500" progId="Equation.3">
                   <p:embed/>
                   <p:pic>
                     <p:nvPicPr>
@@ -12213,8 +12221,8 @@
                     </p:blipFill>
                     <p:spPr>
                       <a:xfrm>
-                        <a:off x="4737100" y="3197048"/>
-                        <a:ext cx="3162300" cy="550863"/>
+                        <a:off x="4724956" y="3141663"/>
+                        <a:ext cx="3810000" cy="687387"/>
                       </a:xfrm>
                       <a:prstGeom prst="rect">
                         <a:avLst/>
@@ -12275,8 +12283,8 @@
         </p:nvCxnSpPr>
         <p:spPr>
           <a:xfrm flipH="1" flipV="1">
-            <a:off x="3623779" y="3576703"/>
-            <a:ext cx="193267" cy="377922"/>
+            <a:off x="3308513" y="3666429"/>
+            <a:ext cx="508533" cy="288196"/>
           </a:xfrm>
           <a:prstGeom prst="straightConnector1">
             <a:avLst/>
@@ -12317,8 +12325,8 @@
         </p:nvCxnSpPr>
         <p:spPr>
           <a:xfrm flipV="1">
-            <a:off x="6335847" y="3576703"/>
-            <a:ext cx="642513" cy="377922"/>
+            <a:off x="6335847" y="3666429"/>
+            <a:ext cx="642513" cy="288196"/>
           </a:xfrm>
           <a:prstGeom prst="straightConnector1">
             <a:avLst/>
@@ -12358,25 +12366,25 @@
           <p:nvPr>
             <p:extLst>
               <p:ext uri="{D42A27DB-BD31-4B8C-83A1-F6EECF244321}">
-                <p14:modId xmlns:p14="http://schemas.microsoft.com/office/powerpoint/2010/main" val="3485060610"/>
+                <p14:modId xmlns:p14="http://schemas.microsoft.com/office/powerpoint/2010/main" val="4098915316"/>
               </p:ext>
             </p:extLst>
           </p:nvPr>
         </p:nvGraphicFramePr>
         <p:xfrm>
-          <a:off x="2450089" y="4400998"/>
-          <a:ext cx="5857875" cy="1098550"/>
+          <a:off x="2332038" y="4156075"/>
+          <a:ext cx="6230937" cy="1685925"/>
         </p:xfrm>
         <a:graphic>
           <a:graphicData uri="http://schemas.openxmlformats.org/presentationml/2006/ole">
             <mc:AlternateContent xmlns:mc="http://schemas.openxmlformats.org/markup-compatibility/2006">
               <mc:Choice xmlns:v="urn:schemas-microsoft-com:vml" Requires="v">
-                <p:oleObj spid="_x0000_s104659" name="Equation" r:id="rId7" imgW="3784600" imgH="711200" progId="Equation.3">
+                <p:oleObj spid="_x0000_s104850" name="Equation" r:id="rId7" imgW="4025900" imgH="1092200" progId="Equation.3">
                   <p:embed/>
                 </p:oleObj>
               </mc:Choice>
               <mc:Fallback>
-                <p:oleObj name="Equation" r:id="rId7" imgW="3784600" imgH="711200" progId="Equation.3">
+                <p:oleObj name="Equation" r:id="rId7" imgW="4025900" imgH="1092200" progId="Equation.3">
                   <p:embed/>
                   <p:pic>
                     <p:nvPicPr>
@@ -12392,8 +12400,8 @@
                     </p:blipFill>
                     <p:spPr>
                       <a:xfrm>
-                        <a:off x="2450089" y="4400998"/>
-                        <a:ext cx="5857875" cy="1098550"/>
+                        <a:off x="2332038" y="4156075"/>
+                        <a:ext cx="6230937" cy="1685925"/>
                       </a:xfrm>
                       <a:prstGeom prst="rect">
                         <a:avLst/>
@@ -12414,7 +12422,7 @@
         </p:nvSpPr>
         <p:spPr>
           <a:xfrm rot="16200000">
-            <a:off x="4714265" y="4753987"/>
+            <a:off x="4650823" y="5055870"/>
             <a:ext cx="201686" cy="1289436"/>
           </a:xfrm>
           <a:prstGeom prst="leftBrace">
@@ -12462,7 +12470,7 @@
         </p:nvSpPr>
         <p:spPr>
           <a:xfrm>
-            <a:off x="4087560" y="5468022"/>
+            <a:off x="4087560" y="5748046"/>
             <a:ext cx="1529648" cy="369332"/>
           </a:xfrm>
           <a:prstGeom prst="rect">
@@ -12500,8 +12508,8 @@
         </p:nvSpPr>
         <p:spPr>
           <a:xfrm>
-            <a:off x="2022265" y="3666429"/>
-            <a:ext cx="2084683" cy="2034159"/>
+            <a:off x="1862667" y="3666429"/>
+            <a:ext cx="2244281" cy="2329385"/>
           </a:xfrm>
           <a:custGeom>
             <a:avLst/>
@@ -12584,8 +12592,8 @@
         </p:nvSpPr>
         <p:spPr>
           <a:xfrm>
-            <a:off x="3249643" y="4947250"/>
-            <a:ext cx="5285313" cy="520772"/>
+            <a:off x="2982873" y="4979813"/>
+            <a:ext cx="5696872" cy="821617"/>
           </a:xfrm>
           <a:prstGeom prst="rect">
             <a:avLst/>
@@ -12629,7 +12637,7 @@
         </p:nvSpPr>
         <p:spPr>
           <a:xfrm>
-            <a:off x="6014584" y="5383360"/>
+            <a:off x="6014584" y="5824708"/>
             <a:ext cx="2188219" cy="369332"/>
           </a:xfrm>
           <a:prstGeom prst="rect">
@@ -13049,6 +13057,63 @@
           <a:chExt cx="0" cy="0"/>
         </a:xfrm>
       </p:grpSpPr>
+      <p:graphicFrame>
+        <p:nvGraphicFramePr>
+          <p:cNvPr id="31" name="Object 30"/>
+          <p:cNvGraphicFramePr>
+            <a:graphicFrameLocks noChangeAspect="1"/>
+          </p:cNvGraphicFramePr>
+          <p:nvPr>
+            <p:extLst>
+              <p:ext uri="{D42A27DB-BD31-4B8C-83A1-F6EECF244321}">
+                <p14:modId xmlns:p14="http://schemas.microsoft.com/office/powerpoint/2010/main" val="573635602"/>
+              </p:ext>
+            </p:extLst>
+          </p:nvPr>
+        </p:nvGraphicFramePr>
+        <p:xfrm>
+          <a:off x="2228850" y="376238"/>
+          <a:ext cx="6091238" cy="936625"/>
+        </p:xfrm>
+        <a:graphic>
+          <a:graphicData uri="http://schemas.openxmlformats.org/presentationml/2006/ole">
+            <mc:AlternateContent xmlns:mc="http://schemas.openxmlformats.org/markup-compatibility/2006">
+              <mc:Choice xmlns:v="urn:schemas-microsoft-com:vml" Requires="v">
+                <p:oleObj spid="_x0000_s60880" name="Equation" r:id="rId3" imgW="3543300" imgH="546100" progId="Equation.3">
+                  <p:embed/>
+                </p:oleObj>
+              </mc:Choice>
+              <mc:Fallback>
+                <p:oleObj name="Equation" r:id="rId3" imgW="3543300" imgH="546100" progId="Equation.3">
+                  <p:embed/>
+                  <p:pic>
+                    <p:nvPicPr>
+                      <p:cNvPr id="0" name=""/>
+                      <p:cNvPicPr/>
+                      <p:nvPr/>
+                    </p:nvPicPr>
+                    <p:blipFill>
+                      <a:blip r:embed="rId4"/>
+                      <a:stretch>
+                        <a:fillRect/>
+                      </a:stretch>
+                    </p:blipFill>
+                    <p:spPr>
+                      <a:xfrm>
+                        <a:off x="2228850" y="376238"/>
+                        <a:ext cx="6091238" cy="936625"/>
+                      </a:xfrm>
+                      <a:prstGeom prst="rect">
+                        <a:avLst/>
+                      </a:prstGeom>
+                    </p:spPr>
+                  </p:pic>
+                </p:oleObj>
+              </mc:Fallback>
+            </mc:AlternateContent>
+          </a:graphicData>
+        </a:graphic>
+      </p:graphicFrame>
       <p:sp>
         <p:nvSpPr>
           <p:cNvPr id="4" name="Slide Number Placeholder 3"/>
@@ -13556,63 +13621,6 @@
           </a:fontRef>
         </p:style>
       </p:cxnSp>
-      <p:graphicFrame>
-        <p:nvGraphicFramePr>
-          <p:cNvPr id="31" name="Object 30"/>
-          <p:cNvGraphicFramePr>
-            <a:graphicFrameLocks noChangeAspect="1"/>
-          </p:cNvGraphicFramePr>
-          <p:nvPr>
-            <p:extLst>
-              <p:ext uri="{D42A27DB-BD31-4B8C-83A1-F6EECF244321}">
-                <p14:modId xmlns:p14="http://schemas.microsoft.com/office/powerpoint/2010/main" val="451104735"/>
-              </p:ext>
-            </p:extLst>
-          </p:nvPr>
-        </p:nvGraphicFramePr>
-        <p:xfrm>
-          <a:off x="2554288" y="538163"/>
-          <a:ext cx="5830887" cy="611187"/>
-        </p:xfrm>
-        <a:graphic>
-          <a:graphicData uri="http://schemas.openxmlformats.org/presentationml/2006/ole">
-            <mc:AlternateContent xmlns:mc="http://schemas.openxmlformats.org/markup-compatibility/2006">
-              <mc:Choice xmlns:v="urn:schemas-microsoft-com:vml" Requires="v">
-                <p:oleObj spid="_x0000_s60811" name="Equation" r:id="rId3" imgW="3390900" imgH="355600" progId="Equation.3">
-                  <p:embed/>
-                </p:oleObj>
-              </mc:Choice>
-              <mc:Fallback>
-                <p:oleObj name="Equation" r:id="rId3" imgW="3390900" imgH="355600" progId="Equation.3">
-                  <p:embed/>
-                  <p:pic>
-                    <p:nvPicPr>
-                      <p:cNvPr id="0" name=""/>
-                      <p:cNvPicPr/>
-                      <p:nvPr/>
-                    </p:nvPicPr>
-                    <p:blipFill>
-                      <a:blip r:embed="rId4"/>
-                      <a:stretch>
-                        <a:fillRect/>
-                      </a:stretch>
-                    </p:blipFill>
-                    <p:spPr>
-                      <a:xfrm>
-                        <a:off x="2554288" y="538163"/>
-                        <a:ext cx="5830887" cy="611187"/>
-                      </a:xfrm>
-                      <a:prstGeom prst="rect">
-                        <a:avLst/>
-                      </a:prstGeom>
-                    </p:spPr>
-                  </p:pic>
-                </p:oleObj>
-              </mc:Fallback>
-            </mc:AlternateContent>
-          </a:graphicData>
-        </a:graphic>
-      </p:graphicFrame>
       <p:sp>
         <p:nvSpPr>
           <p:cNvPr id="32" name="TextBox 31"/>
@@ -13621,7 +13629,7 @@
         </p:nvSpPr>
         <p:spPr>
           <a:xfrm>
-            <a:off x="1642779" y="545617"/>
+            <a:off x="988981" y="556976"/>
             <a:ext cx="827996" cy="400110"/>
           </a:xfrm>
           <a:prstGeom prst="rect">
@@ -13762,13 +13770,14 @@
           <p:cNvPr id="40" name="Straight Arrow Connector 39"/>
           <p:cNvCxnSpPr>
             <a:stCxn id="41" idx="1"/>
+            <a:endCxn id="16" idx="3"/>
           </p:cNvCxnSpPr>
           <p:nvPr/>
         </p:nvCxnSpPr>
         <p:spPr>
           <a:xfrm flipH="1">
-            <a:off x="2271865" y="1249951"/>
-            <a:ext cx="2633838" cy="530765"/>
+            <a:off x="2217903" y="1312863"/>
+            <a:ext cx="2316948" cy="400981"/>
           </a:xfrm>
           <a:prstGeom prst="straightConnector1">
             <a:avLst/>
@@ -13807,8 +13816,8 @@
         </p:nvSpPr>
         <p:spPr>
           <a:xfrm rot="16200000">
-            <a:off x="4804860" y="504390"/>
-            <a:ext cx="201686" cy="1289436"/>
+            <a:off x="4434077" y="748246"/>
+            <a:ext cx="201548" cy="927686"/>
           </a:xfrm>
           <a:prstGeom prst="leftBrace">
             <a:avLst/>
@@ -14473,6 +14482,63 @@
           <a:chExt cx="0" cy="0"/>
         </a:xfrm>
       </p:grpSpPr>
+      <p:graphicFrame>
+        <p:nvGraphicFramePr>
+          <p:cNvPr id="26" name="Object 25"/>
+          <p:cNvGraphicFramePr>
+            <a:graphicFrameLocks noChangeAspect="1"/>
+          </p:cNvGraphicFramePr>
+          <p:nvPr>
+            <p:extLst>
+              <p:ext uri="{D42A27DB-BD31-4B8C-83A1-F6EECF244321}">
+                <p14:modId xmlns:p14="http://schemas.microsoft.com/office/powerpoint/2010/main" val="2724756360"/>
+              </p:ext>
+            </p:extLst>
+          </p:nvPr>
+        </p:nvGraphicFramePr>
+        <p:xfrm>
+          <a:off x="2228850" y="376238"/>
+          <a:ext cx="6091238" cy="936625"/>
+        </p:xfrm>
+        <a:graphic>
+          <a:graphicData uri="http://schemas.openxmlformats.org/presentationml/2006/ole">
+            <mc:AlternateContent xmlns:mc="http://schemas.openxmlformats.org/markup-compatibility/2006">
+              <mc:Choice xmlns:v="urn:schemas-microsoft-com:vml" Requires="v">
+                <p:oleObj spid="_x0000_s108645" name="Equation" r:id="rId3" imgW="3543300" imgH="546100" progId="Equation.3">
+                  <p:embed/>
+                </p:oleObj>
+              </mc:Choice>
+              <mc:Fallback>
+                <p:oleObj name="Equation" r:id="rId3" imgW="3543300" imgH="546100" progId="Equation.3">
+                  <p:embed/>
+                  <p:pic>
+                    <p:nvPicPr>
+                      <p:cNvPr id="0" name=""/>
+                      <p:cNvPicPr/>
+                      <p:nvPr/>
+                    </p:nvPicPr>
+                    <p:blipFill>
+                      <a:blip r:embed="rId4"/>
+                      <a:stretch>
+                        <a:fillRect/>
+                      </a:stretch>
+                    </p:blipFill>
+                    <p:spPr>
+                      <a:xfrm>
+                        <a:off x="2228850" y="376238"/>
+                        <a:ext cx="6091238" cy="936625"/>
+                      </a:xfrm>
+                      <a:prstGeom prst="rect">
+                        <a:avLst/>
+                      </a:prstGeom>
+                    </p:spPr>
+                  </p:pic>
+                </p:oleObj>
+              </mc:Fallback>
+            </mc:AlternateContent>
+          </a:graphicData>
+        </a:graphic>
+      </p:graphicFrame>
       <p:sp>
         <p:nvSpPr>
           <p:cNvPr id="4" name="Slide Number Placeholder 3"/>
@@ -14900,93 +14966,6 @@
           </a:fontRef>
         </p:style>
       </p:cxnSp>
-      <p:graphicFrame>
-        <p:nvGraphicFramePr>
-          <p:cNvPr id="31" name="Object 30"/>
-          <p:cNvGraphicFramePr>
-            <a:graphicFrameLocks noChangeAspect="1"/>
-          </p:cNvGraphicFramePr>
-          <p:nvPr>
-            <p:extLst>
-              <p:ext uri="{D42A27DB-BD31-4B8C-83A1-F6EECF244321}">
-                <p14:modId xmlns:p14="http://schemas.microsoft.com/office/powerpoint/2010/main" val="3136251600"/>
-              </p:ext>
-            </p:extLst>
-          </p:nvPr>
-        </p:nvGraphicFramePr>
-        <p:xfrm>
-          <a:off x="2554288" y="538163"/>
-          <a:ext cx="5830887" cy="611187"/>
-        </p:xfrm>
-        <a:graphic>
-          <a:graphicData uri="http://schemas.openxmlformats.org/presentationml/2006/ole">
-            <mc:AlternateContent xmlns:mc="http://schemas.openxmlformats.org/markup-compatibility/2006">
-              <mc:Choice xmlns:v="urn:schemas-microsoft-com:vml" Requires="v">
-                <p:oleObj spid="_x0000_s108576" name="Equation" r:id="rId3" imgW="3390900" imgH="355600" progId="Equation.3">
-                  <p:embed/>
-                </p:oleObj>
-              </mc:Choice>
-              <mc:Fallback>
-                <p:oleObj name="Equation" r:id="rId3" imgW="3390900" imgH="355600" progId="Equation.3">
-                  <p:embed/>
-                  <p:pic>
-                    <p:nvPicPr>
-                      <p:cNvPr id="0" name=""/>
-                      <p:cNvPicPr/>
-                      <p:nvPr/>
-                    </p:nvPicPr>
-                    <p:blipFill>
-                      <a:blip r:embed="rId4"/>
-                      <a:stretch>
-                        <a:fillRect/>
-                      </a:stretch>
-                    </p:blipFill>
-                    <p:spPr>
-                      <a:xfrm>
-                        <a:off x="2554288" y="538163"/>
-                        <a:ext cx="5830887" cy="611187"/>
-                      </a:xfrm>
-                      <a:prstGeom prst="rect">
-                        <a:avLst/>
-                      </a:prstGeom>
-                    </p:spPr>
-                  </p:pic>
-                </p:oleObj>
-              </mc:Fallback>
-            </mc:AlternateContent>
-          </a:graphicData>
-        </a:graphic>
-      </p:graphicFrame>
-      <p:sp>
-        <p:nvSpPr>
-          <p:cNvPr id="32" name="TextBox 31"/>
-          <p:cNvSpPr txBox="1"/>
-          <p:nvPr/>
-        </p:nvSpPr>
-        <p:spPr>
-          <a:xfrm>
-            <a:off x="1642779" y="545617"/>
-            <a:ext cx="827996" cy="400110"/>
-          </a:xfrm>
-          <a:prstGeom prst="rect">
-            <a:avLst/>
-          </a:prstGeom>
-          <a:noFill/>
-        </p:spPr>
-        <p:txBody>
-          <a:bodyPr wrap="none" rtlCol="0">
-            <a:spAutoFit/>
-          </a:bodyPr>
-          <a:lstStyle/>
-          <a:p>
-            <a:r>
-              <a:rPr lang="en-US" sz="2000" b="1" dirty="0" smtClean="0"/>
-              <a:t>Solve:</a:t>
-            </a:r>
-            <a:endParaRPr lang="en-US" sz="2000" b="1" dirty="0"/>
-          </a:p>
-        </p:txBody>
-      </p:sp>
       <p:sp>
         <p:nvSpPr>
           <p:cNvPr id="35" name="TextBox 34"/>
@@ -15025,18 +15004,122 @@
           </a:p>
         </p:txBody>
       </p:sp>
+      <p:sp>
+        <p:nvSpPr>
+          <p:cNvPr id="45" name="TextBox 44"/>
+          <p:cNvSpPr txBox="1"/>
+          <p:nvPr/>
+        </p:nvSpPr>
+        <p:spPr>
+          <a:xfrm>
+            <a:off x="347304" y="6173914"/>
+            <a:ext cx="1375234" cy="369332"/>
+          </a:xfrm>
+          <a:prstGeom prst="rect">
+            <a:avLst/>
+          </a:prstGeom>
+          <a:noFill/>
+        </p:spPr>
+        <p:txBody>
+          <a:bodyPr wrap="none" rtlCol="0">
+            <a:spAutoFit/>
+          </a:bodyPr>
+          <a:lstStyle/>
+          <a:p>
+            <a:r>
+              <a:rPr lang="en-US" dirty="0" smtClean="0"/>
+              <a:t>Ŷ</a:t>
+            </a:r>
+            <a:r>
+              <a:rPr lang="en-US" baseline="30000" dirty="0" smtClean="0"/>
+              <a:t>1</a:t>
+            </a:r>
+            <a:r>
+              <a:rPr lang="en-US" dirty="0" smtClean="0"/>
+              <a:t>(Z) is just Z</a:t>
+            </a:r>
+            <a:endParaRPr lang="en-US" dirty="0"/>
+          </a:p>
+        </p:txBody>
+      </p:sp>
+      <p:sp>
+        <p:nvSpPr>
+          <p:cNvPr id="23" name="TextBox 22"/>
+          <p:cNvSpPr txBox="1"/>
+          <p:nvPr/>
+        </p:nvSpPr>
+        <p:spPr>
+          <a:xfrm>
+            <a:off x="2837434" y="6095762"/>
+            <a:ext cx="1721821" cy="369332"/>
+          </a:xfrm>
+          <a:prstGeom prst="rect">
+            <a:avLst/>
+          </a:prstGeom>
+          <a:noFill/>
+        </p:spPr>
+        <p:txBody>
+          <a:bodyPr wrap="none" rtlCol="0">
+            <a:spAutoFit/>
+          </a:bodyPr>
+          <a:lstStyle/>
+          <a:p>
+            <a:r>
+              <a:rPr lang="en-US" dirty="0" smtClean="0"/>
+              <a:t>Ex: Ŷ</a:t>
+            </a:r>
+            <a:r>
+              <a:rPr lang="en-US" baseline="30000" dirty="0"/>
+              <a:t>2</a:t>
+            </a:r>
+            <a:r>
+              <a:rPr lang="en-US" dirty="0" smtClean="0"/>
+              <a:t>(V) = (N, V)</a:t>
+            </a:r>
+            <a:endParaRPr lang="en-US" dirty="0"/>
+          </a:p>
+        </p:txBody>
+      </p:sp>
+      <p:sp>
+        <p:nvSpPr>
+          <p:cNvPr id="21" name="TextBox 20"/>
+          <p:cNvSpPr txBox="1"/>
+          <p:nvPr/>
+        </p:nvSpPr>
+        <p:spPr>
+          <a:xfrm>
+            <a:off x="988981" y="556976"/>
+            <a:ext cx="827996" cy="400110"/>
+          </a:xfrm>
+          <a:prstGeom prst="rect">
+            <a:avLst/>
+          </a:prstGeom>
+          <a:noFill/>
+        </p:spPr>
+        <p:txBody>
+          <a:bodyPr wrap="none" rtlCol="0">
+            <a:spAutoFit/>
+          </a:bodyPr>
+          <a:lstStyle/>
+          <a:p>
+            <a:r>
+              <a:rPr lang="en-US" sz="2000" b="1" dirty="0" smtClean="0"/>
+              <a:t>Solve:</a:t>
+            </a:r>
+            <a:endParaRPr lang="en-US" sz="2000" b="1" dirty="0"/>
+          </a:p>
+        </p:txBody>
+      </p:sp>
       <p:cxnSp>
         <p:nvCxnSpPr>
-          <p:cNvPr id="40" name="Straight Arrow Connector 39"/>
-          <p:cNvCxnSpPr>
-            <a:stCxn id="41" idx="1"/>
-          </p:cNvCxnSpPr>
+          <p:cNvPr id="27" name="Straight Arrow Connector 26"/>
+          <p:cNvCxnSpPr/>
           <p:nvPr/>
         </p:nvCxnSpPr>
         <p:spPr>
           <a:xfrm flipH="1">
-            <a:off x="2271865" y="1249951"/>
-            <a:ext cx="2633838" cy="530765"/>
+            <a:off x="2217903" y="1312863"/>
+            <a:ext cx="2316948" cy="400981"/>
           </a:xfrm>
           <a:prstGeom prst="straightConnector1">
             <a:avLst/>
@@ -15069,14 +15152,14 @@
       </p:cxnSp>
       <p:sp>
         <p:nvSpPr>
-          <p:cNvPr id="41" name="Left Brace 40"/>
+          <p:cNvPr id="28" name="Left Brace 27"/>
           <p:cNvSpPr/>
           <p:nvPr/>
         </p:nvSpPr>
         <p:spPr>
           <a:xfrm rot="16200000">
-            <a:off x="4804860" y="504390"/>
-            <a:ext cx="201686" cy="1289436"/>
+            <a:off x="4434077" y="748246"/>
+            <a:ext cx="201548" cy="927686"/>
           </a:xfrm>
           <a:prstGeom prst="leftBrace">
             <a:avLst/>
@@ -15115,82 +15198,6 @@
           </a:p>
         </p:txBody>
       </p:sp>
-      <p:sp>
-        <p:nvSpPr>
-          <p:cNvPr id="45" name="TextBox 44"/>
-          <p:cNvSpPr txBox="1"/>
-          <p:nvPr/>
-        </p:nvSpPr>
-        <p:spPr>
-          <a:xfrm>
-            <a:off x="347304" y="6173914"/>
-            <a:ext cx="1375234" cy="369332"/>
-          </a:xfrm>
-          <a:prstGeom prst="rect">
-            <a:avLst/>
-          </a:prstGeom>
-          <a:noFill/>
-        </p:spPr>
-        <p:txBody>
-          <a:bodyPr wrap="none" rtlCol="0">
-            <a:spAutoFit/>
-          </a:bodyPr>
-          <a:lstStyle/>
-          <a:p>
-            <a:r>
-              <a:rPr lang="en-US" dirty="0" smtClean="0"/>
-              <a:t>Ŷ</a:t>
-            </a:r>
-            <a:r>
-              <a:rPr lang="en-US" baseline="30000" dirty="0" smtClean="0"/>
-              <a:t>1</a:t>
-            </a:r>
-            <a:r>
-              <a:rPr lang="en-US" dirty="0" smtClean="0"/>
-              <a:t>(Z) is just Z</a:t>
-            </a:r>
-            <a:endParaRPr lang="en-US" dirty="0"/>
-          </a:p>
-        </p:txBody>
-      </p:sp>
-      <p:sp>
-        <p:nvSpPr>
-          <p:cNvPr id="23" name="TextBox 22"/>
-          <p:cNvSpPr txBox="1"/>
-          <p:nvPr/>
-        </p:nvSpPr>
-        <p:spPr>
-          <a:xfrm>
-            <a:off x="2837434" y="6095762"/>
-            <a:ext cx="1721821" cy="369332"/>
-          </a:xfrm>
-          <a:prstGeom prst="rect">
-            <a:avLst/>
-          </a:prstGeom>
-          <a:noFill/>
-        </p:spPr>
-        <p:txBody>
-          <a:bodyPr wrap="none" rtlCol="0">
-            <a:spAutoFit/>
-          </a:bodyPr>
-          <a:lstStyle/>
-          <a:p>
-            <a:r>
-              <a:rPr lang="en-US" dirty="0" smtClean="0"/>
-              <a:t>Ex: Ŷ</a:t>
-            </a:r>
-            <a:r>
-              <a:rPr lang="en-US" baseline="30000" dirty="0"/>
-              <a:t>2</a:t>
-            </a:r>
-            <a:r>
-              <a:rPr lang="en-US" dirty="0" smtClean="0"/>
-              <a:t>(V) = (N, V)</a:t>
-            </a:r>
-            <a:endParaRPr lang="en-US" dirty="0"/>
-          </a:p>
-        </p:txBody>
-      </p:sp>
     </p:spTree>
     <p:extLst>
       <p:ext uri="{BB962C8B-B14F-4D97-AF65-F5344CB8AC3E}">
@@ -15204,9 +15211,170 @@
   <p:timing>
     <p:tnLst>
       <p:par>
-        <p:cTn xmlns:p14="http://schemas.microsoft.com/office/powerpoint/2010/main" id="1" dur="indefinite" restart="never" nodeType="tmRoot"/>
+        <p:cTn xmlns:p14="http://schemas.microsoft.com/office/powerpoint/2010/main" id="1" dur="indefinite" restart="never" nodeType="tmRoot">
+          <p:childTnLst>
+            <p:seq concurrent="1" nextAc="seek">
+              <p:cTn id="2" dur="indefinite" nodeType="mainSeq">
+                <p:childTnLst>
+                  <p:par>
+                    <p:cTn id="3" fill="hold">
+                      <p:stCondLst>
+                        <p:cond delay="indefinite"/>
+                        <p:cond evt="onBegin" delay="0">
+                          <p:tn val="2"/>
+                        </p:cond>
+                      </p:stCondLst>
+                      <p:childTnLst>
+                        <p:par>
+                          <p:cTn id="4" fill="hold">
+                            <p:stCondLst>
+                              <p:cond delay="0"/>
+                            </p:stCondLst>
+                            <p:childTnLst>
+                              <p:par>
+                                <p:cTn id="5" presetID="9" presetClass="entr" presetSubtype="0" fill="hold" nodeType="withEffect">
+                                  <p:stCondLst>
+                                    <p:cond delay="0"/>
+                                  </p:stCondLst>
+                                  <p:childTnLst>
+                                    <p:set>
+                                      <p:cBhvr>
+                                        <p:cTn id="6" dur="1" fill="hold">
+                                          <p:stCondLst>
+                                            <p:cond delay="0"/>
+                                          </p:stCondLst>
+                                        </p:cTn>
+                                        <p:tgtEl>
+                                          <p:spTgt spid="26"/>
+                                        </p:tgtEl>
+                                        <p:attrNameLst>
+                                          <p:attrName>style.visibility</p:attrName>
+                                        </p:attrNameLst>
+                                      </p:cBhvr>
+                                      <p:to>
+                                        <p:strVal val="visible"/>
+                                      </p:to>
+                                    </p:set>
+                                    <p:animEffect transition="in" filter="dissolve">
+                                      <p:cBhvr>
+                                        <p:cTn id="7" dur="500"/>
+                                        <p:tgtEl>
+                                          <p:spTgt spid="26"/>
+                                        </p:tgtEl>
+                                      </p:cBhvr>
+                                    </p:animEffect>
+                                  </p:childTnLst>
+                                </p:cTn>
+                              </p:par>
+                              <p:par>
+                                <p:cTn id="8" presetID="9" presetClass="entr" presetSubtype="0" fill="hold" nodeType="withEffect">
+                                  <p:stCondLst>
+                                    <p:cond delay="0"/>
+                                  </p:stCondLst>
+                                  <p:childTnLst>
+                                    <p:set>
+                                      <p:cBhvr>
+                                        <p:cTn id="9" dur="1" fill="hold">
+                                          <p:stCondLst>
+                                            <p:cond delay="0"/>
+                                          </p:stCondLst>
+                                        </p:cTn>
+                                        <p:tgtEl>
+                                          <p:spTgt spid="27"/>
+                                        </p:tgtEl>
+                                        <p:attrNameLst>
+                                          <p:attrName>style.visibility</p:attrName>
+                                        </p:attrNameLst>
+                                      </p:cBhvr>
+                                      <p:to>
+                                        <p:strVal val="visible"/>
+                                      </p:to>
+                                    </p:set>
+                                    <p:animEffect transition="in" filter="dissolve">
+                                      <p:cBhvr>
+                                        <p:cTn id="10" dur="500"/>
+                                        <p:tgtEl>
+                                          <p:spTgt spid="27"/>
+                                        </p:tgtEl>
+                                      </p:cBhvr>
+                                    </p:animEffect>
+                                  </p:childTnLst>
+                                </p:cTn>
+                              </p:par>
+                            </p:childTnLst>
+                          </p:cTn>
+                        </p:par>
+                        <p:par>
+                          <p:cTn id="11" fill="hold">
+                            <p:stCondLst>
+                              <p:cond delay="500"/>
+                            </p:stCondLst>
+                            <p:childTnLst>
+                              <p:par>
+                                <p:cTn id="12" presetID="9" presetClass="entr" presetSubtype="0" fill="hold" grpId="0" nodeType="afterEffect">
+                                  <p:stCondLst>
+                                    <p:cond delay="0"/>
+                                  </p:stCondLst>
+                                  <p:childTnLst>
+                                    <p:set>
+                                      <p:cBhvr>
+                                        <p:cTn id="13" dur="1" fill="hold">
+                                          <p:stCondLst>
+                                            <p:cond delay="0"/>
+                                          </p:stCondLst>
+                                        </p:cTn>
+                                        <p:tgtEl>
+                                          <p:spTgt spid="28"/>
+                                        </p:tgtEl>
+                                        <p:attrNameLst>
+                                          <p:attrName>style.visibility</p:attrName>
+                                        </p:attrNameLst>
+                                      </p:cBhvr>
+                                      <p:to>
+                                        <p:strVal val="visible"/>
+                                      </p:to>
+                                    </p:set>
+                                    <p:animEffect transition="in" filter="dissolve">
+                                      <p:cBhvr>
+                                        <p:cTn id="14" dur="500"/>
+                                        <p:tgtEl>
+                                          <p:spTgt spid="28"/>
+                                        </p:tgtEl>
+                                      </p:cBhvr>
+                                    </p:animEffect>
+                                  </p:childTnLst>
+                                </p:cTn>
+                              </p:par>
+                            </p:childTnLst>
+                          </p:cTn>
+                        </p:par>
+                      </p:childTnLst>
+                    </p:cTn>
+                  </p:par>
+                </p:childTnLst>
+              </p:cTn>
+              <p:prevCondLst>
+                <p:cond evt="onPrev" delay="0">
+                  <p:tgtEl>
+                    <p:sldTgt/>
+                  </p:tgtEl>
+                </p:cond>
+              </p:prevCondLst>
+              <p:nextCondLst>
+                <p:cond evt="onNext" delay="0">
+                  <p:tgtEl>
+                    <p:sldTgt/>
+                  </p:tgtEl>
+                </p:cond>
+              </p:nextCondLst>
+            </p:seq>
+          </p:childTnLst>
+        </p:cTn>
       </p:par>
     </p:tnLst>
+    <p:bldLst>
+      <p:bldP spid="28" grpId="0" animBg="1"/>
+    </p:bldLst>
   </p:timing>
 </p:sld>
 </file>
@@ -16000,25 +16168,25 @@
           <p:nvPr>
             <p:extLst>
               <p:ext uri="{D42A27DB-BD31-4B8C-83A1-F6EECF244321}">
-                <p14:modId xmlns:p14="http://schemas.microsoft.com/office/powerpoint/2010/main" val="455038898"/>
+                <p14:modId xmlns:p14="http://schemas.microsoft.com/office/powerpoint/2010/main" val="2713407330"/>
               </p:ext>
             </p:extLst>
           </p:nvPr>
         </p:nvGraphicFramePr>
         <p:xfrm>
-          <a:off x="2478088" y="538163"/>
-          <a:ext cx="5983287" cy="611187"/>
+          <a:off x="1838325" y="376238"/>
+          <a:ext cx="6397625" cy="936625"/>
         </p:xfrm>
         <a:graphic>
           <a:graphicData uri="http://schemas.openxmlformats.org/presentationml/2006/ole">
             <mc:AlternateContent xmlns:mc="http://schemas.openxmlformats.org/markup-compatibility/2006">
               <mc:Choice xmlns:v="urn:schemas-microsoft-com:vml" Requires="v">
-                <p:oleObj spid="_x0000_s61810" name="Equation" r:id="rId3" imgW="3479800" imgH="355600" progId="Equation.3">
+                <p:oleObj spid="_x0000_s61879" name="Equation" r:id="rId3" imgW="3721100" imgH="546100" progId="Equation.3">
                   <p:embed/>
                 </p:oleObj>
               </mc:Choice>
               <mc:Fallback>
-                <p:oleObj name="Equation" r:id="rId3" imgW="3479800" imgH="355600" progId="Equation.3">
+                <p:oleObj name="Equation" r:id="rId3" imgW="3721100" imgH="546100" progId="Equation.3">
                   <p:embed/>
                   <p:pic>
                     <p:nvPicPr>
@@ -16034,8 +16202,8 @@
                     </p:blipFill>
                     <p:spPr>
                       <a:xfrm>
-                        <a:off x="2478088" y="538163"/>
-                        <a:ext cx="5983287" cy="611187"/>
+                        <a:off x="1838325" y="376238"/>
+                        <a:ext cx="6397625" cy="936625"/>
                       </a:xfrm>
                       <a:prstGeom prst="rect">
                         <a:avLst/>
@@ -16056,7 +16224,7 @@
         </p:nvSpPr>
         <p:spPr>
           <a:xfrm>
-            <a:off x="1642779" y="545617"/>
+            <a:off x="808170" y="579549"/>
             <a:ext cx="827996" cy="400110"/>
           </a:xfrm>
           <a:prstGeom prst="rect">
@@ -17731,6 +17899,356 @@
           </a:p>
         </p:txBody>
       </p:sp>
+      <p:cxnSp>
+        <p:nvCxnSpPr>
+          <p:cNvPr id="37" name="Straight Arrow Connector 36"/>
+          <p:cNvCxnSpPr/>
+          <p:nvPr/>
+        </p:nvCxnSpPr>
+        <p:spPr>
+          <a:xfrm>
+            <a:off x="4156885" y="2818633"/>
+            <a:ext cx="1309826" cy="0"/>
+          </a:xfrm>
+          <a:prstGeom prst="straightConnector1">
+            <a:avLst/>
+          </a:prstGeom>
+          <a:grpFill/>
+          <a:ln>
+            <a:solidFill>
+              <a:srgbClr val="FF0000"/>
+            </a:solidFill>
+            <a:tailEnd type="arrow"/>
+          </a:ln>
+          <a:effectLst/>
+        </p:spPr>
+        <p:style>
+          <a:lnRef idx="2">
+            <a:schemeClr val="accent1"/>
+          </a:lnRef>
+          <a:fillRef idx="0">
+            <a:schemeClr val="accent1"/>
+          </a:fillRef>
+          <a:effectRef idx="1">
+            <a:schemeClr val="accent1"/>
+          </a:effectRef>
+          <a:fontRef idx="minor">
+            <a:schemeClr val="tx1"/>
+          </a:fontRef>
+        </p:style>
+      </p:cxnSp>
+      <p:cxnSp>
+        <p:nvCxnSpPr>
+          <p:cNvPr id="38" name="Straight Arrow Connector 37"/>
+          <p:cNvCxnSpPr/>
+          <p:nvPr/>
+        </p:nvCxnSpPr>
+        <p:spPr>
+          <a:xfrm flipV="1">
+            <a:off x="4156885" y="2973094"/>
+            <a:ext cx="1309826" cy="1074651"/>
+          </a:xfrm>
+          <a:prstGeom prst="straightConnector1">
+            <a:avLst/>
+          </a:prstGeom>
+          <a:grpFill/>
+          <a:ln>
+            <a:solidFill>
+              <a:srgbClr val="FF0000"/>
+            </a:solidFill>
+            <a:tailEnd type="arrow"/>
+          </a:ln>
+          <a:effectLst/>
+        </p:spPr>
+        <p:style>
+          <a:lnRef idx="2">
+            <a:schemeClr val="accent1"/>
+          </a:lnRef>
+          <a:fillRef idx="0">
+            <a:schemeClr val="accent1"/>
+          </a:fillRef>
+          <a:effectRef idx="1">
+            <a:schemeClr val="accent1"/>
+          </a:effectRef>
+          <a:fontRef idx="minor">
+            <a:schemeClr val="tx1"/>
+          </a:fontRef>
+        </p:style>
+      </p:cxnSp>
+      <p:cxnSp>
+        <p:nvCxnSpPr>
+          <p:cNvPr id="39" name="Straight Arrow Connector 38"/>
+          <p:cNvCxnSpPr/>
+          <p:nvPr/>
+        </p:nvCxnSpPr>
+        <p:spPr>
+          <a:xfrm flipV="1">
+            <a:off x="4156885" y="3138742"/>
+            <a:ext cx="1392655" cy="2248547"/>
+          </a:xfrm>
+          <a:prstGeom prst="straightConnector1">
+            <a:avLst/>
+          </a:prstGeom>
+          <a:grpFill/>
+          <a:ln>
+            <a:solidFill>
+              <a:srgbClr val="FF0000"/>
+            </a:solidFill>
+            <a:tailEnd type="arrow"/>
+          </a:ln>
+          <a:effectLst/>
+        </p:spPr>
+        <p:style>
+          <a:lnRef idx="2">
+            <a:schemeClr val="accent1"/>
+          </a:lnRef>
+          <a:fillRef idx="0">
+            <a:schemeClr val="accent1"/>
+          </a:fillRef>
+          <a:effectRef idx="1">
+            <a:schemeClr val="accent1"/>
+          </a:effectRef>
+          <a:fontRef idx="minor">
+            <a:schemeClr val="tx1"/>
+          </a:fontRef>
+        </p:style>
+      </p:cxnSp>
+      <p:sp>
+        <p:nvSpPr>
+          <p:cNvPr id="8" name="TextBox 7"/>
+          <p:cNvSpPr txBox="1"/>
+          <p:nvPr/>
+        </p:nvSpPr>
+        <p:spPr>
+          <a:xfrm>
+            <a:off x="5005681" y="1272705"/>
+            <a:ext cx="3455694" cy="830997"/>
+          </a:xfrm>
+          <a:prstGeom prst="rect">
+            <a:avLst/>
+          </a:prstGeom>
+          <a:solidFill>
+            <a:schemeClr val="accent4">
+              <a:lumMod val="20000"/>
+              <a:lumOff val="80000"/>
+            </a:schemeClr>
+          </a:solidFill>
+          <a:ln w="25400">
+            <a:solidFill>
+              <a:schemeClr val="accent4">
+                <a:lumMod val="50000"/>
+              </a:schemeClr>
+            </a:solidFill>
+          </a:ln>
+        </p:spPr>
+        <p:txBody>
+          <a:bodyPr wrap="none" rtlCol="0">
+            <a:spAutoFit/>
+          </a:bodyPr>
+          <a:lstStyle/>
+          <a:p>
+            <a:r>
+              <a:rPr lang="en-US" sz="2400" b="1" dirty="0" smtClean="0">
+                <a:solidFill>
+                  <a:srgbClr val="000000"/>
+                </a:solidFill>
+              </a:rPr>
+              <a:t>Claim: </a:t>
+            </a:r>
+            <a:r>
+              <a:rPr lang="en-US" sz="2400" dirty="0" smtClean="0">
+                <a:solidFill>
+                  <a:srgbClr val="000000"/>
+                </a:solidFill>
+              </a:rPr>
+              <a:t>Only need to check</a:t>
+            </a:r>
+          </a:p>
+          <a:p>
+            <a:r>
+              <a:rPr lang="en-US" sz="2400" dirty="0">
+                <a:solidFill>
+                  <a:srgbClr val="000000"/>
+                </a:solidFill>
+              </a:rPr>
+              <a:t>s</a:t>
+            </a:r>
+            <a:r>
+              <a:rPr lang="en-US" sz="2400" dirty="0" smtClean="0">
+                <a:solidFill>
+                  <a:srgbClr val="000000"/>
+                </a:solidFill>
+              </a:rPr>
+              <a:t>olutions of Ŷ</a:t>
+            </a:r>
+            <a:r>
+              <a:rPr lang="en-US" sz="2400" baseline="30000" dirty="0" smtClean="0">
+                <a:solidFill>
+                  <a:srgbClr val="000000"/>
+                </a:solidFill>
+              </a:rPr>
+              <a:t>2</a:t>
+            </a:r>
+            <a:r>
+              <a:rPr lang="en-US" sz="2400" dirty="0" smtClean="0">
+                <a:solidFill>
+                  <a:srgbClr val="000000"/>
+                </a:solidFill>
+              </a:rPr>
+              <a:t>(Z), Z=V,D,N</a:t>
+            </a:r>
+            <a:endParaRPr lang="en-US" sz="2400" dirty="0">
+              <a:solidFill>
+                <a:srgbClr val="000000"/>
+              </a:solidFill>
+            </a:endParaRPr>
+          </a:p>
+        </p:txBody>
+      </p:sp>
+      <p:sp>
+        <p:nvSpPr>
+          <p:cNvPr id="31" name="TextBox 30"/>
+          <p:cNvSpPr txBox="1"/>
+          <p:nvPr/>
+        </p:nvSpPr>
+        <p:spPr>
+          <a:xfrm>
+            <a:off x="4295502" y="2463958"/>
+            <a:ext cx="902377" cy="369332"/>
+          </a:xfrm>
+          <a:prstGeom prst="rect">
+            <a:avLst/>
+          </a:prstGeom>
+          <a:noFill/>
+        </p:spPr>
+        <p:txBody>
+          <a:bodyPr wrap="square" rtlCol="0">
+            <a:spAutoFit/>
+          </a:bodyPr>
+          <a:lstStyle/>
+          <a:p>
+            <a:r>
+              <a:rPr lang="en-US" dirty="0" smtClean="0"/>
+              <a:t>y</a:t>
+            </a:r>
+            <a:r>
+              <a:rPr lang="en-US" baseline="30000" dirty="0"/>
+              <a:t>2</a:t>
+            </a:r>
+            <a:r>
+              <a:rPr lang="en-US" dirty="0" smtClean="0"/>
+              <a:t>=V</a:t>
+            </a:r>
+            <a:endParaRPr lang="en-US" dirty="0"/>
+          </a:p>
+        </p:txBody>
+      </p:sp>
+      <p:sp>
+        <p:nvSpPr>
+          <p:cNvPr id="32" name="TextBox 31"/>
+          <p:cNvSpPr txBox="1"/>
+          <p:nvPr/>
+        </p:nvSpPr>
+        <p:spPr>
+          <a:xfrm>
+            <a:off x="4247191" y="3209719"/>
+            <a:ext cx="624127" cy="369332"/>
+          </a:xfrm>
+          <a:prstGeom prst="rect">
+            <a:avLst/>
+          </a:prstGeom>
+          <a:noFill/>
+        </p:spPr>
+        <p:txBody>
+          <a:bodyPr wrap="none" rtlCol="0">
+            <a:spAutoFit/>
+          </a:bodyPr>
+          <a:lstStyle/>
+          <a:p>
+            <a:r>
+              <a:rPr lang="en-US" dirty="0" smtClean="0"/>
+              <a:t>y</a:t>
+            </a:r>
+            <a:r>
+              <a:rPr lang="en-US" baseline="30000" dirty="0"/>
+              <a:t>2</a:t>
+            </a:r>
+            <a:r>
+              <a:rPr lang="en-US" dirty="0" smtClean="0"/>
+              <a:t>=D</a:t>
+            </a:r>
+            <a:endParaRPr lang="en-US" dirty="0"/>
+          </a:p>
+        </p:txBody>
+      </p:sp>
+      <p:sp>
+        <p:nvSpPr>
+          <p:cNvPr id="33" name="TextBox 32"/>
+          <p:cNvSpPr txBox="1"/>
+          <p:nvPr/>
+        </p:nvSpPr>
+        <p:spPr>
+          <a:xfrm>
+            <a:off x="4624444" y="4620157"/>
+            <a:ext cx="631115" cy="369332"/>
+          </a:xfrm>
+          <a:prstGeom prst="rect">
+            <a:avLst/>
+          </a:prstGeom>
+          <a:noFill/>
+        </p:spPr>
+        <p:txBody>
+          <a:bodyPr wrap="none" rtlCol="0">
+            <a:spAutoFit/>
+          </a:bodyPr>
+          <a:lstStyle/>
+          <a:p>
+            <a:r>
+              <a:rPr lang="en-US" dirty="0" smtClean="0"/>
+              <a:t>y</a:t>
+            </a:r>
+            <a:r>
+              <a:rPr lang="en-US" baseline="30000" dirty="0"/>
+              <a:t>2</a:t>
+            </a:r>
+            <a:r>
+              <a:rPr lang="en-US" dirty="0" smtClean="0"/>
+              <a:t>=N</a:t>
+            </a:r>
+            <a:endParaRPr lang="en-US" dirty="0"/>
+          </a:p>
+        </p:txBody>
+      </p:sp>
+      <p:sp>
+        <p:nvSpPr>
+          <p:cNvPr id="35" name="TextBox 34"/>
+          <p:cNvSpPr txBox="1"/>
+          <p:nvPr/>
+        </p:nvSpPr>
+        <p:spPr>
+          <a:xfrm>
+            <a:off x="808170" y="579549"/>
+            <a:ext cx="827996" cy="400110"/>
+          </a:xfrm>
+          <a:prstGeom prst="rect">
+            <a:avLst/>
+          </a:prstGeom>
+          <a:noFill/>
+        </p:spPr>
+        <p:txBody>
+          <a:bodyPr wrap="none" rtlCol="0">
+            <a:spAutoFit/>
+          </a:bodyPr>
+          <a:lstStyle/>
+          <a:p>
+            <a:r>
+              <a:rPr lang="en-US" sz="2000" b="1" dirty="0" smtClean="0"/>
+              <a:t>Solve:</a:t>
+            </a:r>
+            <a:endParaRPr lang="en-US" sz="2000" b="1" dirty="0"/>
+          </a:p>
+        </p:txBody>
+      </p:sp>
       <p:graphicFrame>
         <p:nvGraphicFramePr>
           <p:cNvPr id="30" name="Object 29"/>
@@ -17740,25 +18258,25 @@
           <p:nvPr>
             <p:extLst>
               <p:ext uri="{D42A27DB-BD31-4B8C-83A1-F6EECF244321}">
-                <p14:modId xmlns:p14="http://schemas.microsoft.com/office/powerpoint/2010/main" val="1104356724"/>
+                <p14:modId xmlns:p14="http://schemas.microsoft.com/office/powerpoint/2010/main" val="659676907"/>
               </p:ext>
             </p:extLst>
           </p:nvPr>
         </p:nvGraphicFramePr>
         <p:xfrm>
-          <a:off x="2478088" y="538163"/>
-          <a:ext cx="5983287" cy="611187"/>
+          <a:off x="1838325" y="376238"/>
+          <a:ext cx="6397625" cy="936625"/>
         </p:xfrm>
         <a:graphic>
           <a:graphicData uri="http://schemas.openxmlformats.org/presentationml/2006/ole">
             <mc:AlternateContent xmlns:mc="http://schemas.openxmlformats.org/markup-compatibility/2006">
               <mc:Choice xmlns:v="urn:schemas-microsoft-com:vml" Requires="v">
-                <p:oleObj spid="_x0000_s82189" name="Equation" r:id="rId3" imgW="3479800" imgH="355600" progId="Equation.3">
+                <p:oleObj spid="_x0000_s82258" name="Equation" r:id="rId3" imgW="3721100" imgH="546100" progId="Equation.3">
                   <p:embed/>
                 </p:oleObj>
               </mc:Choice>
               <mc:Fallback>
-                <p:oleObj name="Equation" r:id="rId3" imgW="3479800" imgH="355600" progId="Equation.3">
+                <p:oleObj name="Equation" r:id="rId3" imgW="3721100" imgH="546100" progId="Equation.3">
                   <p:embed/>
                   <p:pic>
                     <p:nvPicPr>
@@ -17774,8 +18292,8 @@
                     </p:blipFill>
                     <p:spPr>
                       <a:xfrm>
-                        <a:off x="2478088" y="538163"/>
-                        <a:ext cx="5983287" cy="611187"/>
+                        <a:off x="1838325" y="376238"/>
+                        <a:ext cx="6397625" cy="936625"/>
                       </a:xfrm>
                       <a:prstGeom prst="rect">
                         <a:avLst/>
@@ -17788,16 +18306,305 @@
           </a:graphicData>
         </a:graphic>
       </p:graphicFrame>
+    </p:spTree>
+    <p:extLst>
+      <p:ext uri="{BB962C8B-B14F-4D97-AF65-F5344CB8AC3E}">
+        <p14:creationId xmlns:p14="http://schemas.microsoft.com/office/powerpoint/2010/main" val="3585959540"/>
+      </p:ext>
+    </p:extLst>
+  </p:cSld>
+  <p:clrMapOvr>
+    <a:masterClrMapping/>
+  </p:clrMapOvr>
+  <p:timing>
+    <p:tnLst>
+      <p:par>
+        <p:cTn xmlns:p14="http://schemas.microsoft.com/office/powerpoint/2010/main" id="1" dur="indefinite" restart="never" nodeType="tmRoot">
+          <p:childTnLst>
+            <p:seq concurrent="1" nextAc="seek">
+              <p:cTn id="2" dur="indefinite" nodeType="mainSeq">
+                <p:childTnLst>
+                  <p:par>
+                    <p:cTn id="3" fill="hold">
+                      <p:stCondLst>
+                        <p:cond delay="indefinite"/>
+                        <p:cond evt="onBegin" delay="0">
+                          <p:tn val="2"/>
+                        </p:cond>
+                      </p:stCondLst>
+                      <p:childTnLst>
+                        <p:par>
+                          <p:cTn id="4" fill="hold">
+                            <p:stCondLst>
+                              <p:cond delay="0"/>
+                            </p:stCondLst>
+                            <p:childTnLst>
+                              <p:par>
+                                <p:cTn id="5" presetID="9" presetClass="entr" presetSubtype="0" fill="hold" nodeType="afterEffect">
+                                  <p:stCondLst>
+                                    <p:cond delay="0"/>
+                                  </p:stCondLst>
+                                  <p:childTnLst>
+                                    <p:set>
+                                      <p:cBhvr>
+                                        <p:cTn id="6" dur="1" fill="hold">
+                                          <p:stCondLst>
+                                            <p:cond delay="0"/>
+                                          </p:stCondLst>
+                                        </p:cTn>
+                                        <p:tgtEl>
+                                          <p:spTgt spid="30"/>
+                                        </p:tgtEl>
+                                        <p:attrNameLst>
+                                          <p:attrName>style.visibility</p:attrName>
+                                        </p:attrNameLst>
+                                      </p:cBhvr>
+                                      <p:to>
+                                        <p:strVal val="visible"/>
+                                      </p:to>
+                                    </p:set>
+                                    <p:animEffect transition="in" filter="dissolve">
+                                      <p:cBhvr>
+                                        <p:cTn id="7" dur="500"/>
+                                        <p:tgtEl>
+                                          <p:spTgt spid="30"/>
+                                        </p:tgtEl>
+                                      </p:cBhvr>
+                                    </p:animEffect>
+                                  </p:childTnLst>
+                                </p:cTn>
+                              </p:par>
+                            </p:childTnLst>
+                          </p:cTn>
+                        </p:par>
+                      </p:childTnLst>
+                    </p:cTn>
+                  </p:par>
+                </p:childTnLst>
+              </p:cTn>
+              <p:prevCondLst>
+                <p:cond evt="onPrev" delay="0">
+                  <p:tgtEl>
+                    <p:sldTgt/>
+                  </p:tgtEl>
+                </p:cond>
+              </p:prevCondLst>
+              <p:nextCondLst>
+                <p:cond evt="onNext" delay="0">
+                  <p:tgtEl>
+                    <p:sldTgt/>
+                  </p:tgtEl>
+                </p:cond>
+              </p:nextCondLst>
+            </p:seq>
+          </p:childTnLst>
+        </p:cTn>
+      </p:par>
+    </p:tnLst>
+  </p:timing>
+</p:sld>
+</file>
+
+<file path=ppt/slides/slide29.xml><?xml version="1.0" encoding="utf-8"?>
+<p:sld xmlns:a="http://schemas.openxmlformats.org/drawingml/2006/main" xmlns:r="http://schemas.openxmlformats.org/officeDocument/2006/relationships" xmlns:p="http://schemas.openxmlformats.org/presentationml/2006/main">
+  <p:cSld>
+    <p:spTree>
+      <p:nvGrpSpPr>
+        <p:cNvPr id="1" name=""/>
+        <p:cNvGrpSpPr/>
+        <p:nvPr/>
+      </p:nvGrpSpPr>
+      <p:grpSpPr>
+        <a:xfrm>
+          <a:off x="0" y="0"/>
+          <a:ext cx="0" cy="0"/>
+          <a:chOff x="0" y="0"/>
+          <a:chExt cx="0" cy="0"/>
+        </a:xfrm>
+      </p:grpSpPr>
       <p:sp>
         <p:nvSpPr>
-          <p:cNvPr id="36" name="TextBox 35"/>
+          <p:cNvPr id="4" name="Slide Number Placeholder 3"/>
+          <p:cNvSpPr>
+            <a:spLocks noGrp="1"/>
+          </p:cNvSpPr>
+          <p:nvPr>
+            <p:ph type="sldNum" sz="quarter" idx="12"/>
+          </p:nvPr>
+        </p:nvSpPr>
+        <p:spPr/>
+        <p:txBody>
+          <a:bodyPr/>
+          <a:lstStyle/>
+          <a:p>
+            <a:fld id="{9916AD60-2240-774B-999B-A729C374DEA8}" type="slidenum">
+              <a:rPr lang="en-US" smtClean="0"/>
+              <a:t>29</a:t>
+            </a:fld>
+            <a:endParaRPr lang="en-US"/>
+          </a:p>
+        </p:txBody>
+      </p:sp>
+      <p:sp>
+        <p:nvSpPr>
+          <p:cNvPr id="5" name="Oval 4"/>
+          <p:cNvSpPr/>
+          <p:nvPr/>
+        </p:nvSpPr>
+        <p:spPr>
+          <a:xfrm>
+            <a:off x="823572" y="2408798"/>
+            <a:ext cx="993405" cy="819670"/>
+          </a:xfrm>
+          <a:prstGeom prst="ellipse">
+            <a:avLst/>
+          </a:prstGeom>
+        </p:spPr>
+        <p:style>
+          <a:lnRef idx="1">
+            <a:schemeClr val="accent1"/>
+          </a:lnRef>
+          <a:fillRef idx="3">
+            <a:schemeClr val="accent1"/>
+          </a:fillRef>
+          <a:effectRef idx="2">
+            <a:schemeClr val="accent1"/>
+          </a:effectRef>
+          <a:fontRef idx="minor">
+            <a:schemeClr val="lt1"/>
+          </a:fontRef>
+        </p:style>
+        <p:txBody>
+          <a:bodyPr rtlCol="0" anchor="ctr"/>
+          <a:lstStyle/>
+          <a:p>
+            <a:pPr algn="ctr"/>
+            <a:r>
+              <a:rPr lang="en-US" dirty="0" smtClean="0"/>
+              <a:t>Ŷ</a:t>
+            </a:r>
+            <a:r>
+              <a:rPr lang="en-US" baseline="30000" dirty="0"/>
+              <a:t>1</a:t>
+            </a:r>
+            <a:r>
+              <a:rPr lang="en-US" dirty="0" smtClean="0"/>
+              <a:t>(V)</a:t>
+            </a:r>
+            <a:endParaRPr lang="en-US" dirty="0"/>
+          </a:p>
+        </p:txBody>
+      </p:sp>
+      <p:sp>
+        <p:nvSpPr>
+          <p:cNvPr id="12" name="Oval 11"/>
+          <p:cNvSpPr/>
+          <p:nvPr/>
+        </p:nvSpPr>
+        <p:spPr>
+          <a:xfrm>
+            <a:off x="823572" y="3637910"/>
+            <a:ext cx="993405" cy="819670"/>
+          </a:xfrm>
+          <a:prstGeom prst="ellipse">
+            <a:avLst/>
+          </a:prstGeom>
+        </p:spPr>
+        <p:style>
+          <a:lnRef idx="1">
+            <a:schemeClr val="accent1"/>
+          </a:lnRef>
+          <a:fillRef idx="3">
+            <a:schemeClr val="accent1"/>
+          </a:fillRef>
+          <a:effectRef idx="2">
+            <a:schemeClr val="accent1"/>
+          </a:effectRef>
+          <a:fontRef idx="minor">
+            <a:schemeClr val="lt1"/>
+          </a:fontRef>
+        </p:style>
+        <p:txBody>
+          <a:bodyPr rtlCol="0" anchor="ctr"/>
+          <a:lstStyle/>
+          <a:p>
+            <a:pPr algn="ctr"/>
+            <a:r>
+              <a:rPr lang="en-US" dirty="0" smtClean="0"/>
+              <a:t>Ŷ</a:t>
+            </a:r>
+            <a:r>
+              <a:rPr lang="en-US" baseline="30000" dirty="0"/>
+              <a:t>1</a:t>
+            </a:r>
+            <a:r>
+              <a:rPr lang="en-US" dirty="0" smtClean="0"/>
+              <a:t>(D)</a:t>
+            </a:r>
+            <a:endParaRPr lang="en-US" dirty="0"/>
+          </a:p>
+        </p:txBody>
+      </p:sp>
+      <p:sp>
+        <p:nvSpPr>
+          <p:cNvPr id="13" name="Oval 12"/>
+          <p:cNvSpPr/>
+          <p:nvPr/>
+        </p:nvSpPr>
+        <p:spPr>
+          <a:xfrm>
+            <a:off x="823572" y="4977454"/>
+            <a:ext cx="993405" cy="819670"/>
+          </a:xfrm>
+          <a:prstGeom prst="ellipse">
+            <a:avLst/>
+          </a:prstGeom>
+        </p:spPr>
+        <p:style>
+          <a:lnRef idx="1">
+            <a:schemeClr val="accent1"/>
+          </a:lnRef>
+          <a:fillRef idx="3">
+            <a:schemeClr val="accent1"/>
+          </a:fillRef>
+          <a:effectRef idx="2">
+            <a:schemeClr val="accent1"/>
+          </a:effectRef>
+          <a:fontRef idx="minor">
+            <a:schemeClr val="lt1"/>
+          </a:fontRef>
+        </p:style>
+        <p:txBody>
+          <a:bodyPr rtlCol="0" anchor="ctr"/>
+          <a:lstStyle/>
+          <a:p>
+            <a:pPr algn="ctr"/>
+            <a:r>
+              <a:rPr lang="en-US" dirty="0" smtClean="0"/>
+              <a:t>Ŷ</a:t>
+            </a:r>
+            <a:r>
+              <a:rPr lang="en-US" baseline="30000" dirty="0"/>
+              <a:t>1</a:t>
+            </a:r>
+            <a:r>
+              <a:rPr lang="en-US" dirty="0" smtClean="0"/>
+              <a:t>(N)</a:t>
+            </a:r>
+            <a:endParaRPr lang="en-US" dirty="0"/>
+          </a:p>
+        </p:txBody>
+      </p:sp>
+      <p:sp>
+        <p:nvSpPr>
+          <p:cNvPr id="16" name="TextBox 15"/>
           <p:cNvSpPr txBox="1"/>
           <p:nvPr/>
         </p:nvSpPr>
         <p:spPr>
           <a:xfrm>
-            <a:off x="1642779" y="545617"/>
-            <a:ext cx="827996" cy="400110"/>
+            <a:off x="347304" y="1390678"/>
+            <a:ext cx="1870599" cy="646331"/>
           </a:xfrm>
           <a:prstGeom prst="rect">
             <a:avLst/>
@@ -17811,10 +18618,570 @@
           <a:lstStyle/>
           <a:p>
             <a:r>
-              <a:rPr lang="en-US" sz="2000" b="1" dirty="0" smtClean="0"/>
-              <a:t>Solve:</a:t>
-            </a:r>
-            <a:endParaRPr lang="en-US" sz="2000" b="1" dirty="0"/>
+              <a:rPr lang="en-US" dirty="0" smtClean="0"/>
+              <a:t>Store each </a:t>
+            </a:r>
+          </a:p>
+          <a:p>
+            <a:r>
+              <a:rPr lang="en-US" dirty="0"/>
+              <a:t>Ŷ</a:t>
+            </a:r>
+            <a:r>
+              <a:rPr lang="en-US" baseline="30000" dirty="0"/>
+              <a:t>1</a:t>
+            </a:r>
+            <a:r>
+              <a:rPr lang="en-US" dirty="0"/>
+              <a:t>(Z</a:t>
+            </a:r>
+            <a:r>
+              <a:rPr lang="en-US" dirty="0" smtClean="0"/>
+              <a:t>) &amp; P(Ŷ</a:t>
+            </a:r>
+            <a:r>
+              <a:rPr lang="en-US" baseline="30000" dirty="0" smtClean="0"/>
+              <a:t>1</a:t>
+            </a:r>
+            <a:r>
+              <a:rPr lang="en-US" dirty="0" smtClean="0"/>
+              <a:t>(Z),x</a:t>
+            </a:r>
+            <a:r>
+              <a:rPr lang="en-US" baseline="30000" dirty="0" smtClean="0"/>
+              <a:t>1</a:t>
+            </a:r>
+            <a:r>
+              <a:rPr lang="en-US" dirty="0" smtClean="0"/>
+              <a:t>)</a:t>
+            </a:r>
+            <a:endParaRPr lang="en-US" dirty="0"/>
+          </a:p>
+        </p:txBody>
+      </p:sp>
+      <p:sp>
+        <p:nvSpPr>
+          <p:cNvPr id="17" name="Oval 16"/>
+          <p:cNvSpPr/>
+          <p:nvPr/>
+        </p:nvSpPr>
+        <p:spPr>
+          <a:xfrm>
+            <a:off x="3163480" y="2408798"/>
+            <a:ext cx="993405" cy="819670"/>
+          </a:xfrm>
+          <a:prstGeom prst="ellipse">
+            <a:avLst/>
+          </a:prstGeom>
+        </p:spPr>
+        <p:style>
+          <a:lnRef idx="1">
+            <a:schemeClr val="accent1"/>
+          </a:lnRef>
+          <a:fillRef idx="3">
+            <a:schemeClr val="accent1"/>
+          </a:fillRef>
+          <a:effectRef idx="2">
+            <a:schemeClr val="accent1"/>
+          </a:effectRef>
+          <a:fontRef idx="minor">
+            <a:schemeClr val="lt1"/>
+          </a:fontRef>
+        </p:style>
+        <p:txBody>
+          <a:bodyPr rtlCol="0" anchor="ctr"/>
+          <a:lstStyle/>
+          <a:p>
+            <a:pPr algn="ctr"/>
+            <a:r>
+              <a:rPr lang="en-US" dirty="0" smtClean="0"/>
+              <a:t>Ŷ</a:t>
+            </a:r>
+            <a:r>
+              <a:rPr lang="en-US" baseline="30000" dirty="0" smtClean="0"/>
+              <a:t>2</a:t>
+            </a:r>
+            <a:r>
+              <a:rPr lang="en-US" dirty="0" smtClean="0"/>
+              <a:t>(V)</a:t>
+            </a:r>
+            <a:endParaRPr lang="en-US" dirty="0"/>
+          </a:p>
+        </p:txBody>
+      </p:sp>
+      <p:sp>
+        <p:nvSpPr>
+          <p:cNvPr id="18" name="Oval 17"/>
+          <p:cNvSpPr/>
+          <p:nvPr/>
+        </p:nvSpPr>
+        <p:spPr>
+          <a:xfrm>
+            <a:off x="3163480" y="3637910"/>
+            <a:ext cx="993405" cy="819670"/>
+          </a:xfrm>
+          <a:prstGeom prst="ellipse">
+            <a:avLst/>
+          </a:prstGeom>
+        </p:spPr>
+        <p:style>
+          <a:lnRef idx="1">
+            <a:schemeClr val="accent1"/>
+          </a:lnRef>
+          <a:fillRef idx="3">
+            <a:schemeClr val="accent1"/>
+          </a:fillRef>
+          <a:effectRef idx="2">
+            <a:schemeClr val="accent1"/>
+          </a:effectRef>
+          <a:fontRef idx="minor">
+            <a:schemeClr val="lt1"/>
+          </a:fontRef>
+        </p:style>
+        <p:txBody>
+          <a:bodyPr rtlCol="0" anchor="ctr"/>
+          <a:lstStyle/>
+          <a:p>
+            <a:pPr algn="ctr"/>
+            <a:r>
+              <a:rPr lang="en-US" dirty="0" smtClean="0"/>
+              <a:t>Ŷ</a:t>
+            </a:r>
+            <a:r>
+              <a:rPr lang="en-US" baseline="30000" dirty="0"/>
+              <a:t>2</a:t>
+            </a:r>
+            <a:r>
+              <a:rPr lang="en-US" dirty="0" smtClean="0"/>
+              <a:t>(D)</a:t>
+            </a:r>
+            <a:endParaRPr lang="en-US" dirty="0"/>
+          </a:p>
+        </p:txBody>
+      </p:sp>
+      <p:sp>
+        <p:nvSpPr>
+          <p:cNvPr id="19" name="Oval 18"/>
+          <p:cNvSpPr/>
+          <p:nvPr/>
+        </p:nvSpPr>
+        <p:spPr>
+          <a:xfrm>
+            <a:off x="3163480" y="4977454"/>
+            <a:ext cx="993405" cy="819670"/>
+          </a:xfrm>
+          <a:prstGeom prst="ellipse">
+            <a:avLst/>
+          </a:prstGeom>
+        </p:spPr>
+        <p:style>
+          <a:lnRef idx="1">
+            <a:schemeClr val="accent1"/>
+          </a:lnRef>
+          <a:fillRef idx="3">
+            <a:schemeClr val="accent1"/>
+          </a:fillRef>
+          <a:effectRef idx="2">
+            <a:schemeClr val="accent1"/>
+          </a:effectRef>
+          <a:fontRef idx="minor">
+            <a:schemeClr val="lt1"/>
+          </a:fontRef>
+        </p:style>
+        <p:txBody>
+          <a:bodyPr rtlCol="0" anchor="ctr"/>
+          <a:lstStyle/>
+          <a:p>
+            <a:pPr algn="ctr"/>
+            <a:r>
+              <a:rPr lang="en-US" dirty="0" smtClean="0"/>
+              <a:t>Ŷ</a:t>
+            </a:r>
+            <a:r>
+              <a:rPr lang="en-US" baseline="30000" dirty="0" smtClean="0"/>
+              <a:t>2</a:t>
+            </a:r>
+            <a:r>
+              <a:rPr lang="en-US" dirty="0" smtClean="0"/>
+              <a:t>(N)</a:t>
+            </a:r>
+            <a:endParaRPr lang="en-US" dirty="0"/>
+          </a:p>
+        </p:txBody>
+      </p:sp>
+      <p:cxnSp>
+        <p:nvCxnSpPr>
+          <p:cNvPr id="25" name="Straight Arrow Connector 24"/>
+          <p:cNvCxnSpPr>
+            <a:stCxn id="13" idx="6"/>
+          </p:cNvCxnSpPr>
+          <p:nvPr/>
+        </p:nvCxnSpPr>
+        <p:spPr>
+          <a:xfrm flipV="1">
+            <a:off x="1816977" y="3138742"/>
+            <a:ext cx="1392655" cy="2248547"/>
+          </a:xfrm>
+          <a:prstGeom prst="straightConnector1">
+            <a:avLst/>
+          </a:prstGeom>
+          <a:grpFill/>
+          <a:ln>
+            <a:solidFill>
+              <a:srgbClr val="FF0000"/>
+            </a:solidFill>
+            <a:tailEnd type="arrow"/>
+          </a:ln>
+          <a:effectLst/>
+        </p:spPr>
+        <p:style>
+          <a:lnRef idx="2">
+            <a:schemeClr val="accent1"/>
+          </a:lnRef>
+          <a:fillRef idx="0">
+            <a:schemeClr val="accent1"/>
+          </a:fillRef>
+          <a:effectRef idx="1">
+            <a:schemeClr val="accent1"/>
+          </a:effectRef>
+          <a:fontRef idx="minor">
+            <a:schemeClr val="tx1"/>
+          </a:fontRef>
+        </p:style>
+      </p:cxnSp>
+      <p:sp>
+        <p:nvSpPr>
+          <p:cNvPr id="20" name="TextBox 19"/>
+          <p:cNvSpPr txBox="1"/>
+          <p:nvPr/>
+        </p:nvSpPr>
+        <p:spPr>
+          <a:xfrm>
+            <a:off x="2859960" y="1390678"/>
+            <a:ext cx="1937587" cy="646331"/>
+          </a:xfrm>
+          <a:prstGeom prst="rect">
+            <a:avLst/>
+          </a:prstGeom>
+          <a:noFill/>
+        </p:spPr>
+        <p:txBody>
+          <a:bodyPr wrap="none" rtlCol="0">
+            <a:spAutoFit/>
+          </a:bodyPr>
+          <a:lstStyle/>
+          <a:p>
+            <a:r>
+              <a:rPr lang="en-US" dirty="0" smtClean="0"/>
+              <a:t>Store each </a:t>
+            </a:r>
+          </a:p>
+          <a:p>
+            <a:r>
+              <a:rPr lang="en-US" dirty="0" smtClean="0"/>
+              <a:t>Ŷ</a:t>
+            </a:r>
+            <a:r>
+              <a:rPr lang="en-US" baseline="30000" dirty="0" smtClean="0"/>
+              <a:t>2</a:t>
+            </a:r>
+            <a:r>
+              <a:rPr lang="en-US" dirty="0" smtClean="0"/>
+              <a:t>(</a:t>
+            </a:r>
+            <a:r>
+              <a:rPr lang="en-US" dirty="0"/>
+              <a:t>Z</a:t>
+            </a:r>
+            <a:r>
+              <a:rPr lang="en-US" dirty="0" smtClean="0"/>
+              <a:t>) &amp; P(Ŷ</a:t>
+            </a:r>
+            <a:r>
+              <a:rPr lang="en-US" baseline="30000" dirty="0"/>
+              <a:t>2</a:t>
+            </a:r>
+            <a:r>
+              <a:rPr lang="en-US" dirty="0" smtClean="0"/>
+              <a:t>(Z),x</a:t>
+            </a:r>
+            <a:r>
+              <a:rPr lang="en-US" baseline="30000" dirty="0" smtClean="0"/>
+              <a:t>1:2</a:t>
+            </a:r>
+            <a:r>
+              <a:rPr lang="en-US" dirty="0" smtClean="0"/>
+              <a:t>)</a:t>
+            </a:r>
+            <a:endParaRPr lang="en-US" dirty="0"/>
+          </a:p>
+        </p:txBody>
+      </p:sp>
+      <p:cxnSp>
+        <p:nvCxnSpPr>
+          <p:cNvPr id="23" name="Straight Arrow Connector 22"/>
+          <p:cNvCxnSpPr>
+            <a:stCxn id="5" idx="6"/>
+          </p:cNvCxnSpPr>
+          <p:nvPr/>
+        </p:nvCxnSpPr>
+        <p:spPr>
+          <a:xfrm>
+            <a:off x="1816977" y="2818633"/>
+            <a:ext cx="1316728" cy="1143115"/>
+          </a:xfrm>
+          <a:prstGeom prst="straightConnector1">
+            <a:avLst/>
+          </a:prstGeom>
+          <a:grpFill/>
+          <a:ln>
+            <a:solidFill>
+              <a:srgbClr val="FF0000"/>
+            </a:solidFill>
+            <a:tailEnd type="arrow"/>
+          </a:ln>
+          <a:effectLst/>
+        </p:spPr>
+        <p:style>
+          <a:lnRef idx="2">
+            <a:schemeClr val="accent1"/>
+          </a:lnRef>
+          <a:fillRef idx="0">
+            <a:schemeClr val="accent1"/>
+          </a:fillRef>
+          <a:effectRef idx="1">
+            <a:schemeClr val="accent1"/>
+          </a:effectRef>
+          <a:fontRef idx="minor">
+            <a:schemeClr val="tx1"/>
+          </a:fontRef>
+        </p:style>
+      </p:cxnSp>
+      <p:cxnSp>
+        <p:nvCxnSpPr>
+          <p:cNvPr id="24" name="Straight Arrow Connector 23"/>
+          <p:cNvCxnSpPr>
+            <a:stCxn id="12" idx="6"/>
+          </p:cNvCxnSpPr>
+          <p:nvPr/>
+        </p:nvCxnSpPr>
+        <p:spPr>
+          <a:xfrm>
+            <a:off x="1816977" y="4047745"/>
+            <a:ext cx="1392655" cy="1183971"/>
+          </a:xfrm>
+          <a:prstGeom prst="straightConnector1">
+            <a:avLst/>
+          </a:prstGeom>
+          <a:grpFill/>
+          <a:ln>
+            <a:solidFill>
+              <a:srgbClr val="FF0000"/>
+            </a:solidFill>
+            <a:tailEnd type="arrow"/>
+          </a:ln>
+          <a:effectLst/>
+        </p:spPr>
+        <p:style>
+          <a:lnRef idx="2">
+            <a:schemeClr val="accent1"/>
+          </a:lnRef>
+          <a:fillRef idx="0">
+            <a:schemeClr val="accent1"/>
+          </a:fillRef>
+          <a:effectRef idx="1">
+            <a:schemeClr val="accent1"/>
+          </a:effectRef>
+          <a:fontRef idx="minor">
+            <a:schemeClr val="tx1"/>
+          </a:fontRef>
+        </p:style>
+      </p:cxnSp>
+      <p:sp>
+        <p:nvSpPr>
+          <p:cNvPr id="26" name="TextBox 25"/>
+          <p:cNvSpPr txBox="1"/>
+          <p:nvPr/>
+        </p:nvSpPr>
+        <p:spPr>
+          <a:xfrm>
+            <a:off x="2837434" y="6095762"/>
+            <a:ext cx="1721821" cy="369332"/>
+          </a:xfrm>
+          <a:prstGeom prst="rect">
+            <a:avLst/>
+          </a:prstGeom>
+          <a:noFill/>
+        </p:spPr>
+        <p:txBody>
+          <a:bodyPr wrap="none" rtlCol="0">
+            <a:spAutoFit/>
+          </a:bodyPr>
+          <a:lstStyle/>
+          <a:p>
+            <a:r>
+              <a:rPr lang="en-US" dirty="0" smtClean="0"/>
+              <a:t>Ex: Ŷ</a:t>
+            </a:r>
+            <a:r>
+              <a:rPr lang="en-US" baseline="30000" dirty="0"/>
+              <a:t>2</a:t>
+            </a:r>
+            <a:r>
+              <a:rPr lang="en-US" dirty="0" smtClean="0"/>
+              <a:t>(V) = (N, V)</a:t>
+            </a:r>
+            <a:endParaRPr lang="en-US" dirty="0"/>
+          </a:p>
+        </p:txBody>
+      </p:sp>
+      <p:sp>
+        <p:nvSpPr>
+          <p:cNvPr id="27" name="Oval 26"/>
+          <p:cNvSpPr/>
+          <p:nvPr/>
+        </p:nvSpPr>
+        <p:spPr>
+          <a:xfrm>
+            <a:off x="5537717" y="2408798"/>
+            <a:ext cx="993405" cy="819670"/>
+          </a:xfrm>
+          <a:prstGeom prst="ellipse">
+            <a:avLst/>
+          </a:prstGeom>
+        </p:spPr>
+        <p:style>
+          <a:lnRef idx="1">
+            <a:schemeClr val="accent1"/>
+          </a:lnRef>
+          <a:fillRef idx="3">
+            <a:schemeClr val="accent1"/>
+          </a:fillRef>
+          <a:effectRef idx="2">
+            <a:schemeClr val="accent1"/>
+          </a:effectRef>
+          <a:fontRef idx="minor">
+            <a:schemeClr val="lt1"/>
+          </a:fontRef>
+        </p:style>
+        <p:txBody>
+          <a:bodyPr rtlCol="0" anchor="ctr"/>
+          <a:lstStyle/>
+          <a:p>
+            <a:pPr algn="ctr"/>
+            <a:r>
+              <a:rPr lang="en-US" dirty="0" smtClean="0"/>
+              <a:t>Ŷ</a:t>
+            </a:r>
+            <a:r>
+              <a:rPr lang="en-US" baseline="30000" dirty="0" smtClean="0"/>
+              <a:t>3</a:t>
+            </a:r>
+            <a:r>
+              <a:rPr lang="en-US" dirty="0" smtClean="0"/>
+              <a:t>(V)</a:t>
+            </a:r>
+            <a:endParaRPr lang="en-US" dirty="0"/>
+          </a:p>
+        </p:txBody>
+      </p:sp>
+      <p:sp>
+        <p:nvSpPr>
+          <p:cNvPr id="28" name="Oval 27"/>
+          <p:cNvSpPr/>
+          <p:nvPr/>
+        </p:nvSpPr>
+        <p:spPr>
+          <a:xfrm>
+            <a:off x="5537717" y="3637910"/>
+            <a:ext cx="993405" cy="819670"/>
+          </a:xfrm>
+          <a:prstGeom prst="ellipse">
+            <a:avLst/>
+          </a:prstGeom>
+        </p:spPr>
+        <p:style>
+          <a:lnRef idx="1">
+            <a:schemeClr val="accent1"/>
+          </a:lnRef>
+          <a:fillRef idx="3">
+            <a:schemeClr val="accent1"/>
+          </a:fillRef>
+          <a:effectRef idx="2">
+            <a:schemeClr val="accent1"/>
+          </a:effectRef>
+          <a:fontRef idx="minor">
+            <a:schemeClr val="lt1"/>
+          </a:fontRef>
+        </p:style>
+        <p:txBody>
+          <a:bodyPr rtlCol="0" anchor="ctr"/>
+          <a:lstStyle/>
+          <a:p>
+            <a:pPr algn="ctr"/>
+            <a:r>
+              <a:rPr lang="en-US" dirty="0" smtClean="0"/>
+              <a:t>Ŷ</a:t>
+            </a:r>
+            <a:r>
+              <a:rPr lang="en-US" baseline="30000" dirty="0"/>
+              <a:t>3</a:t>
+            </a:r>
+            <a:r>
+              <a:rPr lang="en-US" dirty="0" smtClean="0"/>
+              <a:t>(D)</a:t>
+            </a:r>
+            <a:endParaRPr lang="en-US" dirty="0"/>
+          </a:p>
+        </p:txBody>
+      </p:sp>
+      <p:sp>
+        <p:nvSpPr>
+          <p:cNvPr id="29" name="Oval 28"/>
+          <p:cNvSpPr/>
+          <p:nvPr/>
+        </p:nvSpPr>
+        <p:spPr>
+          <a:xfrm>
+            <a:off x="5537717" y="4977454"/>
+            <a:ext cx="993405" cy="819670"/>
+          </a:xfrm>
+          <a:prstGeom prst="ellipse">
+            <a:avLst/>
+          </a:prstGeom>
+        </p:spPr>
+        <p:style>
+          <a:lnRef idx="1">
+            <a:schemeClr val="accent1"/>
+          </a:lnRef>
+          <a:fillRef idx="3">
+            <a:schemeClr val="accent1"/>
+          </a:fillRef>
+          <a:effectRef idx="2">
+            <a:schemeClr val="accent1"/>
+          </a:effectRef>
+          <a:fontRef idx="minor">
+            <a:schemeClr val="lt1"/>
+          </a:fontRef>
+        </p:style>
+        <p:txBody>
+          <a:bodyPr rtlCol="0" anchor="ctr"/>
+          <a:lstStyle/>
+          <a:p>
+            <a:pPr algn="ctr"/>
+            <a:r>
+              <a:rPr lang="en-US" dirty="0" smtClean="0"/>
+              <a:t>Ŷ</a:t>
+            </a:r>
+            <a:r>
+              <a:rPr lang="en-US" baseline="30000" dirty="0"/>
+              <a:t>3</a:t>
+            </a:r>
+            <a:r>
+              <a:rPr lang="en-US" dirty="0" smtClean="0"/>
+              <a:t>(N)</a:t>
+            </a:r>
+            <a:endParaRPr lang="en-US" dirty="0"/>
           </a:p>
         </p:txBody>
       </p:sp>
@@ -18138,1213 +19505,6 @@
           </a:p>
         </p:txBody>
       </p:sp>
-    </p:spTree>
-    <p:extLst>
-      <p:ext uri="{BB962C8B-B14F-4D97-AF65-F5344CB8AC3E}">
-        <p14:creationId xmlns:p14="http://schemas.microsoft.com/office/powerpoint/2010/main" val="3585959540"/>
-      </p:ext>
-    </p:extLst>
-  </p:cSld>
-  <p:clrMapOvr>
-    <a:masterClrMapping/>
-  </p:clrMapOvr>
-  <p:timing>
-    <p:tnLst>
-      <p:par>
-        <p:cTn xmlns:p14="http://schemas.microsoft.com/office/powerpoint/2010/main" id="1" dur="indefinite" restart="never" nodeType="tmRoot"/>
-      </p:par>
-    </p:tnLst>
-  </p:timing>
-</p:sld>
-</file>
-
-<file path=ppt/slides/slide29.xml><?xml version="1.0" encoding="utf-8"?>
-<p:sld xmlns:a="http://schemas.openxmlformats.org/drawingml/2006/main" xmlns:r="http://schemas.openxmlformats.org/officeDocument/2006/relationships" xmlns:p="http://schemas.openxmlformats.org/presentationml/2006/main">
-  <p:cSld>
-    <p:spTree>
-      <p:nvGrpSpPr>
-        <p:cNvPr id="1" name=""/>
-        <p:cNvGrpSpPr/>
-        <p:nvPr/>
-      </p:nvGrpSpPr>
-      <p:grpSpPr>
-        <a:xfrm>
-          <a:off x="0" y="0"/>
-          <a:ext cx="0" cy="0"/>
-          <a:chOff x="0" y="0"/>
-          <a:chExt cx="0" cy="0"/>
-        </a:xfrm>
-      </p:grpSpPr>
-      <p:sp>
-        <p:nvSpPr>
-          <p:cNvPr id="4" name="Slide Number Placeholder 3"/>
-          <p:cNvSpPr>
-            <a:spLocks noGrp="1"/>
-          </p:cNvSpPr>
-          <p:nvPr>
-            <p:ph type="sldNum" sz="quarter" idx="12"/>
-          </p:nvPr>
-        </p:nvSpPr>
-        <p:spPr/>
-        <p:txBody>
-          <a:bodyPr/>
-          <a:lstStyle/>
-          <a:p>
-            <a:fld id="{9916AD60-2240-774B-999B-A729C374DEA8}" type="slidenum">
-              <a:rPr lang="en-US" smtClean="0"/>
-              <a:t>29</a:t>
-            </a:fld>
-            <a:endParaRPr lang="en-US"/>
-          </a:p>
-        </p:txBody>
-      </p:sp>
-      <p:sp>
-        <p:nvSpPr>
-          <p:cNvPr id="5" name="Oval 4"/>
-          <p:cNvSpPr/>
-          <p:nvPr/>
-        </p:nvSpPr>
-        <p:spPr>
-          <a:xfrm>
-            <a:off x="823572" y="2408798"/>
-            <a:ext cx="993405" cy="819670"/>
-          </a:xfrm>
-          <a:prstGeom prst="ellipse">
-            <a:avLst/>
-          </a:prstGeom>
-        </p:spPr>
-        <p:style>
-          <a:lnRef idx="1">
-            <a:schemeClr val="accent1"/>
-          </a:lnRef>
-          <a:fillRef idx="3">
-            <a:schemeClr val="accent1"/>
-          </a:fillRef>
-          <a:effectRef idx="2">
-            <a:schemeClr val="accent1"/>
-          </a:effectRef>
-          <a:fontRef idx="minor">
-            <a:schemeClr val="lt1"/>
-          </a:fontRef>
-        </p:style>
-        <p:txBody>
-          <a:bodyPr rtlCol="0" anchor="ctr"/>
-          <a:lstStyle/>
-          <a:p>
-            <a:pPr algn="ctr"/>
-            <a:r>
-              <a:rPr lang="en-US" dirty="0" smtClean="0"/>
-              <a:t>Ŷ</a:t>
-            </a:r>
-            <a:r>
-              <a:rPr lang="en-US" baseline="30000" dirty="0"/>
-              <a:t>1</a:t>
-            </a:r>
-            <a:r>
-              <a:rPr lang="en-US" dirty="0" smtClean="0"/>
-              <a:t>(V)</a:t>
-            </a:r>
-            <a:endParaRPr lang="en-US" dirty="0"/>
-          </a:p>
-        </p:txBody>
-      </p:sp>
-      <p:sp>
-        <p:nvSpPr>
-          <p:cNvPr id="12" name="Oval 11"/>
-          <p:cNvSpPr/>
-          <p:nvPr/>
-        </p:nvSpPr>
-        <p:spPr>
-          <a:xfrm>
-            <a:off x="823572" y="3637910"/>
-            <a:ext cx="993405" cy="819670"/>
-          </a:xfrm>
-          <a:prstGeom prst="ellipse">
-            <a:avLst/>
-          </a:prstGeom>
-        </p:spPr>
-        <p:style>
-          <a:lnRef idx="1">
-            <a:schemeClr val="accent1"/>
-          </a:lnRef>
-          <a:fillRef idx="3">
-            <a:schemeClr val="accent1"/>
-          </a:fillRef>
-          <a:effectRef idx="2">
-            <a:schemeClr val="accent1"/>
-          </a:effectRef>
-          <a:fontRef idx="minor">
-            <a:schemeClr val="lt1"/>
-          </a:fontRef>
-        </p:style>
-        <p:txBody>
-          <a:bodyPr rtlCol="0" anchor="ctr"/>
-          <a:lstStyle/>
-          <a:p>
-            <a:pPr algn="ctr"/>
-            <a:r>
-              <a:rPr lang="en-US" dirty="0" smtClean="0"/>
-              <a:t>Ŷ</a:t>
-            </a:r>
-            <a:r>
-              <a:rPr lang="en-US" baseline="30000" dirty="0"/>
-              <a:t>1</a:t>
-            </a:r>
-            <a:r>
-              <a:rPr lang="en-US" dirty="0" smtClean="0"/>
-              <a:t>(D)</a:t>
-            </a:r>
-            <a:endParaRPr lang="en-US" dirty="0"/>
-          </a:p>
-        </p:txBody>
-      </p:sp>
-      <p:sp>
-        <p:nvSpPr>
-          <p:cNvPr id="13" name="Oval 12"/>
-          <p:cNvSpPr/>
-          <p:nvPr/>
-        </p:nvSpPr>
-        <p:spPr>
-          <a:xfrm>
-            <a:off x="823572" y="4977454"/>
-            <a:ext cx="993405" cy="819670"/>
-          </a:xfrm>
-          <a:prstGeom prst="ellipse">
-            <a:avLst/>
-          </a:prstGeom>
-        </p:spPr>
-        <p:style>
-          <a:lnRef idx="1">
-            <a:schemeClr val="accent1"/>
-          </a:lnRef>
-          <a:fillRef idx="3">
-            <a:schemeClr val="accent1"/>
-          </a:fillRef>
-          <a:effectRef idx="2">
-            <a:schemeClr val="accent1"/>
-          </a:effectRef>
-          <a:fontRef idx="minor">
-            <a:schemeClr val="lt1"/>
-          </a:fontRef>
-        </p:style>
-        <p:txBody>
-          <a:bodyPr rtlCol="0" anchor="ctr"/>
-          <a:lstStyle/>
-          <a:p>
-            <a:pPr algn="ctr"/>
-            <a:r>
-              <a:rPr lang="en-US" dirty="0" smtClean="0"/>
-              <a:t>Ŷ</a:t>
-            </a:r>
-            <a:r>
-              <a:rPr lang="en-US" baseline="30000" dirty="0"/>
-              <a:t>1</a:t>
-            </a:r>
-            <a:r>
-              <a:rPr lang="en-US" dirty="0" smtClean="0"/>
-              <a:t>(N)</a:t>
-            </a:r>
-            <a:endParaRPr lang="en-US" dirty="0"/>
-          </a:p>
-        </p:txBody>
-      </p:sp>
-      <p:sp>
-        <p:nvSpPr>
-          <p:cNvPr id="16" name="TextBox 15"/>
-          <p:cNvSpPr txBox="1"/>
-          <p:nvPr/>
-        </p:nvSpPr>
-        <p:spPr>
-          <a:xfrm>
-            <a:off x="347304" y="1390678"/>
-            <a:ext cx="1870599" cy="646331"/>
-          </a:xfrm>
-          <a:prstGeom prst="rect">
-            <a:avLst/>
-          </a:prstGeom>
-          <a:noFill/>
-        </p:spPr>
-        <p:txBody>
-          <a:bodyPr wrap="none" rtlCol="0">
-            <a:spAutoFit/>
-          </a:bodyPr>
-          <a:lstStyle/>
-          <a:p>
-            <a:r>
-              <a:rPr lang="en-US" dirty="0" smtClean="0"/>
-              <a:t>Store each </a:t>
-            </a:r>
-          </a:p>
-          <a:p>
-            <a:r>
-              <a:rPr lang="en-US" dirty="0"/>
-              <a:t>Ŷ</a:t>
-            </a:r>
-            <a:r>
-              <a:rPr lang="en-US" baseline="30000" dirty="0"/>
-              <a:t>1</a:t>
-            </a:r>
-            <a:r>
-              <a:rPr lang="en-US" dirty="0"/>
-              <a:t>(Z</a:t>
-            </a:r>
-            <a:r>
-              <a:rPr lang="en-US" dirty="0" smtClean="0"/>
-              <a:t>) &amp; P(Ŷ</a:t>
-            </a:r>
-            <a:r>
-              <a:rPr lang="en-US" baseline="30000" dirty="0" smtClean="0"/>
-              <a:t>1</a:t>
-            </a:r>
-            <a:r>
-              <a:rPr lang="en-US" dirty="0" smtClean="0"/>
-              <a:t>(Z),x</a:t>
-            </a:r>
-            <a:r>
-              <a:rPr lang="en-US" baseline="30000" dirty="0" smtClean="0"/>
-              <a:t>1</a:t>
-            </a:r>
-            <a:r>
-              <a:rPr lang="en-US" dirty="0" smtClean="0"/>
-              <a:t>)</a:t>
-            </a:r>
-            <a:endParaRPr lang="en-US" dirty="0"/>
-          </a:p>
-        </p:txBody>
-      </p:sp>
-      <p:sp>
-        <p:nvSpPr>
-          <p:cNvPr id="17" name="Oval 16"/>
-          <p:cNvSpPr/>
-          <p:nvPr/>
-        </p:nvSpPr>
-        <p:spPr>
-          <a:xfrm>
-            <a:off x="3163480" y="2408798"/>
-            <a:ext cx="993405" cy="819670"/>
-          </a:xfrm>
-          <a:prstGeom prst="ellipse">
-            <a:avLst/>
-          </a:prstGeom>
-        </p:spPr>
-        <p:style>
-          <a:lnRef idx="1">
-            <a:schemeClr val="accent1"/>
-          </a:lnRef>
-          <a:fillRef idx="3">
-            <a:schemeClr val="accent1"/>
-          </a:fillRef>
-          <a:effectRef idx="2">
-            <a:schemeClr val="accent1"/>
-          </a:effectRef>
-          <a:fontRef idx="minor">
-            <a:schemeClr val="lt1"/>
-          </a:fontRef>
-        </p:style>
-        <p:txBody>
-          <a:bodyPr rtlCol="0" anchor="ctr"/>
-          <a:lstStyle/>
-          <a:p>
-            <a:pPr algn="ctr"/>
-            <a:r>
-              <a:rPr lang="en-US" dirty="0" smtClean="0"/>
-              <a:t>Ŷ</a:t>
-            </a:r>
-            <a:r>
-              <a:rPr lang="en-US" baseline="30000" dirty="0" smtClean="0"/>
-              <a:t>2</a:t>
-            </a:r>
-            <a:r>
-              <a:rPr lang="en-US" dirty="0" smtClean="0"/>
-              <a:t>(V)</a:t>
-            </a:r>
-            <a:endParaRPr lang="en-US" dirty="0"/>
-          </a:p>
-        </p:txBody>
-      </p:sp>
-      <p:sp>
-        <p:nvSpPr>
-          <p:cNvPr id="18" name="Oval 17"/>
-          <p:cNvSpPr/>
-          <p:nvPr/>
-        </p:nvSpPr>
-        <p:spPr>
-          <a:xfrm>
-            <a:off x="3163480" y="3637910"/>
-            <a:ext cx="993405" cy="819670"/>
-          </a:xfrm>
-          <a:prstGeom prst="ellipse">
-            <a:avLst/>
-          </a:prstGeom>
-        </p:spPr>
-        <p:style>
-          <a:lnRef idx="1">
-            <a:schemeClr val="accent1"/>
-          </a:lnRef>
-          <a:fillRef idx="3">
-            <a:schemeClr val="accent1"/>
-          </a:fillRef>
-          <a:effectRef idx="2">
-            <a:schemeClr val="accent1"/>
-          </a:effectRef>
-          <a:fontRef idx="minor">
-            <a:schemeClr val="lt1"/>
-          </a:fontRef>
-        </p:style>
-        <p:txBody>
-          <a:bodyPr rtlCol="0" anchor="ctr"/>
-          <a:lstStyle/>
-          <a:p>
-            <a:pPr algn="ctr"/>
-            <a:r>
-              <a:rPr lang="en-US" dirty="0" smtClean="0"/>
-              <a:t>Ŷ</a:t>
-            </a:r>
-            <a:r>
-              <a:rPr lang="en-US" baseline="30000" dirty="0"/>
-              <a:t>2</a:t>
-            </a:r>
-            <a:r>
-              <a:rPr lang="en-US" dirty="0" smtClean="0"/>
-              <a:t>(D)</a:t>
-            </a:r>
-            <a:endParaRPr lang="en-US" dirty="0"/>
-          </a:p>
-        </p:txBody>
-      </p:sp>
-      <p:sp>
-        <p:nvSpPr>
-          <p:cNvPr id="19" name="Oval 18"/>
-          <p:cNvSpPr/>
-          <p:nvPr/>
-        </p:nvSpPr>
-        <p:spPr>
-          <a:xfrm>
-            <a:off x="3163480" y="4977454"/>
-            <a:ext cx="993405" cy="819670"/>
-          </a:xfrm>
-          <a:prstGeom prst="ellipse">
-            <a:avLst/>
-          </a:prstGeom>
-        </p:spPr>
-        <p:style>
-          <a:lnRef idx="1">
-            <a:schemeClr val="accent1"/>
-          </a:lnRef>
-          <a:fillRef idx="3">
-            <a:schemeClr val="accent1"/>
-          </a:fillRef>
-          <a:effectRef idx="2">
-            <a:schemeClr val="accent1"/>
-          </a:effectRef>
-          <a:fontRef idx="minor">
-            <a:schemeClr val="lt1"/>
-          </a:fontRef>
-        </p:style>
-        <p:txBody>
-          <a:bodyPr rtlCol="0" anchor="ctr"/>
-          <a:lstStyle/>
-          <a:p>
-            <a:pPr algn="ctr"/>
-            <a:r>
-              <a:rPr lang="en-US" dirty="0" smtClean="0"/>
-              <a:t>Ŷ</a:t>
-            </a:r>
-            <a:r>
-              <a:rPr lang="en-US" baseline="30000" dirty="0" smtClean="0"/>
-              <a:t>2</a:t>
-            </a:r>
-            <a:r>
-              <a:rPr lang="en-US" dirty="0" smtClean="0"/>
-              <a:t>(N)</a:t>
-            </a:r>
-            <a:endParaRPr lang="en-US" dirty="0"/>
-          </a:p>
-        </p:txBody>
-      </p:sp>
-      <p:cxnSp>
-        <p:nvCxnSpPr>
-          <p:cNvPr id="25" name="Straight Arrow Connector 24"/>
-          <p:cNvCxnSpPr>
-            <a:stCxn id="13" idx="6"/>
-          </p:cNvCxnSpPr>
-          <p:nvPr/>
-        </p:nvCxnSpPr>
-        <p:spPr>
-          <a:xfrm flipV="1">
-            <a:off x="1816977" y="3138742"/>
-            <a:ext cx="1392655" cy="2248547"/>
-          </a:xfrm>
-          <a:prstGeom prst="straightConnector1">
-            <a:avLst/>
-          </a:prstGeom>
-          <a:grpFill/>
-          <a:ln>
-            <a:solidFill>
-              <a:srgbClr val="FF0000"/>
-            </a:solidFill>
-            <a:tailEnd type="arrow"/>
-          </a:ln>
-          <a:effectLst/>
-        </p:spPr>
-        <p:style>
-          <a:lnRef idx="2">
-            <a:schemeClr val="accent1"/>
-          </a:lnRef>
-          <a:fillRef idx="0">
-            <a:schemeClr val="accent1"/>
-          </a:fillRef>
-          <a:effectRef idx="1">
-            <a:schemeClr val="accent1"/>
-          </a:effectRef>
-          <a:fontRef idx="minor">
-            <a:schemeClr val="tx1"/>
-          </a:fontRef>
-        </p:style>
-      </p:cxnSp>
-      <p:sp>
-        <p:nvSpPr>
-          <p:cNvPr id="20" name="TextBox 19"/>
-          <p:cNvSpPr txBox="1"/>
-          <p:nvPr/>
-        </p:nvSpPr>
-        <p:spPr>
-          <a:xfrm>
-            <a:off x="2859960" y="1390678"/>
-            <a:ext cx="1937587" cy="646331"/>
-          </a:xfrm>
-          <a:prstGeom prst="rect">
-            <a:avLst/>
-          </a:prstGeom>
-          <a:noFill/>
-        </p:spPr>
-        <p:txBody>
-          <a:bodyPr wrap="none" rtlCol="0">
-            <a:spAutoFit/>
-          </a:bodyPr>
-          <a:lstStyle/>
-          <a:p>
-            <a:r>
-              <a:rPr lang="en-US" dirty="0" smtClean="0"/>
-              <a:t>Store each </a:t>
-            </a:r>
-          </a:p>
-          <a:p>
-            <a:r>
-              <a:rPr lang="en-US" dirty="0" smtClean="0"/>
-              <a:t>Ŷ</a:t>
-            </a:r>
-            <a:r>
-              <a:rPr lang="en-US" baseline="30000" dirty="0" smtClean="0"/>
-              <a:t>2</a:t>
-            </a:r>
-            <a:r>
-              <a:rPr lang="en-US" dirty="0" smtClean="0"/>
-              <a:t>(</a:t>
-            </a:r>
-            <a:r>
-              <a:rPr lang="en-US" dirty="0"/>
-              <a:t>Z</a:t>
-            </a:r>
-            <a:r>
-              <a:rPr lang="en-US" dirty="0" smtClean="0"/>
-              <a:t>) &amp; P(Ŷ</a:t>
-            </a:r>
-            <a:r>
-              <a:rPr lang="en-US" baseline="30000" dirty="0"/>
-              <a:t>2</a:t>
-            </a:r>
-            <a:r>
-              <a:rPr lang="en-US" dirty="0" smtClean="0"/>
-              <a:t>(Z),x</a:t>
-            </a:r>
-            <a:r>
-              <a:rPr lang="en-US" baseline="30000" dirty="0" smtClean="0"/>
-              <a:t>1:2</a:t>
-            </a:r>
-            <a:r>
-              <a:rPr lang="en-US" dirty="0" smtClean="0"/>
-              <a:t>)</a:t>
-            </a:r>
-            <a:endParaRPr lang="en-US" dirty="0"/>
-          </a:p>
-        </p:txBody>
-      </p:sp>
-      <p:cxnSp>
-        <p:nvCxnSpPr>
-          <p:cNvPr id="23" name="Straight Arrow Connector 22"/>
-          <p:cNvCxnSpPr>
-            <a:stCxn id="5" idx="6"/>
-          </p:cNvCxnSpPr>
-          <p:nvPr/>
-        </p:nvCxnSpPr>
-        <p:spPr>
-          <a:xfrm>
-            <a:off x="1816977" y="2818633"/>
-            <a:ext cx="1316728" cy="1143115"/>
-          </a:xfrm>
-          <a:prstGeom prst="straightConnector1">
-            <a:avLst/>
-          </a:prstGeom>
-          <a:grpFill/>
-          <a:ln>
-            <a:solidFill>
-              <a:srgbClr val="FF0000"/>
-            </a:solidFill>
-            <a:tailEnd type="arrow"/>
-          </a:ln>
-          <a:effectLst/>
-        </p:spPr>
-        <p:style>
-          <a:lnRef idx="2">
-            <a:schemeClr val="accent1"/>
-          </a:lnRef>
-          <a:fillRef idx="0">
-            <a:schemeClr val="accent1"/>
-          </a:fillRef>
-          <a:effectRef idx="1">
-            <a:schemeClr val="accent1"/>
-          </a:effectRef>
-          <a:fontRef idx="minor">
-            <a:schemeClr val="tx1"/>
-          </a:fontRef>
-        </p:style>
-      </p:cxnSp>
-      <p:cxnSp>
-        <p:nvCxnSpPr>
-          <p:cNvPr id="24" name="Straight Arrow Connector 23"/>
-          <p:cNvCxnSpPr>
-            <a:stCxn id="12" idx="6"/>
-          </p:cNvCxnSpPr>
-          <p:nvPr/>
-        </p:nvCxnSpPr>
-        <p:spPr>
-          <a:xfrm>
-            <a:off x="1816977" y="4047745"/>
-            <a:ext cx="1392655" cy="1183971"/>
-          </a:xfrm>
-          <a:prstGeom prst="straightConnector1">
-            <a:avLst/>
-          </a:prstGeom>
-          <a:grpFill/>
-          <a:ln>
-            <a:solidFill>
-              <a:srgbClr val="FF0000"/>
-            </a:solidFill>
-            <a:tailEnd type="arrow"/>
-          </a:ln>
-          <a:effectLst/>
-        </p:spPr>
-        <p:style>
-          <a:lnRef idx="2">
-            <a:schemeClr val="accent1"/>
-          </a:lnRef>
-          <a:fillRef idx="0">
-            <a:schemeClr val="accent1"/>
-          </a:fillRef>
-          <a:effectRef idx="1">
-            <a:schemeClr val="accent1"/>
-          </a:effectRef>
-          <a:fontRef idx="minor">
-            <a:schemeClr val="tx1"/>
-          </a:fontRef>
-        </p:style>
-      </p:cxnSp>
-      <p:sp>
-        <p:nvSpPr>
-          <p:cNvPr id="26" name="TextBox 25"/>
-          <p:cNvSpPr txBox="1"/>
-          <p:nvPr/>
-        </p:nvSpPr>
-        <p:spPr>
-          <a:xfrm>
-            <a:off x="2837434" y="6095762"/>
-            <a:ext cx="1721821" cy="369332"/>
-          </a:xfrm>
-          <a:prstGeom prst="rect">
-            <a:avLst/>
-          </a:prstGeom>
-          <a:noFill/>
-        </p:spPr>
-        <p:txBody>
-          <a:bodyPr wrap="none" rtlCol="0">
-            <a:spAutoFit/>
-          </a:bodyPr>
-          <a:lstStyle/>
-          <a:p>
-            <a:r>
-              <a:rPr lang="en-US" dirty="0" smtClean="0"/>
-              <a:t>Ex: Ŷ</a:t>
-            </a:r>
-            <a:r>
-              <a:rPr lang="en-US" baseline="30000" dirty="0"/>
-              <a:t>2</a:t>
-            </a:r>
-            <a:r>
-              <a:rPr lang="en-US" dirty="0" smtClean="0"/>
-              <a:t>(V) = (N, V)</a:t>
-            </a:r>
-            <a:endParaRPr lang="en-US" dirty="0"/>
-          </a:p>
-        </p:txBody>
-      </p:sp>
-      <p:sp>
-        <p:nvSpPr>
-          <p:cNvPr id="27" name="Oval 26"/>
-          <p:cNvSpPr/>
-          <p:nvPr/>
-        </p:nvSpPr>
-        <p:spPr>
-          <a:xfrm>
-            <a:off x="5537717" y="2408798"/>
-            <a:ext cx="993405" cy="819670"/>
-          </a:xfrm>
-          <a:prstGeom prst="ellipse">
-            <a:avLst/>
-          </a:prstGeom>
-        </p:spPr>
-        <p:style>
-          <a:lnRef idx="1">
-            <a:schemeClr val="accent1"/>
-          </a:lnRef>
-          <a:fillRef idx="3">
-            <a:schemeClr val="accent1"/>
-          </a:fillRef>
-          <a:effectRef idx="2">
-            <a:schemeClr val="accent1"/>
-          </a:effectRef>
-          <a:fontRef idx="minor">
-            <a:schemeClr val="lt1"/>
-          </a:fontRef>
-        </p:style>
-        <p:txBody>
-          <a:bodyPr rtlCol="0" anchor="ctr"/>
-          <a:lstStyle/>
-          <a:p>
-            <a:pPr algn="ctr"/>
-            <a:r>
-              <a:rPr lang="en-US" dirty="0" smtClean="0"/>
-              <a:t>Ŷ</a:t>
-            </a:r>
-            <a:r>
-              <a:rPr lang="en-US" baseline="30000" dirty="0" smtClean="0"/>
-              <a:t>3</a:t>
-            </a:r>
-            <a:r>
-              <a:rPr lang="en-US" dirty="0" smtClean="0"/>
-              <a:t>(V)</a:t>
-            </a:r>
-            <a:endParaRPr lang="en-US" dirty="0"/>
-          </a:p>
-        </p:txBody>
-      </p:sp>
-      <p:sp>
-        <p:nvSpPr>
-          <p:cNvPr id="28" name="Oval 27"/>
-          <p:cNvSpPr/>
-          <p:nvPr/>
-        </p:nvSpPr>
-        <p:spPr>
-          <a:xfrm>
-            <a:off x="5537717" y="3637910"/>
-            <a:ext cx="993405" cy="819670"/>
-          </a:xfrm>
-          <a:prstGeom prst="ellipse">
-            <a:avLst/>
-          </a:prstGeom>
-        </p:spPr>
-        <p:style>
-          <a:lnRef idx="1">
-            <a:schemeClr val="accent1"/>
-          </a:lnRef>
-          <a:fillRef idx="3">
-            <a:schemeClr val="accent1"/>
-          </a:fillRef>
-          <a:effectRef idx="2">
-            <a:schemeClr val="accent1"/>
-          </a:effectRef>
-          <a:fontRef idx="minor">
-            <a:schemeClr val="lt1"/>
-          </a:fontRef>
-        </p:style>
-        <p:txBody>
-          <a:bodyPr rtlCol="0" anchor="ctr"/>
-          <a:lstStyle/>
-          <a:p>
-            <a:pPr algn="ctr"/>
-            <a:r>
-              <a:rPr lang="en-US" dirty="0" smtClean="0"/>
-              <a:t>Ŷ</a:t>
-            </a:r>
-            <a:r>
-              <a:rPr lang="en-US" baseline="30000" dirty="0"/>
-              <a:t>3</a:t>
-            </a:r>
-            <a:r>
-              <a:rPr lang="en-US" dirty="0" smtClean="0"/>
-              <a:t>(D)</a:t>
-            </a:r>
-            <a:endParaRPr lang="en-US" dirty="0"/>
-          </a:p>
-        </p:txBody>
-      </p:sp>
-      <p:sp>
-        <p:nvSpPr>
-          <p:cNvPr id="29" name="Oval 28"/>
-          <p:cNvSpPr/>
-          <p:nvPr/>
-        </p:nvSpPr>
-        <p:spPr>
-          <a:xfrm>
-            <a:off x="5537717" y="4977454"/>
-            <a:ext cx="993405" cy="819670"/>
-          </a:xfrm>
-          <a:prstGeom prst="ellipse">
-            <a:avLst/>
-          </a:prstGeom>
-        </p:spPr>
-        <p:style>
-          <a:lnRef idx="1">
-            <a:schemeClr val="accent1"/>
-          </a:lnRef>
-          <a:fillRef idx="3">
-            <a:schemeClr val="accent1"/>
-          </a:fillRef>
-          <a:effectRef idx="2">
-            <a:schemeClr val="accent1"/>
-          </a:effectRef>
-          <a:fontRef idx="minor">
-            <a:schemeClr val="lt1"/>
-          </a:fontRef>
-        </p:style>
-        <p:txBody>
-          <a:bodyPr rtlCol="0" anchor="ctr"/>
-          <a:lstStyle/>
-          <a:p>
-            <a:pPr algn="ctr"/>
-            <a:r>
-              <a:rPr lang="en-US" dirty="0" smtClean="0"/>
-              <a:t>Ŷ</a:t>
-            </a:r>
-            <a:r>
-              <a:rPr lang="en-US" baseline="30000" dirty="0"/>
-              <a:t>3</a:t>
-            </a:r>
-            <a:r>
-              <a:rPr lang="en-US" dirty="0" smtClean="0"/>
-              <a:t>(N)</a:t>
-            </a:r>
-            <a:endParaRPr lang="en-US" dirty="0"/>
-          </a:p>
-        </p:txBody>
-      </p:sp>
-      <p:graphicFrame>
-        <p:nvGraphicFramePr>
-          <p:cNvPr id="30" name="Object 29"/>
-          <p:cNvGraphicFramePr>
-            <a:graphicFrameLocks noChangeAspect="1"/>
-          </p:cNvGraphicFramePr>
-          <p:nvPr>
-            <p:extLst>
-              <p:ext uri="{D42A27DB-BD31-4B8C-83A1-F6EECF244321}">
-                <p14:modId xmlns:p14="http://schemas.microsoft.com/office/powerpoint/2010/main" val="2137997214"/>
-              </p:ext>
-            </p:extLst>
-          </p:nvPr>
-        </p:nvGraphicFramePr>
-        <p:xfrm>
-          <a:off x="2478088" y="538163"/>
-          <a:ext cx="5983287" cy="611187"/>
-        </p:xfrm>
-        <a:graphic>
-          <a:graphicData uri="http://schemas.openxmlformats.org/presentationml/2006/ole">
-            <mc:AlternateContent xmlns:mc="http://schemas.openxmlformats.org/markup-compatibility/2006">
-              <mc:Choice xmlns:v="urn:schemas-microsoft-com:vml" Requires="v">
-                <p:oleObj spid="_x0000_s109598" name="Equation" r:id="rId3" imgW="3479800" imgH="355600" progId="Equation.3">
-                  <p:embed/>
-                </p:oleObj>
-              </mc:Choice>
-              <mc:Fallback>
-                <p:oleObj name="Equation" r:id="rId3" imgW="3479800" imgH="355600" progId="Equation.3">
-                  <p:embed/>
-                  <p:pic>
-                    <p:nvPicPr>
-                      <p:cNvPr id="0" name=""/>
-                      <p:cNvPicPr/>
-                      <p:nvPr/>
-                    </p:nvPicPr>
-                    <p:blipFill>
-                      <a:blip r:embed="rId4"/>
-                      <a:stretch>
-                        <a:fillRect/>
-                      </a:stretch>
-                    </p:blipFill>
-                    <p:spPr>
-                      <a:xfrm>
-                        <a:off x="2478088" y="538163"/>
-                        <a:ext cx="5983287" cy="611187"/>
-                      </a:xfrm>
-                      <a:prstGeom prst="rect">
-                        <a:avLst/>
-                      </a:prstGeom>
-                    </p:spPr>
-                  </p:pic>
-                </p:oleObj>
-              </mc:Fallback>
-            </mc:AlternateContent>
-          </a:graphicData>
-        </a:graphic>
-      </p:graphicFrame>
-      <p:sp>
-        <p:nvSpPr>
-          <p:cNvPr id="36" name="TextBox 35"/>
-          <p:cNvSpPr txBox="1"/>
-          <p:nvPr/>
-        </p:nvSpPr>
-        <p:spPr>
-          <a:xfrm>
-            <a:off x="1642779" y="545617"/>
-            <a:ext cx="827996" cy="400110"/>
-          </a:xfrm>
-          <a:prstGeom prst="rect">
-            <a:avLst/>
-          </a:prstGeom>
-          <a:noFill/>
-        </p:spPr>
-        <p:txBody>
-          <a:bodyPr wrap="none" rtlCol="0">
-            <a:spAutoFit/>
-          </a:bodyPr>
-          <a:lstStyle/>
-          <a:p>
-            <a:r>
-              <a:rPr lang="en-US" sz="2000" b="1" dirty="0" smtClean="0"/>
-              <a:t>Solve:</a:t>
-            </a:r>
-            <a:endParaRPr lang="en-US" sz="2000" b="1" dirty="0"/>
-          </a:p>
-        </p:txBody>
-      </p:sp>
-      <p:cxnSp>
-        <p:nvCxnSpPr>
-          <p:cNvPr id="37" name="Straight Arrow Connector 36"/>
-          <p:cNvCxnSpPr/>
-          <p:nvPr/>
-        </p:nvCxnSpPr>
-        <p:spPr>
-          <a:xfrm>
-            <a:off x="4156885" y="2818633"/>
-            <a:ext cx="1309826" cy="0"/>
-          </a:xfrm>
-          <a:prstGeom prst="straightConnector1">
-            <a:avLst/>
-          </a:prstGeom>
-          <a:grpFill/>
-          <a:ln>
-            <a:solidFill>
-              <a:srgbClr val="FF0000"/>
-            </a:solidFill>
-            <a:tailEnd type="arrow"/>
-          </a:ln>
-          <a:effectLst/>
-        </p:spPr>
-        <p:style>
-          <a:lnRef idx="2">
-            <a:schemeClr val="accent1"/>
-          </a:lnRef>
-          <a:fillRef idx="0">
-            <a:schemeClr val="accent1"/>
-          </a:fillRef>
-          <a:effectRef idx="1">
-            <a:schemeClr val="accent1"/>
-          </a:effectRef>
-          <a:fontRef idx="minor">
-            <a:schemeClr val="tx1"/>
-          </a:fontRef>
-        </p:style>
-      </p:cxnSp>
-      <p:cxnSp>
-        <p:nvCxnSpPr>
-          <p:cNvPr id="38" name="Straight Arrow Connector 37"/>
-          <p:cNvCxnSpPr/>
-          <p:nvPr/>
-        </p:nvCxnSpPr>
-        <p:spPr>
-          <a:xfrm flipV="1">
-            <a:off x="4156885" y="2973094"/>
-            <a:ext cx="1309826" cy="1074651"/>
-          </a:xfrm>
-          <a:prstGeom prst="straightConnector1">
-            <a:avLst/>
-          </a:prstGeom>
-          <a:grpFill/>
-          <a:ln>
-            <a:solidFill>
-              <a:srgbClr val="FF0000"/>
-            </a:solidFill>
-            <a:tailEnd type="arrow"/>
-          </a:ln>
-          <a:effectLst/>
-        </p:spPr>
-        <p:style>
-          <a:lnRef idx="2">
-            <a:schemeClr val="accent1"/>
-          </a:lnRef>
-          <a:fillRef idx="0">
-            <a:schemeClr val="accent1"/>
-          </a:fillRef>
-          <a:effectRef idx="1">
-            <a:schemeClr val="accent1"/>
-          </a:effectRef>
-          <a:fontRef idx="minor">
-            <a:schemeClr val="tx1"/>
-          </a:fontRef>
-        </p:style>
-      </p:cxnSp>
-      <p:cxnSp>
-        <p:nvCxnSpPr>
-          <p:cNvPr id="39" name="Straight Arrow Connector 38"/>
-          <p:cNvCxnSpPr/>
-          <p:nvPr/>
-        </p:nvCxnSpPr>
-        <p:spPr>
-          <a:xfrm flipV="1">
-            <a:off x="4156885" y="3138742"/>
-            <a:ext cx="1392655" cy="2248547"/>
-          </a:xfrm>
-          <a:prstGeom prst="straightConnector1">
-            <a:avLst/>
-          </a:prstGeom>
-          <a:grpFill/>
-          <a:ln>
-            <a:solidFill>
-              <a:srgbClr val="FF0000"/>
-            </a:solidFill>
-            <a:tailEnd type="arrow"/>
-          </a:ln>
-          <a:effectLst/>
-        </p:spPr>
-        <p:style>
-          <a:lnRef idx="2">
-            <a:schemeClr val="accent1"/>
-          </a:lnRef>
-          <a:fillRef idx="0">
-            <a:schemeClr val="accent1"/>
-          </a:fillRef>
-          <a:effectRef idx="1">
-            <a:schemeClr val="accent1"/>
-          </a:effectRef>
-          <a:fontRef idx="minor">
-            <a:schemeClr val="tx1"/>
-          </a:fontRef>
-        </p:style>
-      </p:cxnSp>
-      <p:sp>
-        <p:nvSpPr>
-          <p:cNvPr id="8" name="TextBox 7"/>
-          <p:cNvSpPr txBox="1"/>
-          <p:nvPr/>
-        </p:nvSpPr>
-        <p:spPr>
-          <a:xfrm>
-            <a:off x="5005681" y="1272705"/>
-            <a:ext cx="3455694" cy="830997"/>
-          </a:xfrm>
-          <a:prstGeom prst="rect">
-            <a:avLst/>
-          </a:prstGeom>
-          <a:solidFill>
-            <a:schemeClr val="accent4">
-              <a:lumMod val="20000"/>
-              <a:lumOff val="80000"/>
-            </a:schemeClr>
-          </a:solidFill>
-          <a:ln w="25400">
-            <a:solidFill>
-              <a:schemeClr val="accent4">
-                <a:lumMod val="50000"/>
-              </a:schemeClr>
-            </a:solidFill>
-          </a:ln>
-        </p:spPr>
-        <p:txBody>
-          <a:bodyPr wrap="none" rtlCol="0">
-            <a:spAutoFit/>
-          </a:bodyPr>
-          <a:lstStyle/>
-          <a:p>
-            <a:r>
-              <a:rPr lang="en-US" sz="2400" b="1" dirty="0" smtClean="0">
-                <a:solidFill>
-                  <a:srgbClr val="000000"/>
-                </a:solidFill>
-              </a:rPr>
-              <a:t>Claim: </a:t>
-            </a:r>
-            <a:r>
-              <a:rPr lang="en-US" sz="2400" dirty="0" smtClean="0">
-                <a:solidFill>
-                  <a:srgbClr val="000000"/>
-                </a:solidFill>
-              </a:rPr>
-              <a:t>Only need to check</a:t>
-            </a:r>
-          </a:p>
-          <a:p>
-            <a:r>
-              <a:rPr lang="en-US" sz="2400" dirty="0">
-                <a:solidFill>
-                  <a:srgbClr val="000000"/>
-                </a:solidFill>
-              </a:rPr>
-              <a:t>s</a:t>
-            </a:r>
-            <a:r>
-              <a:rPr lang="en-US" sz="2400" dirty="0" smtClean="0">
-                <a:solidFill>
-                  <a:srgbClr val="000000"/>
-                </a:solidFill>
-              </a:rPr>
-              <a:t>olutions of Ŷ</a:t>
-            </a:r>
-            <a:r>
-              <a:rPr lang="en-US" sz="2400" baseline="30000" dirty="0" smtClean="0">
-                <a:solidFill>
-                  <a:srgbClr val="000000"/>
-                </a:solidFill>
-              </a:rPr>
-              <a:t>2</a:t>
-            </a:r>
-            <a:r>
-              <a:rPr lang="en-US" sz="2400" dirty="0" smtClean="0">
-                <a:solidFill>
-                  <a:srgbClr val="000000"/>
-                </a:solidFill>
-              </a:rPr>
-              <a:t>(Z), Z=V,D,N</a:t>
-            </a:r>
-            <a:endParaRPr lang="en-US" sz="2400" dirty="0">
-              <a:solidFill>
-                <a:srgbClr val="000000"/>
-              </a:solidFill>
-            </a:endParaRPr>
-          </a:p>
-        </p:txBody>
-      </p:sp>
-      <p:sp>
-        <p:nvSpPr>
-          <p:cNvPr id="31" name="TextBox 30"/>
-          <p:cNvSpPr txBox="1"/>
-          <p:nvPr/>
-        </p:nvSpPr>
-        <p:spPr>
-          <a:xfrm>
-            <a:off x="4295502" y="2463958"/>
-            <a:ext cx="902377" cy="369332"/>
-          </a:xfrm>
-          <a:prstGeom prst="rect">
-            <a:avLst/>
-          </a:prstGeom>
-          <a:noFill/>
-        </p:spPr>
-        <p:txBody>
-          <a:bodyPr wrap="square" rtlCol="0">
-            <a:spAutoFit/>
-          </a:bodyPr>
-          <a:lstStyle/>
-          <a:p>
-            <a:r>
-              <a:rPr lang="en-US" dirty="0" smtClean="0"/>
-              <a:t>y</a:t>
-            </a:r>
-            <a:r>
-              <a:rPr lang="en-US" baseline="30000" dirty="0"/>
-              <a:t>2</a:t>
-            </a:r>
-            <a:r>
-              <a:rPr lang="en-US" dirty="0" smtClean="0"/>
-              <a:t>=V</a:t>
-            </a:r>
-            <a:endParaRPr lang="en-US" dirty="0"/>
-          </a:p>
-        </p:txBody>
-      </p:sp>
-      <p:sp>
-        <p:nvSpPr>
-          <p:cNvPr id="32" name="TextBox 31"/>
-          <p:cNvSpPr txBox="1"/>
-          <p:nvPr/>
-        </p:nvSpPr>
-        <p:spPr>
-          <a:xfrm>
-            <a:off x="4247191" y="3209719"/>
-            <a:ext cx="624127" cy="369332"/>
-          </a:xfrm>
-          <a:prstGeom prst="rect">
-            <a:avLst/>
-          </a:prstGeom>
-          <a:noFill/>
-        </p:spPr>
-        <p:txBody>
-          <a:bodyPr wrap="none" rtlCol="0">
-            <a:spAutoFit/>
-          </a:bodyPr>
-          <a:lstStyle/>
-          <a:p>
-            <a:r>
-              <a:rPr lang="en-US" dirty="0" smtClean="0"/>
-              <a:t>y</a:t>
-            </a:r>
-            <a:r>
-              <a:rPr lang="en-US" baseline="30000" dirty="0"/>
-              <a:t>2</a:t>
-            </a:r>
-            <a:r>
-              <a:rPr lang="en-US" dirty="0" smtClean="0"/>
-              <a:t>=D</a:t>
-            </a:r>
-            <a:endParaRPr lang="en-US" dirty="0"/>
-          </a:p>
-        </p:txBody>
-      </p:sp>
-      <p:sp>
-        <p:nvSpPr>
-          <p:cNvPr id="33" name="TextBox 32"/>
-          <p:cNvSpPr txBox="1"/>
-          <p:nvPr/>
-        </p:nvSpPr>
-        <p:spPr>
-          <a:xfrm>
-            <a:off x="4624444" y="4620157"/>
-            <a:ext cx="631115" cy="369332"/>
-          </a:xfrm>
-          <a:prstGeom prst="rect">
-            <a:avLst/>
-          </a:prstGeom>
-          <a:noFill/>
-        </p:spPr>
-        <p:txBody>
-          <a:bodyPr wrap="none" rtlCol="0">
-            <a:spAutoFit/>
-          </a:bodyPr>
-          <a:lstStyle/>
-          <a:p>
-            <a:r>
-              <a:rPr lang="en-US" dirty="0" smtClean="0"/>
-              <a:t>y</a:t>
-            </a:r>
-            <a:r>
-              <a:rPr lang="en-US" baseline="30000" dirty="0"/>
-              <a:t>2</a:t>
-            </a:r>
-            <a:r>
-              <a:rPr lang="en-US" dirty="0" smtClean="0"/>
-              <a:t>=N</a:t>
-            </a:r>
-            <a:endParaRPr lang="en-US" dirty="0"/>
-          </a:p>
-        </p:txBody>
-      </p:sp>
       <p:sp>
         <p:nvSpPr>
           <p:cNvPr id="9" name="TextBox 8"/>
@@ -19528,6 +19688,93 @@
           </a:p>
         </p:txBody>
       </p:sp>
+      <p:sp>
+        <p:nvSpPr>
+          <p:cNvPr id="35" name="TextBox 34"/>
+          <p:cNvSpPr txBox="1"/>
+          <p:nvPr/>
+        </p:nvSpPr>
+        <p:spPr>
+          <a:xfrm>
+            <a:off x="808170" y="579549"/>
+            <a:ext cx="827996" cy="400110"/>
+          </a:xfrm>
+          <a:prstGeom prst="rect">
+            <a:avLst/>
+          </a:prstGeom>
+          <a:noFill/>
+        </p:spPr>
+        <p:txBody>
+          <a:bodyPr wrap="none" rtlCol="0">
+            <a:spAutoFit/>
+          </a:bodyPr>
+          <a:lstStyle/>
+          <a:p>
+            <a:r>
+              <a:rPr lang="en-US" sz="2000" b="1" dirty="0" smtClean="0"/>
+              <a:t>Solve:</a:t>
+            </a:r>
+            <a:endParaRPr lang="en-US" sz="2000" b="1" dirty="0"/>
+          </a:p>
+        </p:txBody>
+      </p:sp>
+      <p:graphicFrame>
+        <p:nvGraphicFramePr>
+          <p:cNvPr id="30" name="Object 29"/>
+          <p:cNvGraphicFramePr>
+            <a:graphicFrameLocks noChangeAspect="1"/>
+          </p:cNvGraphicFramePr>
+          <p:nvPr>
+            <p:extLst>
+              <p:ext uri="{D42A27DB-BD31-4B8C-83A1-F6EECF244321}">
+                <p14:modId xmlns:p14="http://schemas.microsoft.com/office/powerpoint/2010/main" val="2514824099"/>
+              </p:ext>
+            </p:extLst>
+          </p:nvPr>
+        </p:nvGraphicFramePr>
+        <p:xfrm>
+          <a:off x="1838325" y="376238"/>
+          <a:ext cx="6397625" cy="936625"/>
+        </p:xfrm>
+        <a:graphic>
+          <a:graphicData uri="http://schemas.openxmlformats.org/presentationml/2006/ole">
+            <mc:AlternateContent xmlns:mc="http://schemas.openxmlformats.org/markup-compatibility/2006">
+              <mc:Choice xmlns:v="urn:schemas-microsoft-com:vml" Requires="v">
+                <p:oleObj spid="_x0000_s109667" name="Equation" r:id="rId3" imgW="3721100" imgH="546100" progId="Equation.3">
+                  <p:embed/>
+                </p:oleObj>
+              </mc:Choice>
+              <mc:Fallback>
+                <p:oleObj name="Equation" r:id="rId3" imgW="3721100" imgH="546100" progId="Equation.3">
+                  <p:embed/>
+                  <p:pic>
+                    <p:nvPicPr>
+                      <p:cNvPr id="0" name=""/>
+                      <p:cNvPicPr/>
+                      <p:nvPr/>
+                    </p:nvPicPr>
+                    <p:blipFill>
+                      <a:blip r:embed="rId4"/>
+                      <a:stretch>
+                        <a:fillRect/>
+                      </a:stretch>
+                    </p:blipFill>
+                    <p:spPr>
+                      <a:xfrm>
+                        <a:off x="1838325" y="376238"/>
+                        <a:ext cx="6397625" cy="936625"/>
+                      </a:xfrm>
+                      <a:prstGeom prst="rect">
+                        <a:avLst/>
+                      </a:prstGeom>
+                    </p:spPr>
+                  </p:pic>
+                </p:oleObj>
+              </mc:Fallback>
+            </mc:AlternateContent>
+          </a:graphicData>
+        </a:graphic>
+      </p:graphicFrame>
     </p:spTree>
     <p:extLst>
       <p:ext uri="{BB962C8B-B14F-4D97-AF65-F5344CB8AC3E}">
@@ -19733,6 +19980,50 @@
                             </p:childTnLst>
                           </p:cTn>
                         </p:par>
+                        <p:par>
+                          <p:cTn id="17" fill="hold">
+                            <p:stCondLst>
+                              <p:cond delay="500"/>
+                            </p:stCondLst>
+                            <p:childTnLst>
+                              <p:par>
+                                <p:cTn id="18" presetID="9" presetClass="entr" presetSubtype="0" fill="hold" nodeType="afterEffect">
+                                  <p:stCondLst>
+                                    <p:cond delay="0"/>
+                                  </p:stCondLst>
+                                  <p:childTnLst>
+                                    <p:set>
+                                      <p:cBhvr>
+                                        <p:cTn id="19" dur="1" fill="hold">
+                                          <p:stCondLst>
+                                            <p:cond delay="0"/>
+                                          </p:stCondLst>
+                                        </p:cTn>
+                                        <p:tgtEl>
+                                          <p:spTgt spid="30"/>
+                                        </p:tgtEl>
+                                        <p:attrNameLst>
+                                          <p:attrName>style.visibility</p:attrName>
+                                        </p:attrNameLst>
+                                      </p:cBhvr>
+                                      <p:to>
+                                        <p:strVal val="visible"/>
+                                      </p:to>
+                                    </p:set>
+                                    <p:animEffect transition="in" filter="dissolve">
+                                      <p:cBhvr>
+                                        <p:cTn id="20" dur="500"/>
+                                        <p:tgtEl>
+                                          <p:spTgt spid="30"/>
+                                        </p:tgtEl>
+                                      </p:cBhvr>
+                                    </p:animEffect>
+                                  </p:childTnLst>
+                                </p:cTn>
+                              </p:par>
+                            </p:childTnLst>
+                          </p:cTn>
+                        </p:par>
                       </p:childTnLst>
                     </p:cTn>
                   </p:par>
@@ -20742,25 +21033,25 @@
           <p:nvPr>
             <p:extLst>
               <p:ext uri="{D42A27DB-BD31-4B8C-83A1-F6EECF244321}">
-                <p14:modId xmlns:p14="http://schemas.microsoft.com/office/powerpoint/2010/main" val="1922079952"/>
+                <p14:modId xmlns:p14="http://schemas.microsoft.com/office/powerpoint/2010/main" val="2067081206"/>
               </p:ext>
             </p:extLst>
           </p:nvPr>
         </p:nvGraphicFramePr>
         <p:xfrm>
-          <a:off x="469265" y="371640"/>
-          <a:ext cx="8166100" cy="611187"/>
+          <a:off x="366713" y="220663"/>
+          <a:ext cx="8388350" cy="850900"/>
         </p:xfrm>
         <a:graphic>
           <a:graphicData uri="http://schemas.openxmlformats.org/presentationml/2006/ole">
             <mc:AlternateContent xmlns:mc="http://schemas.openxmlformats.org/markup-compatibility/2006">
               <mc:Choice xmlns:v="urn:schemas-microsoft-com:vml" Requires="v">
-                <p:oleObj spid="_x0000_s81178" name="Equation" r:id="rId3" imgW="4749800" imgH="355600" progId="Equation.3">
+                <p:oleObj spid="_x0000_s81247" name="Equation" r:id="rId3" imgW="5384800" imgH="546100" progId="Equation.3">
                   <p:embed/>
                 </p:oleObj>
               </mc:Choice>
               <mc:Fallback>
-                <p:oleObj name="Equation" r:id="rId3" imgW="4749800" imgH="355600" progId="Equation.3">
+                <p:oleObj name="Equation" r:id="rId3" imgW="5384800" imgH="546100" progId="Equation.3">
                   <p:embed/>
                   <p:pic>
                     <p:nvPicPr>
@@ -20776,8 +21067,8 @@
                     </p:blipFill>
                     <p:spPr>
                       <a:xfrm>
-                        <a:off x="469265" y="371640"/>
-                        <a:ext cx="8166100" cy="611187"/>
+                        <a:off x="366713" y="220663"/>
+                        <a:ext cx="8388350" cy="850900"/>
                       </a:xfrm>
                       <a:prstGeom prst="rect">
                         <a:avLst/>
@@ -21000,15 +21291,23 @@
           <a:p>
             <a:r>
               <a:rPr lang="en-US" dirty="0" smtClean="0"/>
-              <a:t>Ex: Ŷ</a:t>
-            </a:r>
-            <a:r>
-              <a:rPr lang="en-US" baseline="30000" dirty="0"/>
-              <a:t>2</a:t>
+              <a:t>Ex</a:t>
+            </a:r>
+            <a:r>
+              <a:rPr lang="en-US" smtClean="0"/>
+              <a:t>: Ŷ</a:t>
+            </a:r>
+            <a:r>
+              <a:rPr lang="en-US" baseline="30000" smtClean="0"/>
+              <a:t>3</a:t>
+            </a:r>
+            <a:r>
+              <a:rPr lang="en-US" smtClean="0"/>
+              <a:t>(</a:t>
             </a:r>
             <a:r>
               <a:rPr lang="en-US" dirty="0" smtClean="0"/>
-              <a:t>(V) = (</a:t>
+              <a:t>V) = (</a:t>
             </a:r>
             <a:r>
               <a:rPr lang="en-US" dirty="0"/>
@@ -21062,7 +21361,7 @@
             </a:r>
             <a:r>
               <a:rPr lang="en-US" baseline="30000" dirty="0"/>
-              <a:t>L</a:t>
+              <a:t>M</a:t>
             </a:r>
             <a:r>
               <a:rPr lang="en-US" dirty="0" smtClean="0"/>
@@ -21111,8 +21410,8 @@
               <a:t>Ŷ</a:t>
             </a:r>
             <a:r>
-              <a:rPr lang="en-US" baseline="30000" dirty="0" smtClean="0"/>
-              <a:t>L</a:t>
+              <a:rPr lang="en-US" baseline="30000" dirty="0"/>
+              <a:t>M</a:t>
             </a:r>
             <a:r>
               <a:rPr lang="en-US" dirty="0" smtClean="0"/>
@@ -21130,8 +21429,8 @@
         </p:nvSpPr>
         <p:spPr>
           <a:xfrm>
-            <a:off x="7508332" y="4977455"/>
-            <a:ext cx="993405" cy="819670"/>
+            <a:off x="7494452" y="4977455"/>
+            <a:ext cx="1007285" cy="819670"/>
           </a:xfrm>
           <a:prstGeom prst="ellipse">
             <a:avLst/>
@@ -21162,7 +21461,7 @@
             </a:r>
             <a:r>
               <a:rPr lang="en-US" baseline="30000" dirty="0"/>
-              <a:t>L</a:t>
+              <a:t>M</a:t>
             </a:r>
             <a:r>
               <a:rPr lang="en-US" dirty="0" smtClean="0"/>
@@ -21210,7 +21509,7 @@
         </p:nvSpPr>
         <p:spPr>
           <a:xfrm>
-            <a:off x="7279806" y="986646"/>
+            <a:off x="7011366" y="1178001"/>
             <a:ext cx="993932" cy="369332"/>
           </a:xfrm>
           <a:prstGeom prst="rect">
@@ -21248,8 +21547,8 @@
         </p:nvSpPr>
         <p:spPr>
           <a:xfrm rot="16200000">
-            <a:off x="7676636" y="95800"/>
-            <a:ext cx="201686" cy="1572367"/>
+            <a:off x="7370521" y="334455"/>
+            <a:ext cx="195173" cy="1491919"/>
           </a:xfrm>
           <a:prstGeom prst="leftBrace">
             <a:avLst/>
@@ -21757,7 +22056,7 @@
           <a:p>
             <a:r>
               <a:rPr lang="en-US" dirty="0" smtClean="0"/>
-              <a:t>For k=1..L</a:t>
+              <a:t>For k=1..M</a:t>
             </a:r>
           </a:p>
           <a:p>
@@ -21798,15 +22097,23 @@
             </a:r>
             <a:r>
               <a:rPr lang="en-US" dirty="0"/>
-              <a:t>best Ŷ</a:t>
+              <a:t>best </a:t>
+            </a:r>
+            <a:r>
+              <a:rPr lang="en-US" dirty="0" smtClean="0"/>
+              <a:t>Ŷ</a:t>
             </a:r>
             <a:r>
               <a:rPr lang="en-US" baseline="30000" dirty="0"/>
-              <a:t>L</a:t>
+              <a:t>M</a:t>
+            </a:r>
+            <a:r>
+              <a:rPr lang="en-US" dirty="0" smtClean="0"/>
+              <a:t>(</a:t>
             </a:r>
             <a:r>
               <a:rPr lang="en-US" dirty="0"/>
-              <a:t>(Z) </a:t>
+              <a:t>Z) </a:t>
             </a:r>
             <a:r>
               <a:rPr lang="en-US" dirty="0" smtClean="0"/>
@@ -21873,7 +22180,7 @@
           <a:graphicData uri="http://schemas.openxmlformats.org/presentationml/2006/ole">
             <mc:AlternateContent xmlns:mc="http://schemas.openxmlformats.org/markup-compatibility/2006">
               <mc:Choice xmlns:v="urn:schemas-microsoft-com:vml" Requires="v">
-                <p:oleObj spid="_x0000_s62804" name="Equation" r:id="rId3" imgW="2311400" imgH="1066800" progId="Equation.3">
+                <p:oleObj spid="_x0000_s62873" name="Equation" r:id="rId3" imgW="2311400" imgH="1066800" progId="Equation.3">
                   <p:embed/>
                 </p:oleObj>
               </mc:Choice>
@@ -25088,7 +25395,7 @@
           <a:graphicData uri="http://schemas.openxmlformats.org/presentationml/2006/ole">
             <mc:AlternateContent xmlns:mc="http://schemas.openxmlformats.org/markup-compatibility/2006">
               <mc:Choice xmlns:v="urn:schemas-microsoft-com:vml" Requires="v">
-                <p:oleObj spid="_x0000_s36618" name="Document" r:id="rId3" imgW="6109200" imgH="4052880" progId="Word.Document.8">
+                <p:oleObj spid="_x0000_s36687" name="Document" r:id="rId3" imgW="6109200" imgH="4052880" progId="Word.Document.8">
                   <p:embed/>
                 </p:oleObj>
               </mc:Choice>
@@ -25707,7 +26014,7 @@
           <a:graphicData uri="http://schemas.openxmlformats.org/presentationml/2006/ole">
             <mc:AlternateContent xmlns:mc="http://schemas.openxmlformats.org/markup-compatibility/2006">
               <mc:Choice xmlns:v="urn:schemas-microsoft-com:vml" Requires="v">
-                <p:oleObj spid="_x0000_s37642" name="Document" r:id="rId3" imgW="6109200" imgH="4029120" progId="Word.Document.8">
+                <p:oleObj spid="_x0000_s37711" name="Document" r:id="rId3" imgW="6109200" imgH="4029120" progId="Word.Document.8">
                   <p:embed/>
                 </p:oleObj>
               </mc:Choice>
@@ -26567,7 +26874,7 @@
           <a:graphicData uri="http://schemas.openxmlformats.org/presentationml/2006/ole">
             <mc:AlternateContent xmlns:mc="http://schemas.openxmlformats.org/markup-compatibility/2006">
               <mc:Choice xmlns:v="urn:schemas-microsoft-com:vml" Requires="v">
-                <p:oleObj spid="_x0000_s38666" name="Document" r:id="rId3" imgW="6109200" imgH="4029120" progId="Word.Document.8">
+                <p:oleObj spid="_x0000_s38735" name="Document" r:id="rId3" imgW="6109200" imgH="4029120" progId="Word.Document.8">
                   <p:embed/>
                 </p:oleObj>
               </mc:Choice>
@@ -27432,7 +27739,7 @@
           <a:graphicData uri="http://schemas.openxmlformats.org/presentationml/2006/ole">
             <mc:AlternateContent xmlns:mc="http://schemas.openxmlformats.org/markup-compatibility/2006">
               <mc:Choice xmlns:v="urn:schemas-microsoft-com:vml" Requires="v">
-                <p:oleObj spid="_x0000_s39690" name="Document" r:id="rId3" imgW="6109200" imgH="3981600" progId="Word.Document.8">
+                <p:oleObj spid="_x0000_s39759" name="Document" r:id="rId3" imgW="6109200" imgH="3981600" progId="Word.Document.8">
                   <p:embed/>
                 </p:oleObj>
               </mc:Choice>
@@ -28448,7 +28755,7 @@
           <a:graphicData uri="http://schemas.openxmlformats.org/presentationml/2006/ole">
             <mc:AlternateContent xmlns:mc="http://schemas.openxmlformats.org/markup-compatibility/2006">
               <mc:Choice xmlns:v="urn:schemas-microsoft-com:vml" Requires="v">
-                <p:oleObj spid="_x0000_s40714" name="Document" r:id="rId3" imgW="6109200" imgH="3971880" progId="Word.Document.8">
+                <p:oleObj spid="_x0000_s40783" name="Document" r:id="rId3" imgW="6109200" imgH="3971880" progId="Word.Document.8">
                   <p:embed/>
                 </p:oleObj>
               </mc:Choice>
@@ -29378,7 +29685,7 @@
           <a:graphicData uri="http://schemas.openxmlformats.org/presentationml/2006/ole">
             <mc:AlternateContent xmlns:mc="http://schemas.openxmlformats.org/markup-compatibility/2006">
               <mc:Choice xmlns:v="urn:schemas-microsoft-com:vml" Requires="v">
-                <p:oleObj spid="_x0000_s41738" name="Document" r:id="rId3" imgW="6235200" imgH="3962520" progId="Word.Document.8">
+                <p:oleObj spid="_x0000_s41807" name="Document" r:id="rId3" imgW="6235200" imgH="3962520" progId="Word.Document.8">
                   <p:embed/>
                 </p:oleObj>
               </mc:Choice>
@@ -30394,7 +30701,7 @@
           <a:graphicData uri="http://schemas.openxmlformats.org/presentationml/2006/ole">
             <mc:AlternateContent xmlns:mc="http://schemas.openxmlformats.org/markup-compatibility/2006">
               <mc:Choice xmlns:v="urn:schemas-microsoft-com:vml" Requires="v">
-                <p:oleObj spid="_x0000_s42762" name="Document" r:id="rId3" imgW="6235200" imgH="3952800" progId="Word.Document.8">
+                <p:oleObj spid="_x0000_s42831" name="Document" r:id="rId3" imgW="6235200" imgH="3952800" progId="Word.Document.8">
                   <p:embed/>
                 </p:oleObj>
               </mc:Choice>
@@ -31416,7 +31723,7 @@
           <a:graphicData uri="http://schemas.openxmlformats.org/presentationml/2006/ole">
             <mc:AlternateContent xmlns:mc="http://schemas.openxmlformats.org/markup-compatibility/2006">
               <mc:Choice xmlns:v="urn:schemas-microsoft-com:vml" Requires="v">
-                <p:oleObj spid="_x0000_s43786" name="Document" r:id="rId3" imgW="6235200" imgH="3952800" progId="Word.Document.8">
+                <p:oleObj spid="_x0000_s43855" name="Document" r:id="rId3" imgW="6235200" imgH="3952800" progId="Word.Document.8">
                   <p:embed/>
                 </p:oleObj>
               </mc:Choice>
@@ -32454,7 +32761,7 @@
           <a:graphicData uri="http://schemas.openxmlformats.org/presentationml/2006/ole">
             <mc:AlternateContent xmlns:mc="http://schemas.openxmlformats.org/markup-compatibility/2006">
               <mc:Choice xmlns:v="urn:schemas-microsoft-com:vml" Requires="v">
-                <p:oleObj spid="_x0000_s44810" name="Document" r:id="rId3" imgW="6235200" imgH="3933720" progId="Word.Document.8">
+                <p:oleObj spid="_x0000_s44879" name="Document" r:id="rId3" imgW="6235200" imgH="3933720" progId="Word.Document.8">
                   <p:embed/>
                 </p:oleObj>
               </mc:Choice>
@@ -33410,7 +33717,7 @@
           <a:graphicData uri="http://schemas.openxmlformats.org/presentationml/2006/ole">
             <mc:AlternateContent xmlns:mc="http://schemas.openxmlformats.org/markup-compatibility/2006">
               <mc:Choice xmlns:v="urn:schemas-microsoft-com:vml" Requires="v">
-                <p:oleObj spid="_x0000_s45834" name="Document" r:id="rId3" imgW="6235200" imgH="3905280" progId="Word.Document.8">
+                <p:oleObj spid="_x0000_s45903" name="Document" r:id="rId3" imgW="6235200" imgH="3905280" progId="Word.Document.8">
                   <p:embed/>
                 </p:oleObj>
               </mc:Choice>
@@ -34352,7 +34659,7 @@
           <a:graphicData uri="http://schemas.openxmlformats.org/presentationml/2006/ole">
             <mc:AlternateContent xmlns:mc="http://schemas.openxmlformats.org/markup-compatibility/2006">
               <mc:Choice xmlns:v="urn:schemas-microsoft-com:vml" Requires="v">
-                <p:oleObj spid="_x0000_s46858" name="Document" r:id="rId3" imgW="6235200" imgH="3905280" progId="Word.Document.8">
+                <p:oleObj spid="_x0000_s46927" name="Document" r:id="rId3" imgW="6235200" imgH="3905280" progId="Word.Document.8">
                   <p:embed/>
                 </p:oleObj>
               </mc:Choice>
@@ -35390,7 +35697,7 @@
           <a:graphicData uri="http://schemas.openxmlformats.org/presentationml/2006/ole">
             <mc:AlternateContent xmlns:mc="http://schemas.openxmlformats.org/markup-compatibility/2006">
               <mc:Choice xmlns:v="urn:schemas-microsoft-com:vml" Requires="v">
-                <p:oleObj spid="_x0000_s47882" name="Document" r:id="rId3" imgW="6235200" imgH="3895560" progId="Word.Document.8">
+                <p:oleObj spid="_x0000_s47951" name="Document" r:id="rId3" imgW="6235200" imgH="3895560" progId="Word.Document.8">
                   <p:embed/>
                 </p:oleObj>
               </mc:Choice>
@@ -36557,7 +36864,7 @@
           <a:graphicData uri="http://schemas.openxmlformats.org/presentationml/2006/ole">
             <mc:AlternateContent xmlns:mc="http://schemas.openxmlformats.org/markup-compatibility/2006">
               <mc:Choice xmlns:v="urn:schemas-microsoft-com:vml" Requires="v">
-                <p:oleObj spid="_x0000_s76097" name="Equation" r:id="rId3" imgW="2311400" imgH="1066800" progId="Equation.3">
+                <p:oleObj spid="_x0000_s76166" name="Equation" r:id="rId3" imgW="2311400" imgH="1066800" progId="Equation.3">
                   <p:embed/>
                 </p:oleObj>
               </mc:Choice>
@@ -37927,25 +38234,25 @@
           <p:nvPr>
             <p:extLst>
               <p:ext uri="{D42A27DB-BD31-4B8C-83A1-F6EECF244321}">
-                <p14:modId xmlns:p14="http://schemas.microsoft.com/office/powerpoint/2010/main" val="358348118"/>
+                <p14:modId xmlns:p14="http://schemas.microsoft.com/office/powerpoint/2010/main" val="919710007"/>
               </p:ext>
             </p:extLst>
           </p:nvPr>
         </p:nvGraphicFramePr>
         <p:xfrm>
-          <a:off x="989186" y="3336138"/>
-          <a:ext cx="7079048" cy="1139878"/>
+          <a:off x="941388" y="3336925"/>
+          <a:ext cx="7173912" cy="1139825"/>
         </p:xfrm>
         <a:graphic>
           <a:graphicData uri="http://schemas.openxmlformats.org/presentationml/2006/ole">
             <mc:AlternateContent xmlns:mc="http://schemas.openxmlformats.org/markup-compatibility/2006">
               <mc:Choice xmlns:v="urn:schemas-microsoft-com:vml" Requires="v">
-                <p:oleObj spid="_x0000_s77112" name="Equation" r:id="rId3" imgW="2844800" imgH="457200" progId="Equation.3">
+                <p:oleObj spid="_x0000_s77181" name="Equation" r:id="rId3" imgW="2882900" imgH="457200" progId="Equation.3">
                   <p:embed/>
                 </p:oleObj>
               </mc:Choice>
               <mc:Fallback>
-                <p:oleObj name="Equation" r:id="rId3" imgW="2844800" imgH="457200" progId="Equation.3">
+                <p:oleObj name="Equation" r:id="rId3" imgW="2882900" imgH="457200" progId="Equation.3">
                   <p:embed/>
                   <p:pic>
                     <p:nvPicPr>
@@ -37961,8 +38268,8 @@
                     </p:blipFill>
                     <p:spPr>
                       <a:xfrm>
-                        <a:off x="989186" y="3336138"/>
-                        <a:ext cx="7079048" cy="1139878"/>
+                        <a:off x="941388" y="3336925"/>
+                        <a:ext cx="7173912" cy="1139825"/>
                       </a:xfrm>
                       <a:prstGeom prst="rect">
                         <a:avLst/>
@@ -38399,7 +38706,7 @@
           <a:graphicData uri="http://schemas.openxmlformats.org/presentationml/2006/ole">
             <mc:AlternateContent xmlns:mc="http://schemas.openxmlformats.org/markup-compatibility/2006">
               <mc:Choice xmlns:v="urn:schemas-microsoft-com:vml" Requires="v">
-                <p:oleObj spid="_x0000_s78349" name="Equation" r:id="rId3" imgW="889000" imgH="279400" progId="Equation.3">
+                <p:oleObj spid="_x0000_s78479" name="Equation" r:id="rId3" imgW="889000" imgH="279400" progId="Equation.3">
                   <p:embed/>
                 </p:oleObj>
               </mc:Choice>
@@ -38608,25 +38915,25 @@
           <p:nvPr>
             <p:extLst>
               <p:ext uri="{D42A27DB-BD31-4B8C-83A1-F6EECF244321}">
-                <p14:modId xmlns:p14="http://schemas.microsoft.com/office/powerpoint/2010/main" val="1874142754"/>
+                <p14:modId xmlns:p14="http://schemas.microsoft.com/office/powerpoint/2010/main" val="1137963876"/>
               </p:ext>
             </p:extLst>
           </p:nvPr>
         </p:nvGraphicFramePr>
         <p:xfrm>
-          <a:off x="989186" y="4092546"/>
-          <a:ext cx="7079048" cy="1139878"/>
+          <a:off x="941388" y="4092575"/>
+          <a:ext cx="7173912" cy="1139825"/>
         </p:xfrm>
         <a:graphic>
           <a:graphicData uri="http://schemas.openxmlformats.org/presentationml/2006/ole">
             <mc:AlternateContent xmlns:mc="http://schemas.openxmlformats.org/markup-compatibility/2006">
               <mc:Choice xmlns:v="urn:schemas-microsoft-com:vml" Requires="v">
-                <p:oleObj spid="_x0000_s78350" name="Equation" r:id="rId5" imgW="2844800" imgH="457200" progId="Equation.3">
+                <p:oleObj spid="_x0000_s78480" name="Equation" r:id="rId5" imgW="2882900" imgH="457200" progId="Equation.3">
                   <p:embed/>
                 </p:oleObj>
               </mc:Choice>
               <mc:Fallback>
-                <p:oleObj name="Equation" r:id="rId5" imgW="2844800" imgH="457200" progId="Equation.3">
+                <p:oleObj name="Equation" r:id="rId5" imgW="2882900" imgH="457200" progId="Equation.3">
                   <p:embed/>
                   <p:pic>
                     <p:nvPicPr>
@@ -38642,8 +38949,8 @@
                     </p:blipFill>
                     <p:spPr>
                       <a:xfrm>
-                        <a:off x="989186" y="4092546"/>
-                        <a:ext cx="7079048" cy="1139878"/>
+                        <a:off x="941388" y="4092575"/>
+                        <a:ext cx="7173912" cy="1139825"/>
                       </a:xfrm>
                       <a:prstGeom prst="rect">
                         <a:avLst/>
@@ -38880,7 +39187,7 @@
           <a:graphicData uri="http://schemas.openxmlformats.org/presentationml/2006/ole">
             <mc:AlternateContent xmlns:mc="http://schemas.openxmlformats.org/markup-compatibility/2006">
               <mc:Choice xmlns:v="urn:schemas-microsoft-com:vml" Requires="v">
-                <p:oleObj spid="_x0000_s83920" name="Equation" r:id="rId3" imgW="736600" imgH="1003300" progId="Equation.3">
+                <p:oleObj spid="_x0000_s144588" name="Equation" r:id="rId3" imgW="736600" imgH="1003300" progId="Equation.3">
                   <p:embed/>
                 </p:oleObj>
               </mc:Choice>
@@ -38937,7 +39244,7 @@
           <a:graphicData uri="http://schemas.openxmlformats.org/presentationml/2006/ole">
             <mc:AlternateContent xmlns:mc="http://schemas.openxmlformats.org/markup-compatibility/2006">
               <mc:Choice xmlns:v="urn:schemas-microsoft-com:vml" Requires="v">
-                <p:oleObj spid="_x0000_s83921" name="Equation" r:id="rId5" imgW="1574800" imgH="1066800" progId="Equation.3">
+                <p:oleObj spid="_x0000_s144589" name="Equation" r:id="rId5" imgW="1574800" imgH="1066800" progId="Equation.3">
                   <p:embed/>
                 </p:oleObj>
               </mc:Choice>
@@ -39024,7 +39331,7 @@
           <a:graphicData uri="http://schemas.openxmlformats.org/presentationml/2006/ole">
             <mc:AlternateContent xmlns:mc="http://schemas.openxmlformats.org/markup-compatibility/2006">
               <mc:Choice xmlns:v="urn:schemas-microsoft-com:vml" Requires="v">
-                <p:oleObj spid="_x0000_s83922" name="Equation" r:id="rId7" imgW="1320800" imgH="1066800" progId="Equation.3">
+                <p:oleObj spid="_x0000_s144590" name="Equation" r:id="rId7" imgW="1320800" imgH="1066800" progId="Equation.3">
                   <p:embed/>
                 </p:oleObj>
               </mc:Choice>
@@ -39141,7 +39448,7 @@
           <a:graphicData uri="http://schemas.openxmlformats.org/presentationml/2006/ole">
             <mc:AlternateContent xmlns:mc="http://schemas.openxmlformats.org/markup-compatibility/2006">
               <mc:Choice xmlns:v="urn:schemas-microsoft-com:vml" Requires="v">
-                <p:oleObj spid="_x0000_s83923" name="Equation" r:id="rId9" imgW="685800" imgH="1003300" progId="Equation.3">
+                <p:oleObj spid="_x0000_s144591" name="Equation" r:id="rId9" imgW="685800" imgH="1003300" progId="Equation.3">
                   <p:embed/>
                 </p:oleObj>
               </mc:Choice>
@@ -40627,25 +40934,25 @@
           <p:nvPr>
             <p:extLst>
               <p:ext uri="{D42A27DB-BD31-4B8C-83A1-F6EECF244321}">
-                <p14:modId xmlns:p14="http://schemas.microsoft.com/office/powerpoint/2010/main" val="2692228478"/>
+                <p14:modId xmlns:p14="http://schemas.microsoft.com/office/powerpoint/2010/main" val="811827909"/>
               </p:ext>
             </p:extLst>
           </p:nvPr>
         </p:nvGraphicFramePr>
         <p:xfrm>
-          <a:off x="1045120" y="1611945"/>
-          <a:ext cx="5672983" cy="913471"/>
+          <a:off x="1006475" y="1611313"/>
+          <a:ext cx="5749925" cy="914400"/>
         </p:xfrm>
         <a:graphic>
           <a:graphicData uri="http://schemas.openxmlformats.org/presentationml/2006/ole">
             <mc:AlternateContent xmlns:mc="http://schemas.openxmlformats.org/markup-compatibility/2006">
               <mc:Choice xmlns:v="urn:schemas-microsoft-com:vml" Requires="v">
-                <p:oleObj spid="_x0000_s90726" name="Equation" r:id="rId3" imgW="2844800" imgH="457200" progId="Equation.3">
+                <p:oleObj spid="_x0000_s90917" name="Equation" r:id="rId3" imgW="2882900" imgH="457200" progId="Equation.3">
                   <p:embed/>
                 </p:oleObj>
               </mc:Choice>
               <mc:Fallback>
-                <p:oleObj name="Equation" r:id="rId3" imgW="2844800" imgH="457200" progId="Equation.3">
+                <p:oleObj name="Equation" r:id="rId3" imgW="2882900" imgH="457200" progId="Equation.3">
                   <p:embed/>
                   <p:pic>
                     <p:nvPicPr>
@@ -40661,8 +40968,8 @@
                     </p:blipFill>
                     <p:spPr>
                       <a:xfrm>
-                        <a:off x="1045120" y="1611945"/>
-                        <a:ext cx="5672983" cy="913471"/>
+                        <a:off x="1006475" y="1611313"/>
+                        <a:ext cx="5749925" cy="914400"/>
                       </a:xfrm>
                       <a:prstGeom prst="rect">
                         <a:avLst/>
@@ -40684,25 +40991,25 @@
           <p:nvPr>
             <p:extLst>
               <p:ext uri="{D42A27DB-BD31-4B8C-83A1-F6EECF244321}">
-                <p14:modId xmlns:p14="http://schemas.microsoft.com/office/powerpoint/2010/main" val="2858420351"/>
+                <p14:modId xmlns:p14="http://schemas.microsoft.com/office/powerpoint/2010/main" val="3389256240"/>
               </p:ext>
             </p:extLst>
           </p:nvPr>
         </p:nvGraphicFramePr>
         <p:xfrm>
-          <a:off x="1045120" y="2904779"/>
-          <a:ext cx="5227637" cy="1706562"/>
+          <a:off x="1009650" y="2905125"/>
+          <a:ext cx="5297488" cy="1706563"/>
         </p:xfrm>
         <a:graphic>
           <a:graphicData uri="http://schemas.openxmlformats.org/presentationml/2006/ole">
             <mc:AlternateContent xmlns:mc="http://schemas.openxmlformats.org/markup-compatibility/2006">
               <mc:Choice xmlns:v="urn:schemas-microsoft-com:vml" Requires="v">
-                <p:oleObj spid="_x0000_s90727" name="Equation" r:id="rId5" imgW="2844800" imgH="927100" progId="Equation.3">
+                <p:oleObj spid="_x0000_s90918" name="Equation" r:id="rId5" imgW="2882900" imgH="927100" progId="Equation.3">
                   <p:embed/>
                 </p:oleObj>
               </mc:Choice>
               <mc:Fallback>
-                <p:oleObj name="Equation" r:id="rId5" imgW="2844800" imgH="927100" progId="Equation.3">
+                <p:oleObj name="Equation" r:id="rId5" imgW="2882900" imgH="927100" progId="Equation.3">
                   <p:embed/>
                   <p:pic>
                     <p:nvPicPr>
@@ -40718,8 +41025,8 @@
                     </p:blipFill>
                     <p:spPr>
                       <a:xfrm>
-                        <a:off x="1045120" y="2904779"/>
-                        <a:ext cx="5227637" cy="1706562"/>
+                        <a:off x="1009650" y="2905125"/>
+                        <a:ext cx="5297488" cy="1706563"/>
                       </a:xfrm>
                       <a:prstGeom prst="rect">
                         <a:avLst/>
@@ -40741,25 +41048,25 @@
           <p:nvPr>
             <p:extLst>
               <p:ext uri="{D42A27DB-BD31-4B8C-83A1-F6EECF244321}">
-                <p14:modId xmlns:p14="http://schemas.microsoft.com/office/powerpoint/2010/main" val="491881745"/>
+                <p14:modId xmlns:p14="http://schemas.microsoft.com/office/powerpoint/2010/main" val="1143346585"/>
               </p:ext>
             </p:extLst>
           </p:nvPr>
         </p:nvGraphicFramePr>
         <p:xfrm>
-          <a:off x="1045120" y="5004681"/>
-          <a:ext cx="4766846" cy="845352"/>
+          <a:off x="1020763" y="5005388"/>
+          <a:ext cx="4814887" cy="844550"/>
         </p:xfrm>
         <a:graphic>
           <a:graphicData uri="http://schemas.openxmlformats.org/presentationml/2006/ole">
             <mc:AlternateContent xmlns:mc="http://schemas.openxmlformats.org/markup-compatibility/2006">
               <mc:Choice xmlns:v="urn:schemas-microsoft-com:vml" Requires="v">
-                <p:oleObj spid="_x0000_s90728" name="Equation" r:id="rId7" imgW="2578100" imgH="457200" progId="Equation.3">
+                <p:oleObj spid="_x0000_s90919" name="Equation" r:id="rId7" imgW="2603500" imgH="457200" progId="Equation.3">
                   <p:embed/>
                 </p:oleObj>
               </mc:Choice>
               <mc:Fallback>
-                <p:oleObj name="Equation" r:id="rId7" imgW="2578100" imgH="457200" progId="Equation.3">
+                <p:oleObj name="Equation" r:id="rId7" imgW="2603500" imgH="457200" progId="Equation.3">
                   <p:embed/>
                   <p:pic>
                     <p:nvPicPr>
@@ -40775,8 +41082,8 @@
                     </p:blipFill>
                     <p:spPr>
                       <a:xfrm>
-                        <a:off x="1045120" y="5004681"/>
-                        <a:ext cx="4766846" cy="845352"/>
+                        <a:off x="1020763" y="5005388"/>
+                        <a:ext cx="4814887" cy="844550"/>
                       </a:xfrm>
                       <a:prstGeom prst="rect">
                         <a:avLst/>
@@ -40797,7 +41104,7 @@
         </p:nvSpPr>
         <p:spPr>
           <a:xfrm>
-            <a:off x="6134747" y="5274050"/>
+            <a:off x="6134747" y="5036617"/>
             <a:ext cx="2460554" cy="400110"/>
           </a:xfrm>
           <a:prstGeom prst="rect">
@@ -40822,6 +41129,80 @@
             <a:endParaRPr lang="en-US" sz="2000" dirty="0">
               <a:solidFill>
                 <a:srgbClr val="953735"/>
+              </a:solidFill>
+            </a:endParaRPr>
+          </a:p>
+        </p:txBody>
+      </p:sp>
+      <p:sp>
+        <p:nvSpPr>
+          <p:cNvPr id="3" name="TextBox 2"/>
+          <p:cNvSpPr txBox="1"/>
+          <p:nvPr/>
+        </p:nvSpPr>
+        <p:spPr>
+          <a:xfrm>
+            <a:off x="6134747" y="5436727"/>
+            <a:ext cx="1802972" cy="646331"/>
+          </a:xfrm>
+          <a:prstGeom prst="rect">
+            <a:avLst/>
+          </a:prstGeom>
+          <a:noFill/>
+        </p:spPr>
+        <p:txBody>
+          <a:bodyPr wrap="none" rtlCol="0">
+            <a:spAutoFit/>
+          </a:bodyPr>
+          <a:lstStyle/>
+          <a:p>
+            <a:r>
+              <a:rPr lang="en-US" dirty="0" smtClean="0">
+                <a:solidFill>
+                  <a:schemeClr val="accent4">
+                    <a:lumMod val="75000"/>
+                  </a:schemeClr>
+                </a:solidFill>
+              </a:rPr>
+              <a:t>Each entry of </a:t>
+            </a:r>
+            <a:r>
+              <a:rPr lang="en-US" dirty="0" err="1" smtClean="0">
+                <a:solidFill>
+                  <a:schemeClr val="accent4">
+                    <a:lumMod val="75000"/>
+                  </a:schemeClr>
+                </a:solidFill>
+              </a:rPr>
+              <a:t>Ã</a:t>
+            </a:r>
+            <a:r>
+              <a:rPr lang="en-US" dirty="0" smtClean="0">
+                <a:solidFill>
+                  <a:schemeClr val="accent4">
+                    <a:lumMod val="75000"/>
+                  </a:schemeClr>
+                </a:solidFill>
+              </a:rPr>
+              <a:t> is </a:t>
+            </a:r>
+          </a:p>
+          <a:p>
+            <a:r>
+              <a:rPr lang="en-US" dirty="0" smtClean="0">
+                <a:solidFill>
+                  <a:schemeClr val="accent4">
+                    <a:lumMod val="75000"/>
+                  </a:schemeClr>
+                </a:solidFill>
+              </a:rPr>
+              <a:t>define as –log(A) </a:t>
+            </a:r>
+            <a:endParaRPr lang="en-US" dirty="0">
+              <a:solidFill>
+                <a:schemeClr val="accent4">
+                  <a:lumMod val="75000"/>
+                </a:schemeClr>
               </a:solidFill>
             </a:endParaRPr>
           </a:p>
@@ -41146,7 +41527,7 @@
           <a:graphicData uri="http://schemas.openxmlformats.org/presentationml/2006/ole">
             <mc:AlternateContent xmlns:mc="http://schemas.openxmlformats.org/markup-compatibility/2006">
               <mc:Choice xmlns:v="urn:schemas-microsoft-com:vml" Requires="v">
-                <p:oleObj spid="_x0000_s84833" name="Equation" r:id="rId3" imgW="114300" imgH="165100" progId="Equation.3">
+                <p:oleObj spid="_x0000_s2141" name="Equation" r:id="rId3" imgW="114300" imgH="165100" progId="Equation.3">
                   <p:embed/>
                 </p:oleObj>
               </mc:Choice>
@@ -41190,7 +41571,7 @@
           <p:nvPr>
             <p:extLst>
               <p:ext uri="{D42A27DB-BD31-4B8C-83A1-F6EECF244321}">
-                <p14:modId xmlns:p14="http://schemas.microsoft.com/office/powerpoint/2010/main" val="2610724550"/>
+                <p14:modId xmlns:p14="http://schemas.microsoft.com/office/powerpoint/2010/main" val="2506009461"/>
               </p:ext>
             </p:extLst>
           </p:nvPr>
@@ -41203,7 +41584,7 @@
           <a:graphicData uri="http://schemas.openxmlformats.org/presentationml/2006/ole">
             <mc:AlternateContent xmlns:mc="http://schemas.openxmlformats.org/markup-compatibility/2006">
               <mc:Choice xmlns:v="urn:schemas-microsoft-com:vml" Requires="v">
-                <p:oleObj spid="_x0000_s84834" name="Equation" r:id="rId5" imgW="1435100" imgH="965200" progId="Equation.3">
+                <p:oleObj spid="_x0000_s2142" name="Equation" r:id="rId5" imgW="1435100" imgH="965200" progId="Equation.3">
                   <p:embed/>
                 </p:oleObj>
               </mc:Choice>
@@ -41247,7 +41628,7 @@
           <p:nvPr>
             <p:extLst>
               <p:ext uri="{D42A27DB-BD31-4B8C-83A1-F6EECF244321}">
-                <p14:modId xmlns:p14="http://schemas.microsoft.com/office/powerpoint/2010/main" val="4079083939"/>
+                <p14:modId xmlns:p14="http://schemas.microsoft.com/office/powerpoint/2010/main" val="2014037860"/>
               </p:ext>
             </p:extLst>
           </p:nvPr>
@@ -41260,7 +41641,7 @@
           <a:graphicData uri="http://schemas.openxmlformats.org/presentationml/2006/ole">
             <mc:AlternateContent xmlns:mc="http://schemas.openxmlformats.org/markup-compatibility/2006">
               <mc:Choice xmlns:v="urn:schemas-microsoft-com:vml" Requires="v">
-                <p:oleObj spid="_x0000_s84835" name="Equation" r:id="rId7" imgW="1409700" imgH="965200" progId="Equation.3">
+                <p:oleObj spid="_x0000_s2143" name="Equation" r:id="rId7" imgW="1409700" imgH="965200" progId="Equation.3">
                   <p:embed/>
                 </p:oleObj>
               </mc:Choice>
@@ -41304,25 +41685,25 @@
           <p:nvPr>
             <p:extLst>
               <p:ext uri="{D42A27DB-BD31-4B8C-83A1-F6EECF244321}">
-                <p14:modId xmlns:p14="http://schemas.microsoft.com/office/powerpoint/2010/main" val="51147883"/>
+                <p14:modId xmlns:p14="http://schemas.microsoft.com/office/powerpoint/2010/main" val="3444237034"/>
               </p:ext>
             </p:extLst>
           </p:nvPr>
         </p:nvGraphicFramePr>
         <p:xfrm>
-          <a:off x="433448" y="1417638"/>
-          <a:ext cx="8135938" cy="890587"/>
+          <a:off x="398463" y="1417638"/>
+          <a:ext cx="8207375" cy="890587"/>
         </p:xfrm>
         <a:graphic>
           <a:graphicData uri="http://schemas.openxmlformats.org/presentationml/2006/ole">
             <mc:AlternateContent xmlns:mc="http://schemas.openxmlformats.org/markup-compatibility/2006">
               <mc:Choice xmlns:v="urn:schemas-microsoft-com:vml" Requires="v">
-                <p:oleObj spid="_x0000_s84836" name="Equation" r:id="rId9" imgW="4419600" imgH="482600" progId="Equation.3">
+                <p:oleObj spid="_x0000_s2144" name="Equation" r:id="rId9" imgW="4457700" imgH="482600" progId="Equation.3">
                   <p:embed/>
                 </p:oleObj>
               </mc:Choice>
               <mc:Fallback>
-                <p:oleObj name="Equation" r:id="rId9" imgW="4419600" imgH="482600" progId="Equation.3">
+                <p:oleObj name="Equation" r:id="rId9" imgW="4457700" imgH="482600" progId="Equation.3">
                   <p:embed/>
                   <p:pic>
                     <p:nvPicPr>
@@ -41338,8 +41719,8 @@
                     </p:blipFill>
                     <p:spPr>
                       <a:xfrm>
-                        <a:off x="433448" y="1417638"/>
-                        <a:ext cx="8135938" cy="890587"/>
+                        <a:off x="398463" y="1417638"/>
+                        <a:ext cx="8207375" cy="890587"/>
                       </a:xfrm>
                       <a:prstGeom prst="rect">
                         <a:avLst/>
@@ -41513,25 +41894,25 @@
           <p:nvPr>
             <p:extLst>
               <p:ext uri="{D42A27DB-BD31-4B8C-83A1-F6EECF244321}">
-                <p14:modId xmlns:p14="http://schemas.microsoft.com/office/powerpoint/2010/main" val="519543436"/>
+                <p14:modId xmlns:p14="http://schemas.microsoft.com/office/powerpoint/2010/main" val="3912249888"/>
               </p:ext>
             </p:extLst>
           </p:nvPr>
         </p:nvGraphicFramePr>
         <p:xfrm>
-          <a:off x="457200" y="1487033"/>
-          <a:ext cx="8135938" cy="890587"/>
+          <a:off x="422275" y="1487488"/>
+          <a:ext cx="8207375" cy="890587"/>
         </p:xfrm>
         <a:graphic>
           <a:graphicData uri="http://schemas.openxmlformats.org/presentationml/2006/ole">
             <mc:AlternateContent xmlns:mc="http://schemas.openxmlformats.org/markup-compatibility/2006">
               <mc:Choice xmlns:v="urn:schemas-microsoft-com:vml" Requires="v">
-                <p:oleObj spid="_x0000_s93360" name="Equation" r:id="rId3" imgW="4419600" imgH="482600" progId="Equation.3">
+                <p:oleObj spid="_x0000_s93429" name="Equation" r:id="rId3" imgW="4457700" imgH="482600" progId="Equation.3">
                   <p:embed/>
                 </p:oleObj>
               </mc:Choice>
               <mc:Fallback>
-                <p:oleObj name="Equation" r:id="rId3" imgW="4419600" imgH="482600" progId="Equation.3">
+                <p:oleObj name="Equation" r:id="rId3" imgW="4457700" imgH="482600" progId="Equation.3">
                   <p:embed/>
                   <p:pic>
                     <p:nvPicPr>
@@ -41547,8 +41928,8 @@
                     </p:blipFill>
                     <p:spPr>
                       <a:xfrm>
-                        <a:off x="457200" y="1487033"/>
-                        <a:ext cx="8135938" cy="890587"/>
+                        <a:off x="422275" y="1487488"/>
+                        <a:ext cx="8207375" cy="890587"/>
                       </a:xfrm>
                       <a:prstGeom prst="rect">
                         <a:avLst/>
@@ -41726,25 +42107,25 @@
           <p:nvPr>
             <p:extLst>
               <p:ext uri="{D42A27DB-BD31-4B8C-83A1-F6EECF244321}">
-                <p14:modId xmlns:p14="http://schemas.microsoft.com/office/powerpoint/2010/main" val="2709147585"/>
+                <p14:modId xmlns:p14="http://schemas.microsoft.com/office/powerpoint/2010/main" val="220427001"/>
               </p:ext>
             </p:extLst>
           </p:nvPr>
         </p:nvGraphicFramePr>
         <p:xfrm>
-          <a:off x="457200" y="1487033"/>
-          <a:ext cx="8135938" cy="890587"/>
+          <a:off x="422275" y="1487488"/>
+          <a:ext cx="8207375" cy="890587"/>
         </p:xfrm>
         <a:graphic>
           <a:graphicData uri="http://schemas.openxmlformats.org/presentationml/2006/ole">
             <mc:AlternateContent xmlns:mc="http://schemas.openxmlformats.org/markup-compatibility/2006">
               <mc:Choice xmlns:v="urn:schemas-microsoft-com:vml" Requires="v">
-                <p:oleObj spid="_x0000_s94383" name="Equation" r:id="rId3" imgW="4419600" imgH="482600" progId="Equation.3">
+                <p:oleObj spid="_x0000_s94452" name="Equation" r:id="rId3" imgW="4457700" imgH="482600" progId="Equation.3">
                   <p:embed/>
                 </p:oleObj>
               </mc:Choice>
               <mc:Fallback>
-                <p:oleObj name="Equation" r:id="rId3" imgW="4419600" imgH="482600" progId="Equation.3">
+                <p:oleObj name="Equation" r:id="rId3" imgW="4457700" imgH="482600" progId="Equation.3">
                   <p:embed/>
                   <p:pic>
                     <p:nvPicPr>
@@ -41760,8 +42141,8 @@
                     </p:blipFill>
                     <p:spPr>
                       <a:xfrm>
-                        <a:off x="457200" y="1487033"/>
-                        <a:ext cx="8135938" cy="890587"/>
+                        <a:off x="422275" y="1487488"/>
+                        <a:ext cx="8207375" cy="890587"/>
                       </a:xfrm>
                       <a:prstGeom prst="rect">
                         <a:avLst/>
@@ -41999,25 +42380,25 @@
           <p:nvPr>
             <p:extLst>
               <p:ext uri="{D42A27DB-BD31-4B8C-83A1-F6EECF244321}">
-                <p14:modId xmlns:p14="http://schemas.microsoft.com/office/powerpoint/2010/main" val="3591716135"/>
+                <p14:modId xmlns:p14="http://schemas.microsoft.com/office/powerpoint/2010/main" val="953749025"/>
               </p:ext>
             </p:extLst>
           </p:nvPr>
         </p:nvGraphicFramePr>
         <p:xfrm>
-          <a:off x="457200" y="1487033"/>
-          <a:ext cx="8135938" cy="890587"/>
+          <a:off x="422275" y="1487488"/>
+          <a:ext cx="8207375" cy="890587"/>
         </p:xfrm>
         <a:graphic>
           <a:graphicData uri="http://schemas.openxmlformats.org/presentationml/2006/ole">
             <mc:AlternateContent xmlns:mc="http://schemas.openxmlformats.org/markup-compatibility/2006">
               <mc:Choice xmlns:v="urn:schemas-microsoft-com:vml" Requires="v">
-                <p:oleObj spid="_x0000_s92336" name="Equation" r:id="rId3" imgW="4419600" imgH="482600" progId="Equation.3">
+                <p:oleObj spid="_x0000_s92405" name="Equation" r:id="rId3" imgW="4457700" imgH="482600" progId="Equation.3">
                   <p:embed/>
                 </p:oleObj>
               </mc:Choice>
               <mc:Fallback>
-                <p:oleObj name="Equation" r:id="rId3" imgW="4419600" imgH="482600" progId="Equation.3">
+                <p:oleObj name="Equation" r:id="rId3" imgW="4457700" imgH="482600" progId="Equation.3">
                   <p:embed/>
                   <p:pic>
                     <p:nvPicPr>
@@ -42033,8 +42414,8 @@
                     </p:blipFill>
                     <p:spPr>
                       <a:xfrm>
-                        <a:off x="457200" y="1487033"/>
-                        <a:ext cx="8135938" cy="890587"/>
+                        <a:off x="422275" y="1487488"/>
+                        <a:ext cx="8207375" cy="890587"/>
                       </a:xfrm>
                       <a:prstGeom prst="rect">
                         <a:avLst/>
@@ -42400,7 +42781,7 @@
           <a:graphicData uri="http://schemas.openxmlformats.org/presentationml/2006/ole">
             <mc:AlternateContent xmlns:mc="http://schemas.openxmlformats.org/markup-compatibility/2006">
               <mc:Choice xmlns:v="urn:schemas-microsoft-com:vml" Requires="v">
-                <p:oleObj spid="_x0000_s95394" name="Equation" r:id="rId3" imgW="635000" imgH="279400" progId="Equation.3">
+                <p:oleObj spid="_x0000_s95463" name="Equation" r:id="rId3" imgW="635000" imgH="279400" progId="Equation.3">
                   <p:embed/>
                 </p:oleObj>
               </mc:Choice>
@@ -42722,7 +43103,7 @@
           <a:graphicData uri="http://schemas.openxmlformats.org/presentationml/2006/ole">
             <mc:AlternateContent xmlns:mc="http://schemas.openxmlformats.org/markup-compatibility/2006">
               <mc:Choice xmlns:v="urn:schemas-microsoft-com:vml" Requires="v">
-                <p:oleObj spid="_x0000_s96407" name="Equation" r:id="rId3" imgW="635000" imgH="279400" progId="Equation.3">
+                <p:oleObj spid="_x0000_s96476" name="Equation" r:id="rId3" imgW="635000" imgH="279400" progId="Equation.3">
                   <p:embed/>
                 </p:oleObj>
               </mc:Choice>
@@ -44564,8 +44945,8 @@
               <a:t>x</a:t>
             </a:r>
             <a:r>
-              <a:rPr lang="en-US" baseline="30000" dirty="0" err="1" smtClean="0"/>
-              <a:t>L</a:t>
+              <a:rPr lang="en-US" baseline="30000" dirty="0" err="1"/>
+              <a:t>M</a:t>
             </a:r>
             <a:r>
               <a:rPr lang="en-US" dirty="0" smtClean="0"/>
@@ -44603,8 +44984,8 @@
               <a:t>y</a:t>
             </a:r>
             <a:r>
-              <a:rPr lang="en-US" baseline="30000" dirty="0" err="1" smtClean="0"/>
-              <a:t>L</a:t>
+              <a:rPr lang="en-US" baseline="30000" dirty="0" err="1"/>
+              <a:t>M</a:t>
             </a:r>
             <a:r>
               <a:rPr lang="en-US" dirty="0" smtClean="0"/>
@@ -46332,7 +46713,7 @@
           <p:nvPr>
             <p:extLst>
               <p:ext uri="{D42A27DB-BD31-4B8C-83A1-F6EECF244321}">
-                <p14:modId xmlns:p14="http://schemas.microsoft.com/office/powerpoint/2010/main" val="3219740478"/>
+                <p14:modId xmlns:p14="http://schemas.microsoft.com/office/powerpoint/2010/main" val="50707354"/>
               </p:ext>
             </p:extLst>
           </p:nvPr>
@@ -46345,7 +46726,7 @@
           <a:graphicData uri="http://schemas.openxmlformats.org/presentationml/2006/ole">
             <mc:AlternateContent xmlns:mc="http://schemas.openxmlformats.org/markup-compatibility/2006">
               <mc:Choice xmlns:v="urn:schemas-microsoft-com:vml" Requires="v">
-                <p:oleObj spid="_x0000_s99758" name="Equation" r:id="rId3" imgW="1930400" imgH="965200" progId="Equation.3">
+                <p:oleObj spid="_x0000_s100010" name="Equation" r:id="rId3" imgW="1930400" imgH="965200" progId="Equation.3">
                   <p:embed/>
                 </p:oleObj>
               </mc:Choice>
@@ -46389,7 +46770,7 @@
           <p:nvPr>
             <p:extLst>
               <p:ext uri="{D42A27DB-BD31-4B8C-83A1-F6EECF244321}">
-                <p14:modId xmlns:p14="http://schemas.microsoft.com/office/powerpoint/2010/main" val="4194532576"/>
+                <p14:modId xmlns:p14="http://schemas.microsoft.com/office/powerpoint/2010/main" val="712614968"/>
               </p:ext>
             </p:extLst>
           </p:nvPr>
@@ -46402,7 +46783,7 @@
           <a:graphicData uri="http://schemas.openxmlformats.org/presentationml/2006/ole">
             <mc:AlternateContent xmlns:mc="http://schemas.openxmlformats.org/markup-compatibility/2006">
               <mc:Choice xmlns:v="urn:schemas-microsoft-com:vml" Requires="v">
-                <p:oleObj spid="_x0000_s99759" name="Equation" r:id="rId5" imgW="1625600" imgH="965200" progId="Equation.3">
+                <p:oleObj spid="_x0000_s100011" name="Equation" r:id="rId5" imgW="1625600" imgH="965200" progId="Equation.3">
                   <p:embed/>
                 </p:oleObj>
               </mc:Choice>
@@ -46446,7 +46827,7 @@
           <p:nvPr>
             <p:extLst>
               <p:ext uri="{D42A27DB-BD31-4B8C-83A1-F6EECF244321}">
-                <p14:modId xmlns:p14="http://schemas.microsoft.com/office/powerpoint/2010/main" val="4068854635"/>
+                <p14:modId xmlns:p14="http://schemas.microsoft.com/office/powerpoint/2010/main" val="1694447987"/>
               </p:ext>
             </p:extLst>
           </p:nvPr>
@@ -46459,7 +46840,7 @@
           <a:graphicData uri="http://schemas.openxmlformats.org/presentationml/2006/ole">
             <mc:AlternateContent xmlns:mc="http://schemas.openxmlformats.org/markup-compatibility/2006">
               <mc:Choice xmlns:v="urn:schemas-microsoft-com:vml" Requires="v">
-                <p:oleObj spid="_x0000_s99760" name="Equation" r:id="rId7" imgW="1435100" imgH="965200" progId="Equation.3">
+                <p:oleObj spid="_x0000_s100012" name="Equation" r:id="rId7" imgW="1435100" imgH="965200" progId="Equation.3">
                   <p:embed/>
                 </p:oleObj>
               </mc:Choice>
@@ -46503,7 +46884,7 @@
           <p:nvPr>
             <p:extLst>
               <p:ext uri="{D42A27DB-BD31-4B8C-83A1-F6EECF244321}">
-                <p14:modId xmlns:p14="http://schemas.microsoft.com/office/powerpoint/2010/main" val="4293962460"/>
+                <p14:modId xmlns:p14="http://schemas.microsoft.com/office/powerpoint/2010/main" val="2356765361"/>
               </p:ext>
             </p:extLst>
           </p:nvPr>
@@ -46516,7 +46897,7 @@
           <a:graphicData uri="http://schemas.openxmlformats.org/presentationml/2006/ole">
             <mc:AlternateContent xmlns:mc="http://schemas.openxmlformats.org/markup-compatibility/2006">
               <mc:Choice xmlns:v="urn:schemas-microsoft-com:vml" Requires="v">
-                <p:oleObj spid="_x0000_s99761" name="Equation" r:id="rId9" imgW="1409700" imgH="965200" progId="Equation.3">
+                <p:oleObj spid="_x0000_s100013" name="Equation" r:id="rId9" imgW="1409700" imgH="965200" progId="Equation.3">
                   <p:embed/>
                 </p:oleObj>
               </mc:Choice>
@@ -48226,7 +48607,7 @@
           <a:graphicData uri="http://schemas.openxmlformats.org/presentationml/2006/ole">
             <mc:AlternateContent xmlns:mc="http://schemas.openxmlformats.org/markup-compatibility/2006">
               <mc:Choice xmlns:v="urn:schemas-microsoft-com:vml" Requires="v">
-                <p:oleObj spid="_x0000_s101629" name="Equation" r:id="rId3" imgW="1612900" imgH="241300" progId="Equation.3">
+                <p:oleObj spid="_x0000_s101820" name="Equation" r:id="rId3" imgW="1612900" imgH="241300" progId="Equation.3">
                   <p:embed/>
                 </p:oleObj>
               </mc:Choice>
@@ -48270,25 +48651,25 @@
           <p:nvPr>
             <p:extLst>
               <p:ext uri="{D42A27DB-BD31-4B8C-83A1-F6EECF244321}">
-                <p14:modId xmlns:p14="http://schemas.microsoft.com/office/powerpoint/2010/main" val="3180952968"/>
+                <p14:modId xmlns:p14="http://schemas.microsoft.com/office/powerpoint/2010/main" val="1539844255"/>
               </p:ext>
             </p:extLst>
           </p:nvPr>
         </p:nvGraphicFramePr>
         <p:xfrm>
-          <a:off x="2967038" y="3400425"/>
-          <a:ext cx="3486150" cy="493713"/>
+          <a:off x="2928938" y="3400425"/>
+          <a:ext cx="3563937" cy="493713"/>
         </p:xfrm>
         <a:graphic>
           <a:graphicData uri="http://schemas.openxmlformats.org/presentationml/2006/ole">
             <mc:AlternateContent xmlns:mc="http://schemas.openxmlformats.org/markup-compatibility/2006">
               <mc:Choice xmlns:v="urn:schemas-microsoft-com:vml" Requires="v">
-                <p:oleObj spid="_x0000_s101630" name="Equation" r:id="rId5" imgW="1701800" imgH="241300" progId="Equation.3">
+                <p:oleObj spid="_x0000_s101821" name="Equation" r:id="rId5" imgW="1739900" imgH="241300" progId="Equation.3">
                   <p:embed/>
                 </p:oleObj>
               </mc:Choice>
               <mc:Fallback>
-                <p:oleObj name="Equation" r:id="rId5" imgW="1701800" imgH="241300" progId="Equation.3">
+                <p:oleObj name="Equation" r:id="rId5" imgW="1739900" imgH="241300" progId="Equation.3">
                   <p:embed/>
                   <p:pic>
                     <p:nvPicPr>
@@ -48304,8 +48685,8 @@
                     </p:blipFill>
                     <p:spPr>
                       <a:xfrm>
-                        <a:off x="2967038" y="3400425"/>
-                        <a:ext cx="3486150" cy="493713"/>
+                        <a:off x="2928938" y="3400425"/>
+                        <a:ext cx="3563937" cy="493713"/>
                       </a:xfrm>
                       <a:prstGeom prst="rect">
                         <a:avLst/>
@@ -48408,7 +48789,7 @@
             </a:r>
             <a:r>
               <a:rPr lang="en-US" sz="2000" baseline="30000" dirty="0" smtClean="0"/>
-              <a:t>+1:L </a:t>
+              <a:t>+1:M </a:t>
             </a:r>
             <a:r>
               <a:rPr lang="en-US" sz="2000" dirty="0" smtClean="0"/>
@@ -48477,32 +48858,32 @@
       </p:sp>
       <p:graphicFrame>
         <p:nvGraphicFramePr>
-          <p:cNvPr id="12" name="Object 11"/>
+          <p:cNvPr id="11" name="Object 10"/>
           <p:cNvGraphicFramePr>
             <a:graphicFrameLocks noChangeAspect="1"/>
           </p:cNvGraphicFramePr>
           <p:nvPr>
             <p:extLst>
               <p:ext uri="{D42A27DB-BD31-4B8C-83A1-F6EECF244321}">
-                <p14:modId xmlns:p14="http://schemas.microsoft.com/office/powerpoint/2010/main" val="3255677112"/>
+                <p14:modId xmlns:p14="http://schemas.microsoft.com/office/powerpoint/2010/main" val="1169338961"/>
               </p:ext>
             </p:extLst>
           </p:nvPr>
         </p:nvGraphicFramePr>
         <p:xfrm>
-          <a:off x="3044825" y="4741863"/>
-          <a:ext cx="3228975" cy="538162"/>
+          <a:off x="2928938" y="4769862"/>
+          <a:ext cx="3483370" cy="1187747"/>
         </p:xfrm>
         <a:graphic>
           <a:graphicData uri="http://schemas.openxmlformats.org/presentationml/2006/ole">
             <mc:AlternateContent xmlns:mc="http://schemas.openxmlformats.org/markup-compatibility/2006">
               <mc:Choice xmlns:v="urn:schemas-microsoft-com:vml" Requires="v">
-                <p:oleObj spid="_x0000_s101631" name="Equation" r:id="rId7" imgW="1447800" imgH="241300" progId="Equation.3">
+                <p:oleObj spid="_x0000_s101822" name="Equation" r:id="rId7" imgW="1676400" imgH="571500" progId="Equation.3">
                   <p:embed/>
                 </p:oleObj>
               </mc:Choice>
               <mc:Fallback>
-                <p:oleObj name="Equation" r:id="rId7" imgW="1447800" imgH="241300" progId="Equation.3">
+                <p:oleObj name="Equation" r:id="rId7" imgW="1676400" imgH="571500" progId="Equation.3">
                   <p:embed/>
                   <p:pic>
                     <p:nvPicPr>
@@ -48518,8 +48899,8 @@
                     </p:blipFill>
                     <p:spPr>
                       <a:xfrm>
-                        <a:off x="3044825" y="4741863"/>
-                        <a:ext cx="3228975" cy="538162"/>
+                        <a:off x="2928938" y="4769862"/>
+                        <a:ext cx="3483370" cy="1187747"/>
                       </a:xfrm>
                       <a:prstGeom prst="rect">
                         <a:avLst/>
@@ -48534,13 +48915,13 @@
       </p:graphicFrame>
       <p:sp>
         <p:nvSpPr>
-          <p:cNvPr id="13" name="TextBox 12"/>
+          <p:cNvPr id="14" name="TextBox 13"/>
           <p:cNvSpPr txBox="1"/>
           <p:nvPr/>
         </p:nvSpPr>
         <p:spPr>
           <a:xfrm>
-            <a:off x="1949697" y="4341875"/>
+            <a:off x="1949697" y="4305170"/>
             <a:ext cx="5391670" cy="400110"/>
           </a:xfrm>
           <a:prstGeom prst="rect">
@@ -48711,7 +49092,7 @@
           <a:graphicData uri="http://schemas.openxmlformats.org/presentationml/2006/ole">
             <mc:AlternateContent xmlns:mc="http://schemas.openxmlformats.org/markup-compatibility/2006">
               <mc:Choice xmlns:v="urn:schemas-microsoft-com:vml" Requires="v">
-                <p:oleObj spid="_x0000_s103707" name="Equation" r:id="rId3" imgW="1612900" imgH="241300" progId="Equation.3">
+                <p:oleObj spid="_x0000_s103959" name="Equation" r:id="rId3" imgW="1612900" imgH="241300" progId="Equation.3">
                   <p:embed/>
                 </p:oleObj>
               </mc:Choice>
@@ -48768,7 +49149,7 @@
           <a:graphicData uri="http://schemas.openxmlformats.org/presentationml/2006/ole">
             <mc:AlternateContent xmlns:mc="http://schemas.openxmlformats.org/markup-compatibility/2006">
               <mc:Choice xmlns:v="urn:schemas-microsoft-com:vml" Requires="v">
-                <p:oleObj spid="_x0000_s103708" name="Equation" r:id="rId5" imgW="3352800" imgH="393700" progId="Equation.3">
+                <p:oleObj spid="_x0000_s103960" name="Equation" r:id="rId5" imgW="3352800" imgH="393700" progId="Equation.3">
                   <p:embed/>
                 </p:oleObj>
               </mc:Choice>
@@ -48825,7 +49206,7 @@
           <a:graphicData uri="http://schemas.openxmlformats.org/presentationml/2006/ole">
             <mc:AlternateContent xmlns:mc="http://schemas.openxmlformats.org/markup-compatibility/2006">
               <mc:Choice xmlns:v="urn:schemas-microsoft-com:vml" Requires="v">
-                <p:oleObj spid="_x0000_s103709" name="Equation" r:id="rId7" imgW="2717800" imgH="266700" progId="Equation.3">
+                <p:oleObj spid="_x0000_s103961" name="Equation" r:id="rId7" imgW="2717800" imgH="266700" progId="Equation.3">
                   <p:embed/>
                 </p:oleObj>
               </mc:Choice>
@@ -48907,7 +49288,7 @@
           <p:nvPr>
             <p:extLst>
               <p:ext uri="{D42A27DB-BD31-4B8C-83A1-F6EECF244321}">
-                <p14:modId xmlns:p14="http://schemas.microsoft.com/office/powerpoint/2010/main" val="3645880155"/>
+                <p14:modId xmlns:p14="http://schemas.microsoft.com/office/powerpoint/2010/main" val="444412427"/>
               </p:ext>
             </p:extLst>
           </p:nvPr>
@@ -48920,7 +49301,7 @@
           <a:graphicData uri="http://schemas.openxmlformats.org/presentationml/2006/ole">
             <mc:AlternateContent xmlns:mc="http://schemas.openxmlformats.org/markup-compatibility/2006">
               <mc:Choice xmlns:v="urn:schemas-microsoft-com:vml" Requires="v">
-                <p:oleObj spid="_x0000_s103710" name="Equation" r:id="rId9" imgW="1625600" imgH="482600" progId="Equation.3">
+                <p:oleObj spid="_x0000_s103962" name="Equation" r:id="rId9" imgW="1625600" imgH="482600" progId="Equation.3">
                   <p:embed/>
                 </p:oleObj>
               </mc:Choice>
@@ -49326,25 +49707,25 @@
           <p:nvPr>
             <p:extLst>
               <p:ext uri="{D42A27DB-BD31-4B8C-83A1-F6EECF244321}">
-                <p14:modId xmlns:p14="http://schemas.microsoft.com/office/powerpoint/2010/main" val="2289308228"/>
+                <p14:modId xmlns:p14="http://schemas.microsoft.com/office/powerpoint/2010/main" val="2705922094"/>
               </p:ext>
             </p:extLst>
           </p:nvPr>
         </p:nvGraphicFramePr>
         <p:xfrm>
-          <a:off x="671513" y="2938463"/>
-          <a:ext cx="7364412" cy="808037"/>
+          <a:off x="568325" y="2938463"/>
+          <a:ext cx="7572375" cy="808037"/>
         </p:xfrm>
         <a:graphic>
           <a:graphicData uri="http://schemas.openxmlformats.org/presentationml/2006/ole">
             <mc:AlternateContent xmlns:mc="http://schemas.openxmlformats.org/markup-compatibility/2006">
               <mc:Choice xmlns:v="urn:schemas-microsoft-com:vml" Requires="v">
-                <p:oleObj spid="_x0000_s105714" name="Equation" r:id="rId3" imgW="3594100" imgH="393700" progId="Equation.3">
+                <p:oleObj spid="_x0000_s105966" name="Equation" r:id="rId3" imgW="3695700" imgH="393700" progId="Equation.3">
                   <p:embed/>
                 </p:oleObj>
               </mc:Choice>
               <mc:Fallback>
-                <p:oleObj name="Equation" r:id="rId3" imgW="3594100" imgH="393700" progId="Equation.3">
+                <p:oleObj name="Equation" r:id="rId3" imgW="3695700" imgH="393700" progId="Equation.3">
                   <p:embed/>
                   <p:pic>
                     <p:nvPicPr>
@@ -49360,8 +49741,8 @@
                     </p:blipFill>
                     <p:spPr>
                       <a:xfrm>
-                        <a:off x="671513" y="2938463"/>
-                        <a:ext cx="7364412" cy="808037"/>
+                        <a:off x="568325" y="2938463"/>
+                        <a:ext cx="7572375" cy="808037"/>
                       </a:xfrm>
                       <a:prstGeom prst="rect">
                         <a:avLst/>
@@ -49396,7 +49777,7 @@
           <a:graphicData uri="http://schemas.openxmlformats.org/presentationml/2006/ole">
             <mc:AlternateContent xmlns:mc="http://schemas.openxmlformats.org/markup-compatibility/2006">
               <mc:Choice xmlns:v="urn:schemas-microsoft-com:vml" Requires="v">
-                <p:oleObj spid="_x0000_s105715" name="Equation" r:id="rId5" imgW="584200" imgH="215900" progId="Equation.3">
+                <p:oleObj spid="_x0000_s105967" name="Equation" r:id="rId5" imgW="584200" imgH="215900" progId="Equation.3">
                   <p:embed/>
                 </p:oleObj>
               </mc:Choice>
@@ -49478,7 +49859,7 @@
           <p:nvPr>
             <p:extLst>
               <p:ext uri="{D42A27DB-BD31-4B8C-83A1-F6EECF244321}">
-                <p14:modId xmlns:p14="http://schemas.microsoft.com/office/powerpoint/2010/main" val="827854092"/>
+                <p14:modId xmlns:p14="http://schemas.microsoft.com/office/powerpoint/2010/main" val="2978106532"/>
               </p:ext>
             </p:extLst>
           </p:nvPr>
@@ -49491,7 +49872,7 @@
           <a:graphicData uri="http://schemas.openxmlformats.org/presentationml/2006/ole">
             <mc:AlternateContent xmlns:mc="http://schemas.openxmlformats.org/markup-compatibility/2006">
               <mc:Choice xmlns:v="urn:schemas-microsoft-com:vml" Requires="v">
-                <p:oleObj spid="_x0000_s105716" name="Equation" r:id="rId7" imgW="1600200" imgH="482600" progId="Equation.3">
+                <p:oleObj spid="_x0000_s105968" name="Equation" r:id="rId7" imgW="1600200" imgH="482600" progId="Equation.3">
                   <p:embed/>
                 </p:oleObj>
               </mc:Choice>
@@ -49535,25 +49916,25 @@
           <p:nvPr>
             <p:extLst>
               <p:ext uri="{D42A27DB-BD31-4B8C-83A1-F6EECF244321}">
-                <p14:modId xmlns:p14="http://schemas.microsoft.com/office/powerpoint/2010/main" val="500867628"/>
+                <p14:modId xmlns:p14="http://schemas.microsoft.com/office/powerpoint/2010/main" val="3128760518"/>
               </p:ext>
             </p:extLst>
           </p:nvPr>
         </p:nvGraphicFramePr>
         <p:xfrm>
-          <a:off x="3729038" y="1707091"/>
-          <a:ext cx="3486150" cy="493713"/>
+          <a:off x="3690938" y="1706563"/>
+          <a:ext cx="3563937" cy="493712"/>
         </p:xfrm>
         <a:graphic>
           <a:graphicData uri="http://schemas.openxmlformats.org/presentationml/2006/ole">
             <mc:AlternateContent xmlns:mc="http://schemas.openxmlformats.org/markup-compatibility/2006">
               <mc:Choice xmlns:v="urn:schemas-microsoft-com:vml" Requires="v">
-                <p:oleObj spid="_x0000_s105717" name="Equation" r:id="rId9" imgW="1701800" imgH="241300" progId="Equation.3">
+                <p:oleObj spid="_x0000_s105969" name="Equation" r:id="rId9" imgW="1739900" imgH="241300" progId="Equation.3">
                   <p:embed/>
                 </p:oleObj>
               </mc:Choice>
               <mc:Fallback>
-                <p:oleObj name="Equation" r:id="rId9" imgW="1701800" imgH="241300" progId="Equation.3">
+                <p:oleObj name="Equation" r:id="rId9" imgW="1739900" imgH="241300" progId="Equation.3">
                   <p:embed/>
                   <p:pic>
                     <p:nvPicPr>
@@ -49569,8 +49950,8 @@
                     </p:blipFill>
                     <p:spPr>
                       <a:xfrm>
-                        <a:off x="3729038" y="1707091"/>
-                        <a:ext cx="3486150" cy="493713"/>
+                        <a:off x="3690938" y="1706563"/>
+                        <a:ext cx="3563937" cy="493712"/>
                       </a:xfrm>
                       <a:prstGeom prst="rect">
                         <a:avLst/>
@@ -49775,8 +50156,8 @@
               <a:t>x</a:t>
             </a:r>
             <a:r>
-              <a:rPr lang="en-US" baseline="30000" dirty="0" err="1" smtClean="0"/>
-              <a:t>L</a:t>
+              <a:rPr lang="en-US" baseline="30000" dirty="0" err="1"/>
+              <a:t>M</a:t>
             </a:r>
             <a:r>
               <a:rPr lang="en-US" dirty="0" smtClean="0"/>
@@ -49814,8 +50195,8 @@
               <a:t>y</a:t>
             </a:r>
             <a:r>
-              <a:rPr lang="en-US" baseline="30000" dirty="0" err="1" smtClean="0"/>
-              <a:t>L</a:t>
+              <a:rPr lang="en-US" baseline="30000" dirty="0" err="1"/>
+              <a:t>M</a:t>
             </a:r>
             <a:r>
               <a:rPr lang="en-US" dirty="0" smtClean="0"/>
@@ -49870,7 +50251,7 @@
           <a:graphicData uri="http://schemas.openxmlformats.org/presentationml/2006/ole">
             <mc:AlternateContent xmlns:mc="http://schemas.openxmlformats.org/markup-compatibility/2006">
               <mc:Choice xmlns:v="urn:schemas-microsoft-com:vml" Requires="v">
-                <p:oleObj spid="_x0000_s106660" name="Equation" r:id="rId3" imgW="1612900" imgH="241300" progId="Equation.3">
+                <p:oleObj spid="_x0000_s106851" name="Equation" r:id="rId3" imgW="1612900" imgH="241300" progId="Equation.3">
                   <p:embed/>
                 </p:oleObj>
               </mc:Choice>
@@ -49914,25 +50295,25 @@
           <p:nvPr>
             <p:extLst>
               <p:ext uri="{D42A27DB-BD31-4B8C-83A1-F6EECF244321}">
-                <p14:modId xmlns:p14="http://schemas.microsoft.com/office/powerpoint/2010/main" val="1709475794"/>
+                <p14:modId xmlns:p14="http://schemas.microsoft.com/office/powerpoint/2010/main" val="3089286837"/>
               </p:ext>
             </p:extLst>
           </p:nvPr>
         </p:nvGraphicFramePr>
         <p:xfrm>
-          <a:off x="4113620" y="2841583"/>
-          <a:ext cx="3486150" cy="493713"/>
+          <a:off x="4075113" y="2841625"/>
+          <a:ext cx="3563937" cy="493713"/>
         </p:xfrm>
         <a:graphic>
           <a:graphicData uri="http://schemas.openxmlformats.org/presentationml/2006/ole">
             <mc:AlternateContent xmlns:mc="http://schemas.openxmlformats.org/markup-compatibility/2006">
               <mc:Choice xmlns:v="urn:schemas-microsoft-com:vml" Requires="v">
-                <p:oleObj spid="_x0000_s106661" name="Equation" r:id="rId5" imgW="1701800" imgH="241300" progId="Equation.3">
+                <p:oleObj spid="_x0000_s106852" name="Equation" r:id="rId5" imgW="1739900" imgH="241300" progId="Equation.3">
                   <p:embed/>
                 </p:oleObj>
               </mc:Choice>
               <mc:Fallback>
-                <p:oleObj name="Equation" r:id="rId5" imgW="1701800" imgH="241300" progId="Equation.3">
+                <p:oleObj name="Equation" r:id="rId5" imgW="1739900" imgH="241300" progId="Equation.3">
                   <p:embed/>
                   <p:pic>
                     <p:nvPicPr>
@@ -49948,8 +50329,8 @@
                     </p:blipFill>
                     <p:spPr>
                       <a:xfrm>
-                        <a:off x="4113620" y="2841583"/>
-                        <a:ext cx="3486150" cy="493713"/>
+                        <a:off x="4075113" y="2841625"/>
+                        <a:ext cx="3563937" cy="493713"/>
                       </a:xfrm>
                       <a:prstGeom prst="rect">
                         <a:avLst/>
@@ -49964,32 +50345,32 @@
       </p:graphicFrame>
       <p:graphicFrame>
         <p:nvGraphicFramePr>
-          <p:cNvPr id="7" name="Object 6"/>
+          <p:cNvPr id="8" name="Object 7"/>
           <p:cNvGraphicFramePr>
             <a:graphicFrameLocks noChangeAspect="1"/>
           </p:cNvGraphicFramePr>
           <p:nvPr>
             <p:extLst>
               <p:ext uri="{D42A27DB-BD31-4B8C-83A1-F6EECF244321}">
-                <p14:modId xmlns:p14="http://schemas.microsoft.com/office/powerpoint/2010/main" val="2044289248"/>
+                <p14:modId xmlns:p14="http://schemas.microsoft.com/office/powerpoint/2010/main" val="2489105820"/>
               </p:ext>
             </p:extLst>
           </p:nvPr>
         </p:nvGraphicFramePr>
         <p:xfrm>
-          <a:off x="2719388" y="5157788"/>
-          <a:ext cx="4130675" cy="688975"/>
+          <a:off x="2928938" y="5061568"/>
+          <a:ext cx="3483370" cy="1187747"/>
         </p:xfrm>
         <a:graphic>
           <a:graphicData uri="http://schemas.openxmlformats.org/presentationml/2006/ole">
             <mc:AlternateContent xmlns:mc="http://schemas.openxmlformats.org/markup-compatibility/2006">
               <mc:Choice xmlns:v="urn:schemas-microsoft-com:vml" Requires="v">
-                <p:oleObj spid="_x0000_s106662" name="Equation" r:id="rId7" imgW="1447800" imgH="241300" progId="Equation.3">
+                <p:oleObj spid="_x0000_s106853" name="Equation" r:id="rId7" imgW="1676400" imgH="571500" progId="Equation.3">
                   <p:embed/>
                 </p:oleObj>
               </mc:Choice>
               <mc:Fallback>
-                <p:oleObj name="Equation" r:id="rId7" imgW="1447800" imgH="241300" progId="Equation.3">
+                <p:oleObj name="Equation" r:id="rId7" imgW="1676400" imgH="571500" progId="Equation.3">
                   <p:embed/>
                   <p:pic>
                     <p:nvPicPr>
@@ -50005,8 +50386,8 @@
                     </p:blipFill>
                     <p:spPr>
                       <a:xfrm>
-                        <a:off x="2719388" y="5157788"/>
-                        <a:ext cx="4130675" cy="688975"/>
+                        <a:off x="2928938" y="5061568"/>
+                        <a:ext cx="3483370" cy="1187747"/>
                       </a:xfrm>
                       <a:prstGeom prst="rect">
                         <a:avLst/>
@@ -50142,11 +50523,7 @@
           <a:p>
             <a:r>
               <a:rPr lang="en-US" dirty="0" smtClean="0"/>
-              <a:t>Train using EM </a:t>
-            </a:r>
-            <a:r>
-              <a:rPr lang="en-US" dirty="0" smtClean="0"/>
-              <a:t>algorithm</a:t>
+              <a:t>Train using EM algorithm</a:t>
             </a:r>
           </a:p>
           <a:p>
@@ -50208,7 +50585,7 @@
           <a:graphicData uri="http://schemas.openxmlformats.org/presentationml/2006/ole">
             <mc:AlternateContent xmlns:mc="http://schemas.openxmlformats.org/markup-compatibility/2006">
               <mc:Choice xmlns:v="urn:schemas-microsoft-com:vml" Requires="v">
-                <p:oleObj spid="_x0000_s107568" name="Equation" r:id="rId3" imgW="635000" imgH="279400" progId="Equation.3">
+                <p:oleObj spid="_x0000_s107637" name="Equation" r:id="rId3" imgW="635000" imgH="279400" progId="Equation.3">
                   <p:embed/>
                 </p:oleObj>
               </mc:Choice>
@@ -50471,25 +50848,25 @@
           <p:nvPr>
             <p:extLst>
               <p:ext uri="{D42A27DB-BD31-4B8C-83A1-F6EECF244321}">
-                <p14:modId xmlns:p14="http://schemas.microsoft.com/office/powerpoint/2010/main" val="3647790566"/>
+                <p14:modId xmlns:p14="http://schemas.microsoft.com/office/powerpoint/2010/main" val="3239046981"/>
               </p:ext>
             </p:extLst>
           </p:nvPr>
         </p:nvGraphicFramePr>
         <p:xfrm>
-          <a:off x="2441494" y="4405841"/>
-          <a:ext cx="4476750" cy="676275"/>
+          <a:off x="2365375" y="4405313"/>
+          <a:ext cx="4629150" cy="676275"/>
         </p:xfrm>
         <a:graphic>
           <a:graphicData uri="http://schemas.openxmlformats.org/presentationml/2006/ole">
             <mc:AlternateContent xmlns:mc="http://schemas.openxmlformats.org/markup-compatibility/2006">
               <mc:Choice xmlns:v="urn:schemas-microsoft-com:vml" Requires="v">
-                <p:oleObj spid="_x0000_s110598" name="Equation" r:id="rId3" imgW="2603500" imgH="393700" progId="Equation.3">
+                <p:oleObj spid="_x0000_s110667" name="Equation" r:id="rId3" imgW="2692400" imgH="393700" progId="Equation.3">
                   <p:embed/>
                 </p:oleObj>
               </mc:Choice>
               <mc:Fallback>
-                <p:oleObj name="Equation" r:id="rId3" imgW="2603500" imgH="393700" progId="Equation.3">
+                <p:oleObj name="Equation" r:id="rId3" imgW="2692400" imgH="393700" progId="Equation.3">
                   <p:embed/>
                   <p:pic>
                     <p:nvPicPr>
@@ -50505,8 +50882,8 @@
                     </p:blipFill>
                     <p:spPr>
                       <a:xfrm>
-                        <a:off x="2441494" y="4405841"/>
-                        <a:ext cx="4476750" cy="676275"/>
+                        <a:off x="2365375" y="4405313"/>
+                        <a:ext cx="4629150" cy="676275"/>
                       </a:xfrm>
                       <a:prstGeom prst="rect">
                         <a:avLst/>
